--- a/PresentationBootCamp.pptx
+++ b/PresentationBootCamp.pptx
@@ -4460,7 +4460,7 @@
         </p:nvSpPr>
         <p:spPr>
           <a:xfrm>
-            <a:off x="6364609" y="5086341"/>
+            <a:off x="6364609" y="4562234"/>
             <a:ext cx="4805996" cy="745530"/>
           </a:xfrm>
         </p:spPr>
@@ -6690,14 +6690,6 @@
                 </a:solidFill>
               </a:rPr>
             </a:br>
-            <a:r>
-              <a:rPr lang="en-IN" sz="1900" i="1" dirty="0">
-                <a:solidFill>
-                  <a:schemeClr val="tx2"/>
-                </a:solidFill>
-              </a:rPr>
-              <a:t>From Single Agent → Multi-Agent → Evaluation &amp; Optimization</a:t>
-            </a:r>
             <a:endParaRPr lang="en-US" sz="1900" dirty="0">
               <a:solidFill>
                 <a:schemeClr val="tx2"/>

--- a/PresentationBootCamp.pptx
+++ b/PresentationBootCamp.pptx
@@ -9,9 +9,9 @@
   </p:notesMasterIdLst>
   <p:sldIdLst>
     <p:sldId id="256" r:id="rId2"/>
-    <p:sldId id="260" r:id="rId3"/>
-    <p:sldId id="276" r:id="rId4"/>
-    <p:sldId id="262" r:id="rId5"/>
+    <p:sldId id="278" r:id="rId3"/>
+    <p:sldId id="260" r:id="rId4"/>
+    <p:sldId id="276" r:id="rId5"/>
     <p:sldId id="263" r:id="rId6"/>
     <p:sldId id="265" r:id="rId7"/>
     <p:sldId id="274" r:id="rId8"/>
@@ -206,7 +206,7 @@
           <a:p>
             <a:fld id="{691AB642-803F-9449-BF7B-323927EAA89C}" type="datetimeFigureOut">
               <a:rPr lang="en-US" smtClean="0"/>
-              <a:t>2/2/26</a:t>
+              <a:t>2/3/26</a:t>
             </a:fld>
             <a:endParaRPr lang="en-US"/>
           </a:p>
@@ -1244,7 +1244,7 @@
           <a:p>
             <a:fld id="{4439227A-EF89-6541-828B-1C350939ACB8}" type="datetimeFigureOut">
               <a:rPr lang="en-US" smtClean="0"/>
-              <a:t>2/2/26</a:t>
+              <a:t>2/3/26</a:t>
             </a:fld>
             <a:endParaRPr lang="en-US"/>
           </a:p>
@@ -1442,7 +1442,7 @@
           <a:p>
             <a:fld id="{4439227A-EF89-6541-828B-1C350939ACB8}" type="datetimeFigureOut">
               <a:rPr lang="en-US" smtClean="0"/>
-              <a:t>2/2/26</a:t>
+              <a:t>2/3/26</a:t>
             </a:fld>
             <a:endParaRPr lang="en-US"/>
           </a:p>
@@ -1650,7 +1650,7 @@
           <a:p>
             <a:fld id="{4439227A-EF89-6541-828B-1C350939ACB8}" type="datetimeFigureOut">
               <a:rPr lang="en-US" smtClean="0"/>
-              <a:t>2/2/26</a:t>
+              <a:t>2/3/26</a:t>
             </a:fld>
             <a:endParaRPr lang="en-US"/>
           </a:p>
@@ -1848,7 +1848,7 @@
           <a:p>
             <a:fld id="{4439227A-EF89-6541-828B-1C350939ACB8}" type="datetimeFigureOut">
               <a:rPr lang="en-US" smtClean="0"/>
-              <a:t>2/2/26</a:t>
+              <a:t>2/3/26</a:t>
             </a:fld>
             <a:endParaRPr lang="en-US"/>
           </a:p>
@@ -2123,7 +2123,7 @@
           <a:p>
             <a:fld id="{4439227A-EF89-6541-828B-1C350939ACB8}" type="datetimeFigureOut">
               <a:rPr lang="en-US" smtClean="0"/>
-              <a:t>2/2/26</a:t>
+              <a:t>2/3/26</a:t>
             </a:fld>
             <a:endParaRPr lang="en-US"/>
           </a:p>
@@ -2388,7 +2388,7 @@
           <a:p>
             <a:fld id="{4439227A-EF89-6541-828B-1C350939ACB8}" type="datetimeFigureOut">
               <a:rPr lang="en-US" smtClean="0"/>
-              <a:t>2/2/26</a:t>
+              <a:t>2/3/26</a:t>
             </a:fld>
             <a:endParaRPr lang="en-US"/>
           </a:p>
@@ -2800,7 +2800,7 @@
           <a:p>
             <a:fld id="{4439227A-EF89-6541-828B-1C350939ACB8}" type="datetimeFigureOut">
               <a:rPr lang="en-US" smtClean="0"/>
-              <a:t>2/2/26</a:t>
+              <a:t>2/3/26</a:t>
             </a:fld>
             <a:endParaRPr lang="en-US"/>
           </a:p>
@@ -2941,7 +2941,7 @@
           <a:p>
             <a:fld id="{4439227A-EF89-6541-828B-1C350939ACB8}" type="datetimeFigureOut">
               <a:rPr lang="en-US" smtClean="0"/>
-              <a:t>2/2/26</a:t>
+              <a:t>2/3/26</a:t>
             </a:fld>
             <a:endParaRPr lang="en-US"/>
           </a:p>
@@ -3054,7 +3054,7 @@
           <a:p>
             <a:fld id="{4439227A-EF89-6541-828B-1C350939ACB8}" type="datetimeFigureOut">
               <a:rPr lang="en-US" smtClean="0"/>
-              <a:t>2/2/26</a:t>
+              <a:t>2/3/26</a:t>
             </a:fld>
             <a:endParaRPr lang="en-US"/>
           </a:p>
@@ -3365,7 +3365,7 @@
           <a:p>
             <a:fld id="{4439227A-EF89-6541-828B-1C350939ACB8}" type="datetimeFigureOut">
               <a:rPr lang="en-US" smtClean="0"/>
-              <a:t>2/2/26</a:t>
+              <a:t>2/3/26</a:t>
             </a:fld>
             <a:endParaRPr lang="en-US"/>
           </a:p>
@@ -3653,7 +3653,7 @@
           <a:p>
             <a:fld id="{4439227A-EF89-6541-828B-1C350939ACB8}" type="datetimeFigureOut">
               <a:rPr lang="en-US" smtClean="0"/>
-              <a:t>2/2/26</a:t>
+              <a:t>2/3/26</a:t>
             </a:fld>
             <a:endParaRPr lang="en-US"/>
           </a:p>
@@ -3894,7 +3894,7 @@
           <a:p>
             <a:fld id="{4439227A-EF89-6541-828B-1C350939ACB8}" type="datetimeFigureOut">
               <a:rPr lang="en-US" smtClean="0"/>
-              <a:t>2/2/26</a:t>
+              <a:t>2/3/26</a:t>
             </a:fld>
             <a:endParaRPr lang="en-US"/>
           </a:p>
@@ -9758,6 +9758,3224 @@
     </p:bg>
     <p:spTree>
       <p:nvGrpSpPr>
+        <p:cNvPr id="1" name="">
+          <a:extLst>
+            <a:ext uri="{FF2B5EF4-FFF2-40B4-BE49-F238E27FC236}">
+              <a16:creationId xmlns:a16="http://schemas.microsoft.com/office/drawing/2014/main" id="{90DA6238-5699-F113-71F5-4602FF97D0E5}"/>
+            </a:ext>
+          </a:extLst>
+        </p:cNvPr>
+        <p:cNvGrpSpPr/>
+        <p:nvPr/>
+      </p:nvGrpSpPr>
+      <p:grpSpPr>
+        <a:xfrm>
+          <a:off x="0" y="0"/>
+          <a:ext cx="0" cy="0"/>
+          <a:chOff x="0" y="0"/>
+          <a:chExt cx="0" cy="0"/>
+        </a:xfrm>
+      </p:grpSpPr>
+      <p:sp useBgFill="1">
+        <p:nvSpPr>
+          <p:cNvPr id="8" name="Rectangle 7">
+            <a:extLst>
+              <a:ext uri="{FF2B5EF4-FFF2-40B4-BE49-F238E27FC236}">
+                <a16:creationId xmlns:a16="http://schemas.microsoft.com/office/drawing/2014/main" id="{965EC26E-ACC8-1B59-EAD3-44D90224B88E}"/>
+              </a:ext>
+              <a:ext uri="{C183D7F6-B498-43B3-948B-1728B52AA6E4}">
+                <adec:decorative xmlns:adec="http://schemas.microsoft.com/office/drawing/2017/decorative" val="1"/>
+              </a:ext>
+            </a:extLst>
+          </p:cNvPr>
+          <p:cNvSpPr>
+            <a:spLocks noGrp="1" noRot="1" noChangeAspect="1" noMove="1" noResize="1" noEditPoints="1" noAdjustHandles="1" noChangeArrowheads="1" noChangeShapeType="1" noTextEdit="1"/>
+          </p:cNvSpPr>
+          <p:nvPr>
+            <p:extLst>
+              <p:ext uri="{386F3935-93C4-4BCD-93E2-E3B085C9AB24}">
+                <p16:designElem xmlns:p16="http://schemas.microsoft.com/office/powerpoint/2015/main" val="1"/>
+              </p:ext>
+            </p:extLst>
+          </p:nvPr>
+        </p:nvSpPr>
+        <p:spPr>
+          <a:xfrm>
+            <a:off x="0" y="1"/>
+            <a:ext cx="12191695" cy="6858000"/>
+          </a:xfrm>
+          <a:prstGeom prst="rect">
+            <a:avLst/>
+          </a:prstGeom>
+          <a:ln>
+            <a:noFill/>
+          </a:ln>
+        </p:spPr>
+        <p:style>
+          <a:lnRef idx="2">
+            <a:schemeClr val="accent1">
+              <a:shade val="50000"/>
+            </a:schemeClr>
+          </a:lnRef>
+          <a:fillRef idx="1">
+            <a:schemeClr val="accent1"/>
+          </a:fillRef>
+          <a:effectRef idx="0">
+            <a:schemeClr val="accent1"/>
+          </a:effectRef>
+          <a:fontRef idx="minor">
+            <a:schemeClr val="lt1"/>
+          </a:fontRef>
+        </p:style>
+        <p:txBody>
+          <a:bodyPr rtlCol="0" anchor="ctr"/>
+          <a:lstStyle/>
+          <a:p>
+            <a:pPr algn="ctr"/>
+            <a:endParaRPr lang="en-US"/>
+          </a:p>
+        </p:txBody>
+      </p:sp>
+      <p:sp>
+        <p:nvSpPr>
+          <p:cNvPr id="10" name="Rectangle 9">
+            <a:extLst>
+              <a:ext uri="{FF2B5EF4-FFF2-40B4-BE49-F238E27FC236}">
+                <a16:creationId xmlns:a16="http://schemas.microsoft.com/office/drawing/2014/main" id="{93306EE3-3DF2-6FE7-1D9C-BE9EFD7924AE}"/>
+              </a:ext>
+              <a:ext uri="{C183D7F6-B498-43B3-948B-1728B52AA6E4}">
+                <adec:decorative xmlns:adec="http://schemas.microsoft.com/office/drawing/2017/decorative" val="1"/>
+              </a:ext>
+            </a:extLst>
+          </p:cNvPr>
+          <p:cNvSpPr>
+            <a:spLocks noGrp="1" noRot="1" noChangeAspect="1" noMove="1" noResize="1" noEditPoints="1" noAdjustHandles="1" noChangeArrowheads="1" noChangeShapeType="1" noTextEdit="1"/>
+          </p:cNvSpPr>
+          <p:nvPr>
+            <p:extLst>
+              <p:ext uri="{386F3935-93C4-4BCD-93E2-E3B085C9AB24}">
+                <p16:designElem xmlns:p16="http://schemas.microsoft.com/office/powerpoint/2015/main" val="1"/>
+              </p:ext>
+            </p:extLst>
+          </p:nvPr>
+        </p:nvSpPr>
+        <p:spPr>
+          <a:xfrm>
+            <a:off x="0" y="0"/>
+            <a:ext cx="12191695" cy="6858000"/>
+          </a:xfrm>
+          <a:prstGeom prst="rect">
+            <a:avLst/>
+          </a:prstGeom>
+          <a:gradFill flip="none" rotWithShape="1">
+            <a:gsLst>
+              <a:gs pos="16000">
+                <a:schemeClr val="accent6">
+                  <a:alpha val="20000"/>
+                </a:schemeClr>
+              </a:gs>
+              <a:gs pos="85000">
+                <a:schemeClr val="accent1">
+                  <a:alpha val="40000"/>
+                </a:schemeClr>
+              </a:gs>
+            </a:gsLst>
+            <a:lin ang="12000000" scaled="0"/>
+            <a:tileRect/>
+          </a:gradFill>
+          <a:ln>
+            <a:noFill/>
+          </a:ln>
+        </p:spPr>
+        <p:style>
+          <a:lnRef idx="2">
+            <a:schemeClr val="accent1">
+              <a:shade val="50000"/>
+            </a:schemeClr>
+          </a:lnRef>
+          <a:fillRef idx="1">
+            <a:schemeClr val="accent1"/>
+          </a:fillRef>
+          <a:effectRef idx="0">
+            <a:schemeClr val="accent1"/>
+          </a:effectRef>
+          <a:fontRef idx="minor">
+            <a:schemeClr val="lt1"/>
+          </a:fontRef>
+        </p:style>
+        <p:txBody>
+          <a:bodyPr rtlCol="0" anchor="ctr"/>
+          <a:lstStyle/>
+          <a:p>
+            <a:pPr algn="ctr"/>
+            <a:endParaRPr lang="en-US"/>
+          </a:p>
+        </p:txBody>
+      </p:sp>
+      <p:grpSp>
+        <p:nvGrpSpPr>
+          <p:cNvPr id="12" name="Group 11">
+            <a:extLst>
+              <a:ext uri="{FF2B5EF4-FFF2-40B4-BE49-F238E27FC236}">
+                <a16:creationId xmlns:a16="http://schemas.microsoft.com/office/drawing/2014/main" id="{097D06BF-35D6-70F0-6B89-E106053E42EA}"/>
+              </a:ext>
+              <a:ext uri="{C183D7F6-B498-43B3-948B-1728B52AA6E4}">
+                <adec:decorative xmlns:adec="http://schemas.microsoft.com/office/drawing/2017/decorative" val="1"/>
+              </a:ext>
+            </a:extLst>
+          </p:cNvPr>
+          <p:cNvGrpSpPr>
+            <a:grpSpLocks noGrp="1" noUngrp="1" noRot="1" noChangeAspect="1" noMove="1" noResize="1"/>
+          </p:cNvGrpSpPr>
+          <p:nvPr>
+            <p:extLst>
+              <p:ext uri="{386F3935-93C4-4BCD-93E2-E3B085C9AB24}">
+                <p16:designElem xmlns:p16="http://schemas.microsoft.com/office/powerpoint/2015/main" val="1"/>
+              </p:ext>
+            </p:extLst>
+          </p:nvPr>
+        </p:nvGrpSpPr>
+        <p:grpSpPr>
+          <a:xfrm flipH="1">
+            <a:off x="-18230" y="-8167"/>
+            <a:ext cx="4834070" cy="2488150"/>
+            <a:chOff x="6867015" y="-1"/>
+            <a:chExt cx="5324985" cy="3251912"/>
+          </a:xfrm>
+          <a:solidFill>
+            <a:schemeClr val="bg1">
+              <a:alpha val="30000"/>
+            </a:schemeClr>
+          </a:solidFill>
+        </p:grpSpPr>
+        <p:sp>
+          <p:nvSpPr>
+            <p:cNvPr id="13" name="Freeform: Shape 12">
+              <a:extLst>
+                <a:ext uri="{FF2B5EF4-FFF2-40B4-BE49-F238E27FC236}">
+                  <a16:creationId xmlns:a16="http://schemas.microsoft.com/office/drawing/2014/main" id="{89FDD403-F527-6F7D-484F-50B0F60A87BC}"/>
+                </a:ext>
+                <a:ext uri="{C183D7F6-B498-43B3-948B-1728B52AA6E4}">
+                  <adec:decorative xmlns:adec="http://schemas.microsoft.com/office/drawing/2017/decorative" val="1"/>
+                </a:ext>
+              </a:extLst>
+            </p:cNvPr>
+            <p:cNvSpPr/>
+            <p:nvPr>
+              <p:extLst>
+                <p:ext uri="{386F3935-93C4-4BCD-93E2-E3B085C9AB24}">
+                  <p16:designElem xmlns:p16="http://schemas.microsoft.com/office/powerpoint/2015/main" val="1"/>
+                </p:ext>
+              </p:extLst>
+            </p:nvPr>
+          </p:nvSpPr>
+          <p:spPr>
+            <a:xfrm>
+              <a:off x="6867015" y="-1"/>
+              <a:ext cx="5324985" cy="3251912"/>
+            </a:xfrm>
+            <a:custGeom>
+              <a:avLst/>
+              <a:gdLst>
+                <a:gd name="connsiteX0" fmla="*/ 0 w 5324985"/>
+                <a:gd name="connsiteY0" fmla="*/ 0 h 3251912"/>
+                <a:gd name="connsiteX1" fmla="*/ 36826 w 5324985"/>
+                <a:gd name="connsiteY1" fmla="*/ 0 h 3251912"/>
+                <a:gd name="connsiteX2" fmla="*/ 45003 w 5324985"/>
+                <a:gd name="connsiteY2" fmla="*/ 152909 h 3251912"/>
+                <a:gd name="connsiteX3" fmla="*/ 68956 w 5324985"/>
+                <a:gd name="connsiteY3" fmla="*/ 308600 h 3251912"/>
+                <a:gd name="connsiteX4" fmla="*/ 167774 w 5324985"/>
+                <a:gd name="connsiteY4" fmla="*/ 607968 h 3251912"/>
+                <a:gd name="connsiteX5" fmla="*/ 201857 w 5324985"/>
+                <a:gd name="connsiteY5" fmla="*/ 679539 h 3251912"/>
+                <a:gd name="connsiteX6" fmla="*/ 239741 w 5324985"/>
+                <a:gd name="connsiteY6" fmla="*/ 749488 h 3251912"/>
+                <a:gd name="connsiteX7" fmla="*/ 323724 w 5324985"/>
+                <a:gd name="connsiteY7" fmla="*/ 885101 h 3251912"/>
+                <a:gd name="connsiteX8" fmla="*/ 416412 w 5324985"/>
+                <a:gd name="connsiteY8" fmla="*/ 1016081 h 3251912"/>
+                <a:gd name="connsiteX9" fmla="*/ 515719 w 5324985"/>
+                <a:gd name="connsiteY9" fmla="*/ 1143356 h 3251912"/>
+                <a:gd name="connsiteX10" fmla="*/ 722427 w 5324985"/>
+                <a:gd name="connsiteY10" fmla="*/ 1395127 h 3251912"/>
+                <a:gd name="connsiteX11" fmla="*/ 825780 w 5324985"/>
+                <a:gd name="connsiteY11" fmla="*/ 1522749 h 3251912"/>
+                <a:gd name="connsiteX12" fmla="*/ 926314 w 5324985"/>
+                <a:gd name="connsiteY12" fmla="*/ 1651992 h 3251912"/>
+                <a:gd name="connsiteX13" fmla="*/ 1026848 w 5324985"/>
+                <a:gd name="connsiteY13" fmla="*/ 1776836 h 3251912"/>
+                <a:gd name="connsiteX14" fmla="*/ 1131918 w 5324985"/>
+                <a:gd name="connsiteY14" fmla="*/ 1897393 h 3251912"/>
+                <a:gd name="connsiteX15" fmla="*/ 1354688 w 5324985"/>
+                <a:gd name="connsiteY15" fmla="*/ 2124728 h 3251912"/>
+                <a:gd name="connsiteX16" fmla="*/ 1855027 w 5324985"/>
+                <a:gd name="connsiteY16" fmla="*/ 2504236 h 3251912"/>
+                <a:gd name="connsiteX17" fmla="*/ 2131618 w 5324985"/>
+                <a:gd name="connsiteY17" fmla="*/ 2646913 h 3251912"/>
+                <a:gd name="connsiteX18" fmla="*/ 2423534 w 5324985"/>
+                <a:gd name="connsiteY18" fmla="*/ 2754732 h 3251912"/>
+                <a:gd name="connsiteX19" fmla="*/ 2727588 w 5324985"/>
+                <a:gd name="connsiteY19" fmla="*/ 2829197 h 3251912"/>
+                <a:gd name="connsiteX20" fmla="*/ 3041083 w 5324985"/>
+                <a:gd name="connsiteY20" fmla="*/ 2870890 h 3251912"/>
+                <a:gd name="connsiteX21" fmla="*/ 3360340 w 5324985"/>
+                <a:gd name="connsiteY21" fmla="*/ 2883976 h 3251912"/>
+                <a:gd name="connsiteX22" fmla="*/ 3439663 w 5324985"/>
+                <a:gd name="connsiteY22" fmla="*/ 2883396 h 3251912"/>
+                <a:gd name="connsiteX23" fmla="*/ 3478529 w 5324985"/>
+                <a:gd name="connsiteY23" fmla="*/ 2882471 h 3251912"/>
+                <a:gd name="connsiteX24" fmla="*/ 3517271 w 5324985"/>
+                <a:gd name="connsiteY24" fmla="*/ 2880616 h 3251912"/>
+                <a:gd name="connsiteX25" fmla="*/ 3671260 w 5324985"/>
+                <a:gd name="connsiteY25" fmla="*/ 2867878 h 3251912"/>
+                <a:gd name="connsiteX26" fmla="*/ 4265268 w 5324985"/>
+                <a:gd name="connsiteY26" fmla="*/ 2716283 h 3251912"/>
+                <a:gd name="connsiteX27" fmla="*/ 4546395 w 5324985"/>
+                <a:gd name="connsiteY27" fmla="*/ 2584724 h 3251912"/>
+                <a:gd name="connsiteX28" fmla="*/ 4817837 w 5324985"/>
+                <a:gd name="connsiteY28" fmla="*/ 2424674 h 3251912"/>
+                <a:gd name="connsiteX29" fmla="*/ 5081677 w 5324985"/>
+                <a:gd name="connsiteY29" fmla="*/ 2243548 h 3251912"/>
+                <a:gd name="connsiteX30" fmla="*/ 5211881 w 5324985"/>
+                <a:gd name="connsiteY30" fmla="*/ 2147658 h 3251912"/>
+                <a:gd name="connsiteX31" fmla="*/ 5324985 w 5324985"/>
+                <a:gd name="connsiteY31" fmla="*/ 2062128 h 3251912"/>
+                <a:gd name="connsiteX32" fmla="*/ 5324985 w 5324985"/>
+                <a:gd name="connsiteY32" fmla="*/ 2514993 h 3251912"/>
+                <a:gd name="connsiteX33" fmla="*/ 5314867 w 5324985"/>
+                <a:gd name="connsiteY33" fmla="*/ 2522881 h 3251912"/>
+                <a:gd name="connsiteX34" fmla="*/ 5038276 w 5324985"/>
+                <a:gd name="connsiteY34" fmla="*/ 2722421 h 3251912"/>
+                <a:gd name="connsiteX35" fmla="*/ 4741701 w 5324985"/>
+                <a:gd name="connsiteY35" fmla="*/ 2904937 h 3251912"/>
+                <a:gd name="connsiteX36" fmla="*/ 4420728 w 5324985"/>
+                <a:gd name="connsiteY36" fmla="*/ 3058848 h 3251912"/>
+                <a:gd name="connsiteX37" fmla="*/ 3717481 w 5324985"/>
+                <a:gd name="connsiteY37" fmla="*/ 3237079 h 3251912"/>
+                <a:gd name="connsiteX38" fmla="*/ 3535661 w 5324985"/>
+                <a:gd name="connsiteY38" fmla="*/ 3249934 h 3251912"/>
+                <a:gd name="connsiteX39" fmla="*/ 3490175 w 5324985"/>
+                <a:gd name="connsiteY39" fmla="*/ 3251555 h 3251912"/>
+                <a:gd name="connsiteX40" fmla="*/ 3444813 w 5324985"/>
+                <a:gd name="connsiteY40" fmla="*/ 3251787 h 3251912"/>
+                <a:gd name="connsiteX41" fmla="*/ 3355681 w 5324985"/>
+                <a:gd name="connsiteY41" fmla="*/ 3250745 h 3251912"/>
+                <a:gd name="connsiteX42" fmla="*/ 3179011 w 5324985"/>
+                <a:gd name="connsiteY42" fmla="*/ 3243795 h 3251912"/>
+                <a:gd name="connsiteX43" fmla="*/ 3002217 w 5324985"/>
+                <a:gd name="connsiteY43" fmla="*/ 3227814 h 3251912"/>
+                <a:gd name="connsiteX44" fmla="*/ 2650103 w 5324985"/>
+                <a:gd name="connsiteY44" fmla="*/ 3170836 h 3251912"/>
+                <a:gd name="connsiteX45" fmla="*/ 2305836 w 5324985"/>
+                <a:gd name="connsiteY45" fmla="*/ 3072514 h 3251912"/>
+                <a:gd name="connsiteX46" fmla="*/ 1978611 w 5324985"/>
+                <a:gd name="connsiteY46" fmla="*/ 2929952 h 3251912"/>
+                <a:gd name="connsiteX47" fmla="*/ 1678235 w 5324985"/>
+                <a:gd name="connsiteY47" fmla="*/ 2744424 h 3251912"/>
+                <a:gd name="connsiteX48" fmla="*/ 1175688 w 5324985"/>
+                <a:gd name="connsiteY48" fmla="*/ 2277018 h 3251912"/>
+                <a:gd name="connsiteX49" fmla="*/ 971310 w 5324985"/>
+                <a:gd name="connsiteY49" fmla="*/ 2012044 h 3251912"/>
+                <a:gd name="connsiteX50" fmla="*/ 790717 w 5324985"/>
+                <a:gd name="connsiteY50" fmla="*/ 1735723 h 3251912"/>
+                <a:gd name="connsiteX51" fmla="*/ 706488 w 5324985"/>
+                <a:gd name="connsiteY51" fmla="*/ 1598604 h 3251912"/>
+                <a:gd name="connsiteX52" fmla="*/ 618951 w 5324985"/>
+                <a:gd name="connsiteY52" fmla="*/ 1463802 h 3251912"/>
+                <a:gd name="connsiteX53" fmla="*/ 436273 w 5324985"/>
+                <a:gd name="connsiteY53" fmla="*/ 1195355 h 3251912"/>
+                <a:gd name="connsiteX54" fmla="*/ 346896 w 5324985"/>
+                <a:gd name="connsiteY54" fmla="*/ 1058816 h 3251912"/>
+                <a:gd name="connsiteX55" fmla="*/ 261809 w 5324985"/>
+                <a:gd name="connsiteY55" fmla="*/ 919264 h 3251912"/>
+                <a:gd name="connsiteX56" fmla="*/ 118487 w 5324985"/>
+                <a:gd name="connsiteY56" fmla="*/ 626498 h 3251912"/>
+                <a:gd name="connsiteX57" fmla="*/ 28130 w 5324985"/>
+                <a:gd name="connsiteY57" fmla="*/ 315781 h 3251912"/>
+                <a:gd name="connsiteX58" fmla="*/ 6751 w 5324985"/>
+                <a:gd name="connsiteY58" fmla="*/ 156195 h 3251912"/>
+              </a:gdLst>
+              <a:ahLst/>
+              <a:cxnLst>
+                <a:cxn ang="0">
+                  <a:pos x="connsiteX0" y="connsiteY0"/>
+                </a:cxn>
+                <a:cxn ang="0">
+                  <a:pos x="connsiteX1" y="connsiteY1"/>
+                </a:cxn>
+                <a:cxn ang="0">
+                  <a:pos x="connsiteX2" y="connsiteY2"/>
+                </a:cxn>
+                <a:cxn ang="0">
+                  <a:pos x="connsiteX3" y="connsiteY3"/>
+                </a:cxn>
+                <a:cxn ang="0">
+                  <a:pos x="connsiteX4" y="connsiteY4"/>
+                </a:cxn>
+                <a:cxn ang="0">
+                  <a:pos x="connsiteX5" y="connsiteY5"/>
+                </a:cxn>
+                <a:cxn ang="0">
+                  <a:pos x="connsiteX6" y="connsiteY6"/>
+                </a:cxn>
+                <a:cxn ang="0">
+                  <a:pos x="connsiteX7" y="connsiteY7"/>
+                </a:cxn>
+                <a:cxn ang="0">
+                  <a:pos x="connsiteX8" y="connsiteY8"/>
+                </a:cxn>
+                <a:cxn ang="0">
+                  <a:pos x="connsiteX9" y="connsiteY9"/>
+                </a:cxn>
+                <a:cxn ang="0">
+                  <a:pos x="connsiteX10" y="connsiteY10"/>
+                </a:cxn>
+                <a:cxn ang="0">
+                  <a:pos x="connsiteX11" y="connsiteY11"/>
+                </a:cxn>
+                <a:cxn ang="0">
+                  <a:pos x="connsiteX12" y="connsiteY12"/>
+                </a:cxn>
+                <a:cxn ang="0">
+                  <a:pos x="connsiteX13" y="connsiteY13"/>
+                </a:cxn>
+                <a:cxn ang="0">
+                  <a:pos x="connsiteX14" y="connsiteY14"/>
+                </a:cxn>
+                <a:cxn ang="0">
+                  <a:pos x="connsiteX15" y="connsiteY15"/>
+                </a:cxn>
+                <a:cxn ang="0">
+                  <a:pos x="connsiteX16" y="connsiteY16"/>
+                </a:cxn>
+                <a:cxn ang="0">
+                  <a:pos x="connsiteX17" y="connsiteY17"/>
+                </a:cxn>
+                <a:cxn ang="0">
+                  <a:pos x="connsiteX18" y="connsiteY18"/>
+                </a:cxn>
+                <a:cxn ang="0">
+                  <a:pos x="connsiteX19" y="connsiteY19"/>
+                </a:cxn>
+                <a:cxn ang="0">
+                  <a:pos x="connsiteX20" y="connsiteY20"/>
+                </a:cxn>
+                <a:cxn ang="0">
+                  <a:pos x="connsiteX21" y="connsiteY21"/>
+                </a:cxn>
+                <a:cxn ang="0">
+                  <a:pos x="connsiteX22" y="connsiteY22"/>
+                </a:cxn>
+                <a:cxn ang="0">
+                  <a:pos x="connsiteX23" y="connsiteY23"/>
+                </a:cxn>
+                <a:cxn ang="0">
+                  <a:pos x="connsiteX24" y="connsiteY24"/>
+                </a:cxn>
+                <a:cxn ang="0">
+                  <a:pos x="connsiteX25" y="connsiteY25"/>
+                </a:cxn>
+                <a:cxn ang="0">
+                  <a:pos x="connsiteX26" y="connsiteY26"/>
+                </a:cxn>
+                <a:cxn ang="0">
+                  <a:pos x="connsiteX27" y="connsiteY27"/>
+                </a:cxn>
+                <a:cxn ang="0">
+                  <a:pos x="connsiteX28" y="connsiteY28"/>
+                </a:cxn>
+                <a:cxn ang="0">
+                  <a:pos x="connsiteX29" y="connsiteY29"/>
+                </a:cxn>
+                <a:cxn ang="0">
+                  <a:pos x="connsiteX30" y="connsiteY30"/>
+                </a:cxn>
+                <a:cxn ang="0">
+                  <a:pos x="connsiteX31" y="connsiteY31"/>
+                </a:cxn>
+                <a:cxn ang="0">
+                  <a:pos x="connsiteX32" y="connsiteY32"/>
+                </a:cxn>
+                <a:cxn ang="0">
+                  <a:pos x="connsiteX33" y="connsiteY33"/>
+                </a:cxn>
+                <a:cxn ang="0">
+                  <a:pos x="connsiteX34" y="connsiteY34"/>
+                </a:cxn>
+                <a:cxn ang="0">
+                  <a:pos x="connsiteX35" y="connsiteY35"/>
+                </a:cxn>
+                <a:cxn ang="0">
+                  <a:pos x="connsiteX36" y="connsiteY36"/>
+                </a:cxn>
+                <a:cxn ang="0">
+                  <a:pos x="connsiteX37" y="connsiteY37"/>
+                </a:cxn>
+                <a:cxn ang="0">
+                  <a:pos x="connsiteX38" y="connsiteY38"/>
+                </a:cxn>
+                <a:cxn ang="0">
+                  <a:pos x="connsiteX39" y="connsiteY39"/>
+                </a:cxn>
+                <a:cxn ang="0">
+                  <a:pos x="connsiteX40" y="connsiteY40"/>
+                </a:cxn>
+                <a:cxn ang="0">
+                  <a:pos x="connsiteX41" y="connsiteY41"/>
+                </a:cxn>
+                <a:cxn ang="0">
+                  <a:pos x="connsiteX42" y="connsiteY42"/>
+                </a:cxn>
+                <a:cxn ang="0">
+                  <a:pos x="connsiteX43" y="connsiteY43"/>
+                </a:cxn>
+                <a:cxn ang="0">
+                  <a:pos x="connsiteX44" y="connsiteY44"/>
+                </a:cxn>
+                <a:cxn ang="0">
+                  <a:pos x="connsiteX45" y="connsiteY45"/>
+                </a:cxn>
+                <a:cxn ang="0">
+                  <a:pos x="connsiteX46" y="connsiteY46"/>
+                </a:cxn>
+                <a:cxn ang="0">
+                  <a:pos x="connsiteX47" y="connsiteY47"/>
+                </a:cxn>
+                <a:cxn ang="0">
+                  <a:pos x="connsiteX48" y="connsiteY48"/>
+                </a:cxn>
+                <a:cxn ang="0">
+                  <a:pos x="connsiteX49" y="connsiteY49"/>
+                </a:cxn>
+                <a:cxn ang="0">
+                  <a:pos x="connsiteX50" y="connsiteY50"/>
+                </a:cxn>
+                <a:cxn ang="0">
+                  <a:pos x="connsiteX51" y="connsiteY51"/>
+                </a:cxn>
+                <a:cxn ang="0">
+                  <a:pos x="connsiteX52" y="connsiteY52"/>
+                </a:cxn>
+                <a:cxn ang="0">
+                  <a:pos x="connsiteX53" y="connsiteY53"/>
+                </a:cxn>
+                <a:cxn ang="0">
+                  <a:pos x="connsiteX54" y="connsiteY54"/>
+                </a:cxn>
+                <a:cxn ang="0">
+                  <a:pos x="connsiteX55" y="connsiteY55"/>
+                </a:cxn>
+                <a:cxn ang="0">
+                  <a:pos x="connsiteX56" y="connsiteY56"/>
+                </a:cxn>
+                <a:cxn ang="0">
+                  <a:pos x="connsiteX57" y="connsiteY57"/>
+                </a:cxn>
+                <a:cxn ang="0">
+                  <a:pos x="connsiteX58" y="connsiteY58"/>
+                </a:cxn>
+              </a:cxnLst>
+              <a:rect l="l" t="t" r="r" b="b"/>
+              <a:pathLst>
+                <a:path w="5324985" h="3251912">
+                  <a:moveTo>
+                    <a:pt x="0" y="0"/>
+                  </a:moveTo>
+                  <a:lnTo>
+                    <a:pt x="36826" y="0"/>
+                  </a:lnTo>
+                  <a:lnTo>
+                    <a:pt x="45003" y="152909"/>
+                  </a:lnTo>
+                  <a:cubicBezTo>
+                    <a:pt x="50351" y="205154"/>
+                    <a:pt x="58290" y="257123"/>
+                    <a:pt x="68956" y="308600"/>
+                  </a:cubicBezTo>
+                  <a:cubicBezTo>
+                    <a:pt x="91393" y="411324"/>
+                    <a:pt x="123882" y="511847"/>
+                    <a:pt x="167774" y="607968"/>
+                  </a:cubicBezTo>
+                  <a:cubicBezTo>
+                    <a:pt x="178195" y="632173"/>
+                    <a:pt x="190333" y="655798"/>
+                    <a:pt x="201857" y="679539"/>
+                  </a:cubicBezTo>
+                  <a:cubicBezTo>
+                    <a:pt x="214363" y="702933"/>
+                    <a:pt x="226255" y="726557"/>
+                    <a:pt x="239741" y="749488"/>
+                  </a:cubicBezTo>
+                  <a:cubicBezTo>
+                    <a:pt x="265488" y="795812"/>
+                    <a:pt x="294176" y="840746"/>
+                    <a:pt x="323724" y="885101"/>
+                  </a:cubicBezTo>
+                  <a:cubicBezTo>
+                    <a:pt x="353149" y="929572"/>
+                    <a:pt x="384657" y="972885"/>
+                    <a:pt x="416412" y="1016081"/>
+                  </a:cubicBezTo>
+                  <a:cubicBezTo>
+                    <a:pt x="448655" y="1058931"/>
+                    <a:pt x="482127" y="1101202"/>
+                    <a:pt x="515719" y="1143356"/>
+                  </a:cubicBezTo>
+                  <a:cubicBezTo>
+                    <a:pt x="583027" y="1227782"/>
+                    <a:pt x="653402" y="1310470"/>
+                    <a:pt x="722427" y="1395127"/>
+                  </a:cubicBezTo>
+                  <a:cubicBezTo>
+                    <a:pt x="757123" y="1437282"/>
+                    <a:pt x="791697" y="1479783"/>
+                    <a:pt x="825780" y="1522749"/>
+                  </a:cubicBezTo>
+                  <a:cubicBezTo>
+                    <a:pt x="859742" y="1565367"/>
+                    <a:pt x="893457" y="1610649"/>
+                    <a:pt x="926314" y="1651992"/>
+                  </a:cubicBezTo>
+                  <a:cubicBezTo>
+                    <a:pt x="958927" y="1694379"/>
+                    <a:pt x="993132" y="1735492"/>
+                    <a:pt x="1026848" y="1776836"/>
+                  </a:cubicBezTo>
+                  <a:cubicBezTo>
+                    <a:pt x="1061545" y="1817485"/>
+                    <a:pt x="1095996" y="1858133"/>
+                    <a:pt x="1131918" y="1897393"/>
+                  </a:cubicBezTo>
+                  <a:cubicBezTo>
+                    <a:pt x="1203273" y="1976376"/>
+                    <a:pt x="1277447" y="2052463"/>
+                    <a:pt x="1354688" y="2124728"/>
+                  </a:cubicBezTo>
+                  <a:cubicBezTo>
+                    <a:pt x="1509411" y="2268911"/>
+                    <a:pt x="1676396" y="2397575"/>
+                    <a:pt x="1855027" y="2504236"/>
+                  </a:cubicBezTo>
+                  <a:cubicBezTo>
+                    <a:pt x="1944528" y="2557277"/>
+                    <a:pt x="2036357" y="2605917"/>
+                    <a:pt x="2131618" y="2646913"/>
+                  </a:cubicBezTo>
+                  <a:cubicBezTo>
+                    <a:pt x="2226267" y="2689068"/>
+                    <a:pt x="2323981" y="2724622"/>
+                    <a:pt x="2423534" y="2754732"/>
+                  </a:cubicBezTo>
+                  <a:cubicBezTo>
+                    <a:pt x="2523087" y="2784958"/>
+                    <a:pt x="2624602" y="2809394"/>
+                    <a:pt x="2727588" y="2829197"/>
+                  </a:cubicBezTo>
+                  <a:cubicBezTo>
+                    <a:pt x="2830698" y="2848653"/>
+                    <a:pt x="2935522" y="2861971"/>
+                    <a:pt x="3041083" y="2870890"/>
+                  </a:cubicBezTo>
+                  <a:cubicBezTo>
+                    <a:pt x="3146644" y="2879922"/>
+                    <a:pt x="3253307" y="2883860"/>
+                    <a:pt x="3360340" y="2883976"/>
+                  </a:cubicBezTo>
+                  <a:cubicBezTo>
+                    <a:pt x="3387067" y="2883976"/>
+                    <a:pt x="3414162" y="2884439"/>
+                    <a:pt x="3439663" y="2883396"/>
+                  </a:cubicBezTo>
+                  <a:lnTo>
+                    <a:pt x="3478529" y="2882471"/>
+                  </a:lnTo>
+                  <a:lnTo>
+                    <a:pt x="3517271" y="2880616"/>
+                  </a:lnTo>
+                  <a:cubicBezTo>
+                    <a:pt x="3568887" y="2878417"/>
+                    <a:pt x="3620257" y="2873552"/>
+                    <a:pt x="3671260" y="2867878"/>
+                  </a:cubicBezTo>
+                  <a:cubicBezTo>
+                    <a:pt x="3875515" y="2844253"/>
+                    <a:pt x="4074253" y="2792486"/>
+                    <a:pt x="4265268" y="2716283"/>
+                  </a:cubicBezTo>
+                  <a:cubicBezTo>
+                    <a:pt x="4361020" y="2678529"/>
+                    <a:pt x="4454444" y="2633710"/>
+                    <a:pt x="4546395" y="2584724"/>
+                  </a:cubicBezTo>
+                  <a:cubicBezTo>
+                    <a:pt x="4638470" y="2535967"/>
+                    <a:pt x="4728827" y="2481885"/>
+                    <a:pt x="4817837" y="2424674"/>
+                  </a:cubicBezTo>
+                  <a:cubicBezTo>
+                    <a:pt x="4906846" y="2367348"/>
+                    <a:pt x="4994385" y="2306317"/>
+                    <a:pt x="5081677" y="2243548"/>
+                  </a:cubicBezTo>
+                  <a:cubicBezTo>
+                    <a:pt x="5125201" y="2212164"/>
+                    <a:pt x="5168603" y="2179969"/>
+                    <a:pt x="5211881" y="2147658"/>
+                  </a:cubicBezTo>
+                  <a:lnTo>
+                    <a:pt x="5324985" y="2062128"/>
+                  </a:lnTo>
+                  <a:lnTo>
+                    <a:pt x="5324985" y="2514993"/>
+                  </a:lnTo>
+                  <a:lnTo>
+                    <a:pt x="5314867" y="2522881"/>
+                  </a:lnTo>
+                  <a:cubicBezTo>
+                    <a:pt x="5225490" y="2591325"/>
+                    <a:pt x="5133783" y="2658379"/>
+                    <a:pt x="5038276" y="2722421"/>
+                  </a:cubicBezTo>
+                  <a:cubicBezTo>
+                    <a:pt x="4942892" y="2786348"/>
+                    <a:pt x="4844810" y="2848422"/>
+                    <a:pt x="4741701" y="2904937"/>
+                  </a:cubicBezTo>
+                  <a:cubicBezTo>
+                    <a:pt x="4638592" y="2961337"/>
+                    <a:pt x="4531929" y="3013683"/>
+                    <a:pt x="4420728" y="3058848"/>
+                  </a:cubicBezTo>
+                  <a:cubicBezTo>
+                    <a:pt x="4199063" y="3150338"/>
+                    <a:pt x="3959621" y="3211485"/>
+                    <a:pt x="3717481" y="3237079"/>
+                  </a:cubicBezTo>
+                  <a:cubicBezTo>
+                    <a:pt x="3656914" y="3243101"/>
+                    <a:pt x="3596227" y="3247966"/>
+                    <a:pt x="3535661" y="3249934"/>
+                  </a:cubicBezTo>
+                  <a:lnTo>
+                    <a:pt x="3490175" y="3251555"/>
+                  </a:lnTo>
+                  <a:lnTo>
+                    <a:pt x="3444813" y="3251787"/>
+                  </a:lnTo>
+                  <a:cubicBezTo>
+                    <a:pt x="3414162" y="3252250"/>
+                    <a:pt x="3385105" y="3251324"/>
+                    <a:pt x="3355681" y="3250745"/>
+                  </a:cubicBezTo>
+                  <a:cubicBezTo>
+                    <a:pt x="3296954" y="3250050"/>
+                    <a:pt x="3237860" y="3246692"/>
+                    <a:pt x="3179011" y="3243795"/>
+                  </a:cubicBezTo>
+                  <a:cubicBezTo>
+                    <a:pt x="3120039" y="3239164"/>
+                    <a:pt x="3061067" y="3234878"/>
+                    <a:pt x="3002217" y="3227814"/>
+                  </a:cubicBezTo>
+                  <a:cubicBezTo>
+                    <a:pt x="2884397" y="3214496"/>
+                    <a:pt x="2766699" y="3196314"/>
+                    <a:pt x="2650103" y="3170836"/>
+                  </a:cubicBezTo>
+                  <a:cubicBezTo>
+                    <a:pt x="2533510" y="3145358"/>
+                    <a:pt x="2418263" y="3112583"/>
+                    <a:pt x="2305836" y="3072514"/>
+                  </a:cubicBezTo>
+                  <a:cubicBezTo>
+                    <a:pt x="2193410" y="3032328"/>
+                    <a:pt x="2083926" y="2984383"/>
+                    <a:pt x="1978611" y="2929952"/>
+                  </a:cubicBezTo>
+                  <a:cubicBezTo>
+                    <a:pt x="1873663" y="2874711"/>
+                    <a:pt x="1772884" y="2812985"/>
+                    <a:pt x="1678235" y="2744424"/>
+                  </a:cubicBezTo>
+                  <a:cubicBezTo>
+                    <a:pt x="1488201" y="2608001"/>
+                    <a:pt x="1321708" y="2448068"/>
+                    <a:pt x="1175688" y="2277018"/>
+                  </a:cubicBezTo>
+                  <a:cubicBezTo>
+                    <a:pt x="1102985" y="2191086"/>
+                    <a:pt x="1035309" y="2102377"/>
+                    <a:pt x="971310" y="2012044"/>
+                  </a:cubicBezTo>
+                  <a:cubicBezTo>
+                    <a:pt x="907188" y="1921714"/>
+                    <a:pt x="847358" y="1829413"/>
+                    <a:pt x="790717" y="1735723"/>
+                  </a:cubicBezTo>
+                  <a:cubicBezTo>
+                    <a:pt x="761782" y="1688357"/>
+                    <a:pt x="735300" y="1644002"/>
+                    <a:pt x="706488" y="1598604"/>
+                  </a:cubicBezTo>
+                  <a:cubicBezTo>
+                    <a:pt x="677922" y="1553555"/>
+                    <a:pt x="648866" y="1508505"/>
+                    <a:pt x="618951" y="1463802"/>
+                  </a:cubicBezTo>
+                  <a:lnTo>
+                    <a:pt x="436273" y="1195355"/>
+                  </a:lnTo>
+                  <a:cubicBezTo>
+                    <a:pt x="405990" y="1150189"/>
+                    <a:pt x="376075" y="1104792"/>
+                    <a:pt x="346896" y="1058816"/>
+                  </a:cubicBezTo>
+                  <a:cubicBezTo>
+                    <a:pt x="317716" y="1012838"/>
+                    <a:pt x="288782" y="966747"/>
+                    <a:pt x="261809" y="919264"/>
+                  </a:cubicBezTo>
+                  <a:cubicBezTo>
+                    <a:pt x="207742" y="824764"/>
+                    <a:pt x="158088" y="727485"/>
+                    <a:pt x="118487" y="626498"/>
+                  </a:cubicBezTo>
+                  <a:cubicBezTo>
+                    <a:pt x="78151" y="525859"/>
+                    <a:pt x="48237" y="421515"/>
+                    <a:pt x="28130" y="315781"/>
+                  </a:cubicBezTo>
+                  <a:cubicBezTo>
+                    <a:pt x="18506" y="262914"/>
+                    <a:pt x="11425" y="209642"/>
+                    <a:pt x="6751" y="156195"/>
+                  </a:cubicBezTo>
+                  <a:close/>
+                </a:path>
+              </a:pathLst>
+            </a:custGeom>
+            <a:grpFill/>
+            <a:ln>
+              <a:noFill/>
+            </a:ln>
+          </p:spPr>
+          <p:style>
+            <a:lnRef idx="2">
+              <a:schemeClr val="accent1">
+                <a:shade val="50000"/>
+              </a:schemeClr>
+            </a:lnRef>
+            <a:fillRef idx="1">
+              <a:schemeClr val="accent1"/>
+            </a:fillRef>
+            <a:effectRef idx="0">
+              <a:schemeClr val="accent1"/>
+            </a:effectRef>
+            <a:fontRef idx="minor">
+              <a:schemeClr val="lt1"/>
+            </a:fontRef>
+          </p:style>
+          <p:txBody>
+            <a:bodyPr rtlCol="0" anchor="ctr"/>
+            <a:lstStyle/>
+            <a:p>
+              <a:pPr algn="ctr"/>
+              <a:endParaRPr lang="en-US"/>
+            </a:p>
+          </p:txBody>
+        </p:sp>
+        <p:sp>
+          <p:nvSpPr>
+            <p:cNvPr id="14" name="Freeform: Shape 13">
+              <a:extLst>
+                <a:ext uri="{FF2B5EF4-FFF2-40B4-BE49-F238E27FC236}">
+                  <a16:creationId xmlns:a16="http://schemas.microsoft.com/office/drawing/2014/main" id="{9D5724B5-EBA1-F81B-29AE-76116208D422}"/>
+                </a:ext>
+                <a:ext uri="{C183D7F6-B498-43B3-948B-1728B52AA6E4}">
+                  <adec:decorative xmlns:adec="http://schemas.microsoft.com/office/drawing/2017/decorative" val="1"/>
+                </a:ext>
+              </a:extLst>
+            </p:cNvPr>
+            <p:cNvSpPr/>
+            <p:nvPr>
+              <p:extLst>
+                <p:ext uri="{386F3935-93C4-4BCD-93E2-E3B085C9AB24}">
+                  <p16:designElem xmlns:p16="http://schemas.microsoft.com/office/powerpoint/2015/main" val="1"/>
+                </p:ext>
+              </p:extLst>
+            </p:nvPr>
+          </p:nvSpPr>
+          <p:spPr>
+            <a:xfrm>
+              <a:off x="6916467" y="-1"/>
+              <a:ext cx="5275533" cy="2980757"/>
+            </a:xfrm>
+            <a:custGeom>
+              <a:avLst/>
+              <a:gdLst>
+                <a:gd name="connsiteX0" fmla="*/ 0 w 5275533"/>
+                <a:gd name="connsiteY0" fmla="*/ 0 h 2980757"/>
+                <a:gd name="connsiteX1" fmla="*/ 201166 w 5275533"/>
+                <a:gd name="connsiteY1" fmla="*/ 0 h 2980757"/>
+                <a:gd name="connsiteX2" fmla="*/ 206734 w 5275533"/>
+                <a:gd name="connsiteY2" fmla="*/ 89286 h 2980757"/>
+                <a:gd name="connsiteX3" fmla="*/ 232051 w 5275533"/>
+                <a:gd name="connsiteY3" fmla="*/ 226897 h 2980757"/>
+                <a:gd name="connsiteX4" fmla="*/ 332707 w 5275533"/>
+                <a:gd name="connsiteY4" fmla="*/ 487120 h 2980757"/>
+                <a:gd name="connsiteX5" fmla="*/ 402959 w 5275533"/>
+                <a:gd name="connsiteY5" fmla="*/ 609647 h 2980757"/>
+                <a:gd name="connsiteX6" fmla="*/ 483631 w 5275533"/>
+                <a:gd name="connsiteY6" fmla="*/ 728236 h 2980757"/>
+                <a:gd name="connsiteX7" fmla="*/ 669986 w 5275533"/>
+                <a:gd name="connsiteY7" fmla="*/ 957424 h 2980757"/>
+                <a:gd name="connsiteX8" fmla="*/ 871667 w 5275533"/>
+                <a:gd name="connsiteY8" fmla="*/ 1188348 h 2980757"/>
+                <a:gd name="connsiteX9" fmla="*/ 971956 w 5275533"/>
+                <a:gd name="connsiteY9" fmla="*/ 1308905 h 2980757"/>
+                <a:gd name="connsiteX10" fmla="*/ 1020139 w 5275533"/>
+                <a:gd name="connsiteY10" fmla="*/ 1368084 h 2980757"/>
+                <a:gd name="connsiteX11" fmla="*/ 1067340 w 5275533"/>
+                <a:gd name="connsiteY11" fmla="*/ 1424715 h 2980757"/>
+                <a:gd name="connsiteX12" fmla="*/ 1472909 w 5275533"/>
+                <a:gd name="connsiteY12" fmla="*/ 1843252 h 2980757"/>
+                <a:gd name="connsiteX13" fmla="*/ 1688567 w 5275533"/>
+                <a:gd name="connsiteY13" fmla="*/ 2031559 h 2980757"/>
+                <a:gd name="connsiteX14" fmla="*/ 1914401 w 5275533"/>
+                <a:gd name="connsiteY14" fmla="*/ 2205156 h 2980757"/>
+                <a:gd name="connsiteX15" fmla="*/ 2418909 w 5275533"/>
+                <a:gd name="connsiteY15" fmla="*/ 2479741 h 2980757"/>
+                <a:gd name="connsiteX16" fmla="*/ 2701141 w 5275533"/>
+                <a:gd name="connsiteY16" fmla="*/ 2557333 h 2980757"/>
+                <a:gd name="connsiteX17" fmla="*/ 2773475 w 5275533"/>
+                <a:gd name="connsiteY17" fmla="*/ 2570999 h 2980757"/>
+                <a:gd name="connsiteX18" fmla="*/ 2846424 w 5275533"/>
+                <a:gd name="connsiteY18" fmla="*/ 2582465 h 2980757"/>
+                <a:gd name="connsiteX19" fmla="*/ 2993669 w 5275533"/>
+                <a:gd name="connsiteY19" fmla="*/ 2598909 h 2980757"/>
+                <a:gd name="connsiteX20" fmla="*/ 3067721 w 5275533"/>
+                <a:gd name="connsiteY20" fmla="*/ 2604237 h 2980757"/>
+                <a:gd name="connsiteX21" fmla="*/ 3142019 w 5275533"/>
+                <a:gd name="connsiteY21" fmla="*/ 2607943 h 2980757"/>
+                <a:gd name="connsiteX22" fmla="*/ 3216561 w 5275533"/>
+                <a:gd name="connsiteY22" fmla="*/ 2609564 h 2980757"/>
+                <a:gd name="connsiteX23" fmla="*/ 3291225 w 5275533"/>
+                <a:gd name="connsiteY23" fmla="*/ 2609217 h 2980757"/>
+                <a:gd name="connsiteX24" fmla="*/ 3328619 w 5275533"/>
+                <a:gd name="connsiteY24" fmla="*/ 2608869 h 2980757"/>
+                <a:gd name="connsiteX25" fmla="*/ 3364665 w 5275533"/>
+                <a:gd name="connsiteY25" fmla="*/ 2607363 h 2980757"/>
+                <a:gd name="connsiteX26" fmla="*/ 3400587 w 5275533"/>
+                <a:gd name="connsiteY26" fmla="*/ 2605627 h 2980757"/>
+                <a:gd name="connsiteX27" fmla="*/ 3436387 w 5275533"/>
+                <a:gd name="connsiteY27" fmla="*/ 2602847 h 2980757"/>
+                <a:gd name="connsiteX28" fmla="*/ 3578361 w 5275533"/>
+                <a:gd name="connsiteY28" fmla="*/ 2586286 h 2980757"/>
+                <a:gd name="connsiteX29" fmla="*/ 4119159 w 5275533"/>
+                <a:gd name="connsiteY29" fmla="*/ 2418594 h 2980757"/>
+                <a:gd name="connsiteX30" fmla="*/ 4618765 w 5275533"/>
+                <a:gd name="connsiteY30" fmla="*/ 2124668 h 2980757"/>
+                <a:gd name="connsiteX31" fmla="*/ 4739895 w 5275533"/>
+                <a:gd name="connsiteY31" fmla="*/ 2038275 h 2980757"/>
+                <a:gd name="connsiteX32" fmla="*/ 4861027 w 5275533"/>
+                <a:gd name="connsiteY32" fmla="*/ 1948986 h 2980757"/>
+                <a:gd name="connsiteX33" fmla="*/ 5106354 w 5275533"/>
+                <a:gd name="connsiteY33" fmla="*/ 1763690 h 2980757"/>
+                <a:gd name="connsiteX34" fmla="*/ 5275533 w 5275533"/>
+                <a:gd name="connsiteY34" fmla="*/ 1641017 h 2980757"/>
+                <a:gd name="connsiteX35" fmla="*/ 5275533 w 5275533"/>
+                <a:gd name="connsiteY35" fmla="*/ 2257481 h 2980757"/>
+                <a:gd name="connsiteX36" fmla="*/ 5168881 w 5275533"/>
+                <a:gd name="connsiteY36" fmla="*/ 2332084 h 2980757"/>
+                <a:gd name="connsiteX37" fmla="*/ 5036225 w 5275533"/>
+                <a:gd name="connsiteY37" fmla="*/ 2421489 h 2980757"/>
+                <a:gd name="connsiteX38" fmla="*/ 4899401 w 5275533"/>
+                <a:gd name="connsiteY38" fmla="*/ 2508347 h 2980757"/>
+                <a:gd name="connsiteX39" fmla="*/ 4612145 w 5275533"/>
+                <a:gd name="connsiteY39" fmla="*/ 2671407 h 2980757"/>
+                <a:gd name="connsiteX40" fmla="*/ 4303187 w 5275533"/>
+                <a:gd name="connsiteY40" fmla="*/ 2810030 h 2980757"/>
+                <a:gd name="connsiteX41" fmla="*/ 3630835 w 5275533"/>
+                <a:gd name="connsiteY41" fmla="*/ 2969500 h 2980757"/>
+                <a:gd name="connsiteX42" fmla="*/ 3457719 w 5275533"/>
+                <a:gd name="connsiteY42" fmla="*/ 2979808 h 2980757"/>
+                <a:gd name="connsiteX43" fmla="*/ 3414441 w 5275533"/>
+                <a:gd name="connsiteY43" fmla="*/ 2980733 h 2980757"/>
+                <a:gd name="connsiteX44" fmla="*/ 3371285 w 5275533"/>
+                <a:gd name="connsiteY44" fmla="*/ 2980502 h 2980757"/>
+                <a:gd name="connsiteX45" fmla="*/ 3328252 w 5275533"/>
+                <a:gd name="connsiteY45" fmla="*/ 2980039 h 2980757"/>
+                <a:gd name="connsiteX46" fmla="*/ 3286445 w 5275533"/>
+                <a:gd name="connsiteY46" fmla="*/ 2978534 h 2980757"/>
+                <a:gd name="connsiteX47" fmla="*/ 2952475 w 5275533"/>
+                <a:gd name="connsiteY47" fmla="*/ 2953402 h 2980757"/>
+                <a:gd name="connsiteX48" fmla="*/ 2620591 w 5275533"/>
+                <a:gd name="connsiteY48" fmla="*/ 2898046 h 2980757"/>
+                <a:gd name="connsiteX49" fmla="*/ 2294591 w 5275533"/>
+                <a:gd name="connsiteY49" fmla="*/ 2811305 h 2980757"/>
+                <a:gd name="connsiteX50" fmla="*/ 1670544 w 5275533"/>
+                <a:gd name="connsiteY50" fmla="*/ 2550501 h 2980757"/>
+                <a:gd name="connsiteX51" fmla="*/ 1144703 w 5275533"/>
+                <a:gd name="connsiteY51" fmla="*/ 2144472 h 2980757"/>
+                <a:gd name="connsiteX52" fmla="*/ 931497 w 5275533"/>
+                <a:gd name="connsiteY52" fmla="*/ 1900114 h 2980757"/>
+                <a:gd name="connsiteX53" fmla="*/ 745265 w 5275533"/>
+                <a:gd name="connsiteY53" fmla="*/ 1641395 h 2980757"/>
+                <a:gd name="connsiteX54" fmla="*/ 701741 w 5275533"/>
+                <a:gd name="connsiteY54" fmla="*/ 1575500 h 2980757"/>
+                <a:gd name="connsiteX55" fmla="*/ 660178 w 5275533"/>
+                <a:gd name="connsiteY55" fmla="*/ 1511573 h 2980757"/>
+                <a:gd name="connsiteX56" fmla="*/ 578158 w 5275533"/>
+                <a:gd name="connsiteY56" fmla="*/ 1387656 h 2980757"/>
+                <a:gd name="connsiteX57" fmla="*/ 408230 w 5275533"/>
+                <a:gd name="connsiteY57" fmla="*/ 1134497 h 2980757"/>
+                <a:gd name="connsiteX58" fmla="*/ 242349 w 5275533"/>
+                <a:gd name="connsiteY58" fmla="*/ 866860 h 2980757"/>
+                <a:gd name="connsiteX59" fmla="*/ 167562 w 5275533"/>
+                <a:gd name="connsiteY59" fmla="*/ 724994 h 2980757"/>
+                <a:gd name="connsiteX60" fmla="*/ 104054 w 5275533"/>
+                <a:gd name="connsiteY60" fmla="*/ 576525 h 2980757"/>
+                <a:gd name="connsiteX61" fmla="*/ 55381 w 5275533"/>
+                <a:gd name="connsiteY61" fmla="*/ 422499 h 2980757"/>
+                <a:gd name="connsiteX62" fmla="*/ 37236 w 5275533"/>
+                <a:gd name="connsiteY62" fmla="*/ 343980 h 2980757"/>
+                <a:gd name="connsiteX63" fmla="*/ 29267 w 5275533"/>
+                <a:gd name="connsiteY63" fmla="*/ 304604 h 2980757"/>
+                <a:gd name="connsiteX64" fmla="*/ 22646 w 5275533"/>
+                <a:gd name="connsiteY64" fmla="*/ 265113 h 2980757"/>
+                <a:gd name="connsiteX65" fmla="*/ 3903 w 5275533"/>
+                <a:gd name="connsiteY65" fmla="*/ 106787 h 2980757"/>
+              </a:gdLst>
+              <a:ahLst/>
+              <a:cxnLst>
+                <a:cxn ang="0">
+                  <a:pos x="connsiteX0" y="connsiteY0"/>
+                </a:cxn>
+                <a:cxn ang="0">
+                  <a:pos x="connsiteX1" y="connsiteY1"/>
+                </a:cxn>
+                <a:cxn ang="0">
+                  <a:pos x="connsiteX2" y="connsiteY2"/>
+                </a:cxn>
+                <a:cxn ang="0">
+                  <a:pos x="connsiteX3" y="connsiteY3"/>
+                </a:cxn>
+                <a:cxn ang="0">
+                  <a:pos x="connsiteX4" y="connsiteY4"/>
+                </a:cxn>
+                <a:cxn ang="0">
+                  <a:pos x="connsiteX5" y="connsiteY5"/>
+                </a:cxn>
+                <a:cxn ang="0">
+                  <a:pos x="connsiteX6" y="connsiteY6"/>
+                </a:cxn>
+                <a:cxn ang="0">
+                  <a:pos x="connsiteX7" y="connsiteY7"/>
+                </a:cxn>
+                <a:cxn ang="0">
+                  <a:pos x="connsiteX8" y="connsiteY8"/>
+                </a:cxn>
+                <a:cxn ang="0">
+                  <a:pos x="connsiteX9" y="connsiteY9"/>
+                </a:cxn>
+                <a:cxn ang="0">
+                  <a:pos x="connsiteX10" y="connsiteY10"/>
+                </a:cxn>
+                <a:cxn ang="0">
+                  <a:pos x="connsiteX11" y="connsiteY11"/>
+                </a:cxn>
+                <a:cxn ang="0">
+                  <a:pos x="connsiteX12" y="connsiteY12"/>
+                </a:cxn>
+                <a:cxn ang="0">
+                  <a:pos x="connsiteX13" y="connsiteY13"/>
+                </a:cxn>
+                <a:cxn ang="0">
+                  <a:pos x="connsiteX14" y="connsiteY14"/>
+                </a:cxn>
+                <a:cxn ang="0">
+                  <a:pos x="connsiteX15" y="connsiteY15"/>
+                </a:cxn>
+                <a:cxn ang="0">
+                  <a:pos x="connsiteX16" y="connsiteY16"/>
+                </a:cxn>
+                <a:cxn ang="0">
+                  <a:pos x="connsiteX17" y="connsiteY17"/>
+                </a:cxn>
+                <a:cxn ang="0">
+                  <a:pos x="connsiteX18" y="connsiteY18"/>
+                </a:cxn>
+                <a:cxn ang="0">
+                  <a:pos x="connsiteX19" y="connsiteY19"/>
+                </a:cxn>
+                <a:cxn ang="0">
+                  <a:pos x="connsiteX20" y="connsiteY20"/>
+                </a:cxn>
+                <a:cxn ang="0">
+                  <a:pos x="connsiteX21" y="connsiteY21"/>
+                </a:cxn>
+                <a:cxn ang="0">
+                  <a:pos x="connsiteX22" y="connsiteY22"/>
+                </a:cxn>
+                <a:cxn ang="0">
+                  <a:pos x="connsiteX23" y="connsiteY23"/>
+                </a:cxn>
+                <a:cxn ang="0">
+                  <a:pos x="connsiteX24" y="connsiteY24"/>
+                </a:cxn>
+                <a:cxn ang="0">
+                  <a:pos x="connsiteX25" y="connsiteY25"/>
+                </a:cxn>
+                <a:cxn ang="0">
+                  <a:pos x="connsiteX26" y="connsiteY26"/>
+                </a:cxn>
+                <a:cxn ang="0">
+                  <a:pos x="connsiteX27" y="connsiteY27"/>
+                </a:cxn>
+                <a:cxn ang="0">
+                  <a:pos x="connsiteX28" y="connsiteY28"/>
+                </a:cxn>
+                <a:cxn ang="0">
+                  <a:pos x="connsiteX29" y="connsiteY29"/>
+                </a:cxn>
+                <a:cxn ang="0">
+                  <a:pos x="connsiteX30" y="connsiteY30"/>
+                </a:cxn>
+                <a:cxn ang="0">
+                  <a:pos x="connsiteX31" y="connsiteY31"/>
+                </a:cxn>
+                <a:cxn ang="0">
+                  <a:pos x="connsiteX32" y="connsiteY32"/>
+                </a:cxn>
+                <a:cxn ang="0">
+                  <a:pos x="connsiteX33" y="connsiteY33"/>
+                </a:cxn>
+                <a:cxn ang="0">
+                  <a:pos x="connsiteX34" y="connsiteY34"/>
+                </a:cxn>
+                <a:cxn ang="0">
+                  <a:pos x="connsiteX35" y="connsiteY35"/>
+                </a:cxn>
+                <a:cxn ang="0">
+                  <a:pos x="connsiteX36" y="connsiteY36"/>
+                </a:cxn>
+                <a:cxn ang="0">
+                  <a:pos x="connsiteX37" y="connsiteY37"/>
+                </a:cxn>
+                <a:cxn ang="0">
+                  <a:pos x="connsiteX38" y="connsiteY38"/>
+                </a:cxn>
+                <a:cxn ang="0">
+                  <a:pos x="connsiteX39" y="connsiteY39"/>
+                </a:cxn>
+                <a:cxn ang="0">
+                  <a:pos x="connsiteX40" y="connsiteY40"/>
+                </a:cxn>
+                <a:cxn ang="0">
+                  <a:pos x="connsiteX41" y="connsiteY41"/>
+                </a:cxn>
+                <a:cxn ang="0">
+                  <a:pos x="connsiteX42" y="connsiteY42"/>
+                </a:cxn>
+                <a:cxn ang="0">
+                  <a:pos x="connsiteX43" y="connsiteY43"/>
+                </a:cxn>
+                <a:cxn ang="0">
+                  <a:pos x="connsiteX44" y="connsiteY44"/>
+                </a:cxn>
+                <a:cxn ang="0">
+                  <a:pos x="connsiteX45" y="connsiteY45"/>
+                </a:cxn>
+                <a:cxn ang="0">
+                  <a:pos x="connsiteX46" y="connsiteY46"/>
+                </a:cxn>
+                <a:cxn ang="0">
+                  <a:pos x="connsiteX47" y="connsiteY47"/>
+                </a:cxn>
+                <a:cxn ang="0">
+                  <a:pos x="connsiteX48" y="connsiteY48"/>
+                </a:cxn>
+                <a:cxn ang="0">
+                  <a:pos x="connsiteX49" y="connsiteY49"/>
+                </a:cxn>
+                <a:cxn ang="0">
+                  <a:pos x="connsiteX50" y="connsiteY50"/>
+                </a:cxn>
+                <a:cxn ang="0">
+                  <a:pos x="connsiteX51" y="connsiteY51"/>
+                </a:cxn>
+                <a:cxn ang="0">
+                  <a:pos x="connsiteX52" y="connsiteY52"/>
+                </a:cxn>
+                <a:cxn ang="0">
+                  <a:pos x="connsiteX53" y="connsiteY53"/>
+                </a:cxn>
+                <a:cxn ang="0">
+                  <a:pos x="connsiteX54" y="connsiteY54"/>
+                </a:cxn>
+                <a:cxn ang="0">
+                  <a:pos x="connsiteX55" y="connsiteY55"/>
+                </a:cxn>
+                <a:cxn ang="0">
+                  <a:pos x="connsiteX56" y="connsiteY56"/>
+                </a:cxn>
+                <a:cxn ang="0">
+                  <a:pos x="connsiteX57" y="connsiteY57"/>
+                </a:cxn>
+                <a:cxn ang="0">
+                  <a:pos x="connsiteX58" y="connsiteY58"/>
+                </a:cxn>
+                <a:cxn ang="0">
+                  <a:pos x="connsiteX59" y="connsiteY59"/>
+                </a:cxn>
+                <a:cxn ang="0">
+                  <a:pos x="connsiteX60" y="connsiteY60"/>
+                </a:cxn>
+                <a:cxn ang="0">
+                  <a:pos x="connsiteX61" y="connsiteY61"/>
+                </a:cxn>
+                <a:cxn ang="0">
+                  <a:pos x="connsiteX62" y="connsiteY62"/>
+                </a:cxn>
+                <a:cxn ang="0">
+                  <a:pos x="connsiteX63" y="connsiteY63"/>
+                </a:cxn>
+                <a:cxn ang="0">
+                  <a:pos x="connsiteX64" y="connsiteY64"/>
+                </a:cxn>
+                <a:cxn ang="0">
+                  <a:pos x="connsiteX65" y="connsiteY65"/>
+                </a:cxn>
+              </a:cxnLst>
+              <a:rect l="l" t="t" r="r" b="b"/>
+              <a:pathLst>
+                <a:path w="5275533" h="2980757">
+                  <a:moveTo>
+                    <a:pt x="0" y="0"/>
+                  </a:moveTo>
+                  <a:lnTo>
+                    <a:pt x="201166" y="0"/>
+                  </a:lnTo>
+                  <a:lnTo>
+                    <a:pt x="206734" y="89286"/>
+                  </a:lnTo>
+                  <a:cubicBezTo>
+                    <a:pt x="212220" y="135755"/>
+                    <a:pt x="220465" y="181731"/>
+                    <a:pt x="232051" y="226897"/>
+                  </a:cubicBezTo>
+                  <a:cubicBezTo>
+                    <a:pt x="254855" y="317344"/>
+                    <a:pt x="290287" y="403854"/>
+                    <a:pt x="332707" y="487120"/>
+                  </a:cubicBezTo>
+                  <a:cubicBezTo>
+                    <a:pt x="354163" y="528696"/>
+                    <a:pt x="377948" y="569461"/>
+                    <a:pt x="402959" y="609647"/>
+                  </a:cubicBezTo>
+                  <a:cubicBezTo>
+                    <a:pt x="428337" y="649717"/>
+                    <a:pt x="455433" y="689209"/>
+                    <a:pt x="483631" y="728236"/>
+                  </a:cubicBezTo>
+                  <a:cubicBezTo>
+                    <a:pt x="540764" y="806061"/>
+                    <a:pt x="604271" y="881569"/>
+                    <a:pt x="669986" y="957424"/>
+                  </a:cubicBezTo>
+                  <a:cubicBezTo>
+                    <a:pt x="735701" y="1033395"/>
+                    <a:pt x="804359" y="1109366"/>
+                    <a:pt x="871667" y="1188348"/>
+                  </a:cubicBezTo>
+                  <a:cubicBezTo>
+                    <a:pt x="905383" y="1227723"/>
+                    <a:pt x="938731" y="1268025"/>
+                    <a:pt x="971956" y="1308905"/>
+                  </a:cubicBezTo>
+                  <a:lnTo>
+                    <a:pt x="1020139" y="1368084"/>
+                  </a:lnTo>
+                  <a:cubicBezTo>
+                    <a:pt x="1035954" y="1386962"/>
+                    <a:pt x="1051035" y="1406302"/>
+                    <a:pt x="1067340" y="1424715"/>
+                  </a:cubicBezTo>
+                  <a:cubicBezTo>
+                    <a:pt x="1194602" y="1574573"/>
+                    <a:pt x="1332652" y="1712503"/>
+                    <a:pt x="1472909" y="1843252"/>
+                  </a:cubicBezTo>
+                  <a:cubicBezTo>
+                    <a:pt x="1543406" y="1908337"/>
+                    <a:pt x="1615128" y="1971221"/>
+                    <a:pt x="1688567" y="2031559"/>
+                  </a:cubicBezTo>
+                  <a:cubicBezTo>
+                    <a:pt x="1762006" y="2091895"/>
+                    <a:pt x="1836793" y="2150263"/>
+                    <a:pt x="1914401" y="2205156"/>
+                  </a:cubicBezTo>
+                  <a:cubicBezTo>
+                    <a:pt x="2069003" y="2315176"/>
+                    <a:pt x="2235742" y="2413498"/>
+                    <a:pt x="2418909" y="2479741"/>
+                  </a:cubicBezTo>
+                  <a:cubicBezTo>
+                    <a:pt x="2510249" y="2512863"/>
+                    <a:pt x="2604898" y="2538225"/>
+                    <a:pt x="2701141" y="2557333"/>
+                  </a:cubicBezTo>
+                  <a:cubicBezTo>
+                    <a:pt x="2725293" y="2561850"/>
+                    <a:pt x="2749201" y="2567062"/>
+                    <a:pt x="2773475" y="2570999"/>
+                  </a:cubicBezTo>
+                  <a:lnTo>
+                    <a:pt x="2846424" y="2582465"/>
+                  </a:lnTo>
+                  <a:cubicBezTo>
+                    <a:pt x="2895343" y="2588602"/>
+                    <a:pt x="2944261" y="2595088"/>
+                    <a:pt x="2993669" y="2598909"/>
+                  </a:cubicBezTo>
+                  <a:cubicBezTo>
+                    <a:pt x="3018313" y="2601110"/>
+                    <a:pt x="3042956" y="2603195"/>
+                    <a:pt x="3067721" y="2604237"/>
+                  </a:cubicBezTo>
+                  <a:cubicBezTo>
+                    <a:pt x="3092487" y="2605394"/>
+                    <a:pt x="3117130" y="2607247"/>
+                    <a:pt x="3142019" y="2607943"/>
+                  </a:cubicBezTo>
+                  <a:lnTo>
+                    <a:pt x="3216561" y="2609564"/>
+                  </a:lnTo>
+                  <a:cubicBezTo>
+                    <a:pt x="3241326" y="2610142"/>
+                    <a:pt x="3266337" y="2609333"/>
+                    <a:pt x="3291225" y="2609217"/>
+                  </a:cubicBezTo>
+                  <a:lnTo>
+                    <a:pt x="3328619" y="2608869"/>
+                  </a:lnTo>
+                  <a:cubicBezTo>
+                    <a:pt x="3340757" y="2608522"/>
+                    <a:pt x="3352649" y="2607827"/>
+                    <a:pt x="3364665" y="2607363"/>
+                  </a:cubicBezTo>
+                  <a:cubicBezTo>
+                    <a:pt x="3376679" y="2606784"/>
+                    <a:pt x="3388695" y="2606438"/>
+                    <a:pt x="3400587" y="2605627"/>
+                  </a:cubicBezTo>
+                  <a:lnTo>
+                    <a:pt x="3436387" y="2602847"/>
+                  </a:lnTo>
+                  <a:cubicBezTo>
+                    <a:pt x="3484079" y="2599257"/>
+                    <a:pt x="3531404" y="2593235"/>
+                    <a:pt x="3578361" y="2586286"/>
+                  </a:cubicBezTo>
+                  <a:cubicBezTo>
+                    <a:pt x="3766310" y="2556871"/>
+                    <a:pt x="3947025" y="2499314"/>
+                    <a:pt x="4119159" y="2418594"/>
+                  </a:cubicBezTo>
+                  <a:cubicBezTo>
+                    <a:pt x="4291907" y="2338801"/>
+                    <a:pt x="4456317" y="2236657"/>
+                    <a:pt x="4618765" y="2124668"/>
+                  </a:cubicBezTo>
+                  <a:cubicBezTo>
+                    <a:pt x="4659346" y="2096759"/>
+                    <a:pt x="4699682" y="2067575"/>
+                    <a:pt x="4739895" y="2038275"/>
+                  </a:cubicBezTo>
+                  <a:cubicBezTo>
+                    <a:pt x="4780355" y="2008976"/>
+                    <a:pt x="4820691" y="1979212"/>
+                    <a:pt x="4861027" y="1948986"/>
+                  </a:cubicBezTo>
+                  <a:lnTo>
+                    <a:pt x="5106354" y="1763690"/>
+                  </a:lnTo>
+                  <a:lnTo>
+                    <a:pt x="5275533" y="1641017"/>
+                  </a:lnTo>
+                  <a:lnTo>
+                    <a:pt x="5275533" y="2257481"/>
+                  </a:lnTo>
+                  <a:lnTo>
+                    <a:pt x="5168881" y="2332084"/>
+                  </a:lnTo>
+                  <a:cubicBezTo>
+                    <a:pt x="5125235" y="2362079"/>
+                    <a:pt x="5081099" y="2391958"/>
+                    <a:pt x="5036225" y="2421489"/>
+                  </a:cubicBezTo>
+                  <a:cubicBezTo>
+                    <a:pt x="4991231" y="2450790"/>
+                    <a:pt x="4945867" y="2479857"/>
+                    <a:pt x="4899401" y="2508347"/>
+                  </a:cubicBezTo>
+                  <a:cubicBezTo>
+                    <a:pt x="4806959" y="2565440"/>
+                    <a:pt x="4711574" y="2620798"/>
+                    <a:pt x="4612145" y="2671407"/>
+                  </a:cubicBezTo>
+                  <a:cubicBezTo>
+                    <a:pt x="4512836" y="2722247"/>
+                    <a:pt x="4410095" y="2769496"/>
+                    <a:pt x="4303187" y="2810030"/>
+                  </a:cubicBezTo>
+                  <a:cubicBezTo>
+                    <a:pt x="4090349" y="2892256"/>
+                    <a:pt x="3861694" y="2947728"/>
+                    <a:pt x="3630835" y="2969500"/>
+                  </a:cubicBezTo>
+                  <a:cubicBezTo>
+                    <a:pt x="3573089" y="2974712"/>
+                    <a:pt x="3515343" y="2978649"/>
+                    <a:pt x="3457719" y="2979808"/>
+                  </a:cubicBezTo>
+                  <a:lnTo>
+                    <a:pt x="3414441" y="2980733"/>
+                  </a:lnTo>
+                  <a:cubicBezTo>
+                    <a:pt x="3400097" y="2980850"/>
+                    <a:pt x="3385630" y="2980502"/>
+                    <a:pt x="3371285" y="2980502"/>
+                  </a:cubicBezTo>
+                  <a:lnTo>
+                    <a:pt x="3328252" y="2980039"/>
+                  </a:lnTo>
+                  <a:lnTo>
+                    <a:pt x="3286445" y="2978534"/>
+                  </a:lnTo>
+                  <a:cubicBezTo>
+                    <a:pt x="3175121" y="2975174"/>
+                    <a:pt x="3063553" y="2966837"/>
+                    <a:pt x="2952475" y="2953402"/>
+                  </a:cubicBezTo>
+                  <a:cubicBezTo>
+                    <a:pt x="2841275" y="2940664"/>
+                    <a:pt x="2730319" y="2922365"/>
+                    <a:pt x="2620591" y="2898046"/>
+                  </a:cubicBezTo>
+                  <a:cubicBezTo>
+                    <a:pt x="2510984" y="2873494"/>
+                    <a:pt x="2402235" y="2844426"/>
+                    <a:pt x="2294591" y="2811305"/>
+                  </a:cubicBezTo>
+                  <a:cubicBezTo>
+                    <a:pt x="2079669" y="2744483"/>
+                    <a:pt x="1867198" y="2661331"/>
+                    <a:pt x="1670544" y="2550501"/>
+                  </a:cubicBezTo>
+                  <a:cubicBezTo>
+                    <a:pt x="1473767" y="2439903"/>
+                    <a:pt x="1298079" y="2299657"/>
+                    <a:pt x="1144703" y="2144472"/>
+                  </a:cubicBezTo>
+                  <a:cubicBezTo>
+                    <a:pt x="1067586" y="2066996"/>
+                    <a:pt x="997458" y="1984539"/>
+                    <a:pt x="931497" y="1900114"/>
+                  </a:cubicBezTo>
+                  <a:cubicBezTo>
+                    <a:pt x="865906" y="1815342"/>
+                    <a:pt x="803500" y="1729295"/>
+                    <a:pt x="745265" y="1641395"/>
+                  </a:cubicBezTo>
+                  <a:cubicBezTo>
+                    <a:pt x="730307" y="1619623"/>
+                    <a:pt x="716207" y="1597503"/>
+                    <a:pt x="701741" y="1575500"/>
+                  </a:cubicBezTo>
+                  <a:lnTo>
+                    <a:pt x="660178" y="1511573"/>
+                  </a:lnTo>
+                  <a:cubicBezTo>
+                    <a:pt x="633574" y="1470229"/>
+                    <a:pt x="605989" y="1429232"/>
+                    <a:pt x="578158" y="1387656"/>
+                  </a:cubicBezTo>
+                  <a:lnTo>
+                    <a:pt x="408230" y="1134497"/>
+                  </a:lnTo>
+                  <a:cubicBezTo>
+                    <a:pt x="351220" y="1048219"/>
+                    <a:pt x="294945" y="959392"/>
+                    <a:pt x="242349" y="866860"/>
+                  </a:cubicBezTo>
+                  <a:cubicBezTo>
+                    <a:pt x="216112" y="820536"/>
+                    <a:pt x="190734" y="773402"/>
+                    <a:pt x="167562" y="724994"/>
+                  </a:cubicBezTo>
+                  <a:cubicBezTo>
+                    <a:pt x="144513" y="676469"/>
+                    <a:pt x="123057" y="627019"/>
+                    <a:pt x="104054" y="576525"/>
+                  </a:cubicBezTo>
+                  <a:cubicBezTo>
+                    <a:pt x="85418" y="525917"/>
+                    <a:pt x="68867" y="474613"/>
+                    <a:pt x="55381" y="422499"/>
+                  </a:cubicBezTo>
+                  <a:cubicBezTo>
+                    <a:pt x="49006" y="396442"/>
+                    <a:pt x="42508" y="370269"/>
+                    <a:pt x="37236" y="343980"/>
+                  </a:cubicBezTo>
+                  <a:lnTo>
+                    <a:pt x="29267" y="304604"/>
+                  </a:lnTo>
+                  <a:lnTo>
+                    <a:pt x="22646" y="265113"/>
+                  </a:lnTo>
+                  <a:cubicBezTo>
+                    <a:pt x="14003" y="212420"/>
+                    <a:pt x="7872" y="159582"/>
+                    <a:pt x="3903" y="106787"/>
+                  </a:cubicBezTo>
+                  <a:close/>
+                </a:path>
+              </a:pathLst>
+            </a:custGeom>
+            <a:grpFill/>
+            <a:ln>
+              <a:noFill/>
+            </a:ln>
+          </p:spPr>
+          <p:style>
+            <a:lnRef idx="2">
+              <a:schemeClr val="accent1">
+                <a:shade val="50000"/>
+              </a:schemeClr>
+            </a:lnRef>
+            <a:fillRef idx="1">
+              <a:schemeClr val="accent1"/>
+            </a:fillRef>
+            <a:effectRef idx="0">
+              <a:schemeClr val="accent1"/>
+            </a:effectRef>
+            <a:fontRef idx="minor">
+              <a:schemeClr val="lt1"/>
+            </a:fontRef>
+          </p:style>
+          <p:txBody>
+            <a:bodyPr rtlCol="0" anchor="ctr"/>
+            <a:lstStyle/>
+            <a:p>
+              <a:pPr algn="ctr"/>
+              <a:endParaRPr lang="en-US"/>
+            </a:p>
+          </p:txBody>
+        </p:sp>
+        <p:sp>
+          <p:nvSpPr>
+            <p:cNvPr id="15" name="Freeform: Shape 14">
+              <a:extLst>
+                <a:ext uri="{FF2B5EF4-FFF2-40B4-BE49-F238E27FC236}">
+                  <a16:creationId xmlns:a16="http://schemas.microsoft.com/office/drawing/2014/main" id="{B9A33751-BDA9-3388-D48F-B8F0042364D4}"/>
+                </a:ext>
+                <a:ext uri="{C183D7F6-B498-43B3-948B-1728B52AA6E4}">
+                  <adec:decorative xmlns:adec="http://schemas.microsoft.com/office/drawing/2017/decorative" val="1"/>
+                </a:ext>
+              </a:extLst>
+            </p:cNvPr>
+            <p:cNvSpPr/>
+            <p:nvPr>
+              <p:extLst>
+                <p:ext uri="{386F3935-93C4-4BCD-93E2-E3B085C9AB24}">
+                  <p16:designElem xmlns:p16="http://schemas.microsoft.com/office/powerpoint/2015/main" val="1"/>
+                </p:ext>
+              </p:extLst>
+            </p:nvPr>
+          </p:nvSpPr>
+          <p:spPr>
+            <a:xfrm>
+              <a:off x="6921214" y="-1"/>
+              <a:ext cx="5270786" cy="2927775"/>
+            </a:xfrm>
+            <a:custGeom>
+              <a:avLst/>
+              <a:gdLst>
+                <a:gd name="connsiteX0" fmla="*/ 0 w 5270786"/>
+                <a:gd name="connsiteY0" fmla="*/ 0 h 2927775"/>
+                <a:gd name="connsiteX1" fmla="*/ 613805 w 5270786"/>
+                <a:gd name="connsiteY1" fmla="*/ 0 h 2927775"/>
+                <a:gd name="connsiteX2" fmla="*/ 618487 w 5270786"/>
+                <a:gd name="connsiteY2" fmla="*/ 85404 h 2927775"/>
+                <a:gd name="connsiteX3" fmla="*/ 1054084 w 5270786"/>
+                <a:gd name="connsiteY3" fmla="*/ 895200 h 2927775"/>
+                <a:gd name="connsiteX4" fmla="*/ 1276976 w 5270786"/>
+                <a:gd name="connsiteY4" fmla="*/ 1191325 h 2927775"/>
+                <a:gd name="connsiteX5" fmla="*/ 3368450 w 5270786"/>
+                <a:gd name="connsiteY5" fmla="*/ 2348843 h 2927775"/>
+                <a:gd name="connsiteX6" fmla="*/ 4956151 w 5270786"/>
+                <a:gd name="connsiteY6" fmla="*/ 1636730 h 2927775"/>
+                <a:gd name="connsiteX7" fmla="*/ 5149372 w 5270786"/>
+                <a:gd name="connsiteY7" fmla="*/ 1495325 h 2927775"/>
+                <a:gd name="connsiteX8" fmla="*/ 5270786 w 5270786"/>
+                <a:gd name="connsiteY8" fmla="*/ 1406110 h 2927775"/>
+                <a:gd name="connsiteX9" fmla="*/ 5270786 w 5270786"/>
+                <a:gd name="connsiteY9" fmla="*/ 2138641 h 2927775"/>
+                <a:gd name="connsiteX10" fmla="*/ 5112925 w 5270786"/>
+                <a:gd name="connsiteY10" fmla="*/ 2253730 h 2927775"/>
+                <a:gd name="connsiteX11" fmla="*/ 3368327 w 5270786"/>
+                <a:gd name="connsiteY11" fmla="*/ 2927775 h 2927775"/>
+                <a:gd name="connsiteX12" fmla="*/ 769646 w 5270786"/>
+                <a:gd name="connsiteY12" fmla="*/ 1516288 h 2927775"/>
+                <a:gd name="connsiteX13" fmla="*/ 3149 w 5270786"/>
+                <a:gd name="connsiteY13" fmla="*/ 85252 h 2927775"/>
+              </a:gdLst>
+              <a:ahLst/>
+              <a:cxnLst>
+                <a:cxn ang="0">
+                  <a:pos x="connsiteX0" y="connsiteY0"/>
+                </a:cxn>
+                <a:cxn ang="0">
+                  <a:pos x="connsiteX1" y="connsiteY1"/>
+                </a:cxn>
+                <a:cxn ang="0">
+                  <a:pos x="connsiteX2" y="connsiteY2"/>
+                </a:cxn>
+                <a:cxn ang="0">
+                  <a:pos x="connsiteX3" y="connsiteY3"/>
+                </a:cxn>
+                <a:cxn ang="0">
+                  <a:pos x="connsiteX4" y="connsiteY4"/>
+                </a:cxn>
+                <a:cxn ang="0">
+                  <a:pos x="connsiteX5" y="connsiteY5"/>
+                </a:cxn>
+                <a:cxn ang="0">
+                  <a:pos x="connsiteX6" y="connsiteY6"/>
+                </a:cxn>
+                <a:cxn ang="0">
+                  <a:pos x="connsiteX7" y="connsiteY7"/>
+                </a:cxn>
+                <a:cxn ang="0">
+                  <a:pos x="connsiteX8" y="connsiteY8"/>
+                </a:cxn>
+                <a:cxn ang="0">
+                  <a:pos x="connsiteX9" y="connsiteY9"/>
+                </a:cxn>
+                <a:cxn ang="0">
+                  <a:pos x="connsiteX10" y="connsiteY10"/>
+                </a:cxn>
+                <a:cxn ang="0">
+                  <a:pos x="connsiteX11" y="connsiteY11"/>
+                </a:cxn>
+                <a:cxn ang="0">
+                  <a:pos x="connsiteX12" y="connsiteY12"/>
+                </a:cxn>
+                <a:cxn ang="0">
+                  <a:pos x="connsiteX13" y="connsiteY13"/>
+                </a:cxn>
+              </a:cxnLst>
+              <a:rect l="l" t="t" r="r" b="b"/>
+              <a:pathLst>
+                <a:path w="5270786" h="2927775">
+                  <a:moveTo>
+                    <a:pt x="0" y="0"/>
+                  </a:moveTo>
+                  <a:lnTo>
+                    <a:pt x="613805" y="0"/>
+                  </a:lnTo>
+                  <a:lnTo>
+                    <a:pt x="618487" y="85404"/>
+                  </a:lnTo>
+                  <a:cubicBezTo>
+                    <a:pt x="650052" y="360109"/>
+                    <a:pt x="792650" y="556543"/>
+                    <a:pt x="1054084" y="895200"/>
+                  </a:cubicBezTo>
+                  <a:cubicBezTo>
+                    <a:pt x="1126174" y="988542"/>
+                    <a:pt x="1200716" y="1085128"/>
+                    <a:pt x="1276976" y="1191325"/>
+                  </a:cubicBezTo>
+                  <a:cubicBezTo>
+                    <a:pt x="1859704" y="2002688"/>
+                    <a:pt x="2485223" y="2348843"/>
+                    <a:pt x="3368450" y="2348843"/>
+                  </a:cubicBezTo>
+                  <a:cubicBezTo>
+                    <a:pt x="3948114" y="2348843"/>
+                    <a:pt x="4373422" y="2066846"/>
+                    <a:pt x="4956151" y="1636730"/>
+                  </a:cubicBezTo>
+                  <a:cubicBezTo>
+                    <a:pt x="5021253" y="1588668"/>
+                    <a:pt x="5086356" y="1541186"/>
+                    <a:pt x="5149372" y="1495325"/>
+                  </a:cubicBezTo>
+                  <a:lnTo>
+                    <a:pt x="5270786" y="1406110"/>
+                  </a:lnTo>
+                  <a:lnTo>
+                    <a:pt x="5270786" y="2138641"/>
+                  </a:lnTo>
+                  <a:lnTo>
+                    <a:pt x="5112925" y="2253730"/>
+                  </a:lnTo>
+                  <a:cubicBezTo>
+                    <a:pt x="4598179" y="2621786"/>
+                    <a:pt x="4074961" y="2927775"/>
+                    <a:pt x="3368327" y="2927775"/>
+                  </a:cubicBezTo>
+                  <a:cubicBezTo>
+                    <a:pt x="2170746" y="2927775"/>
+                    <a:pt x="1393203" y="2384512"/>
+                    <a:pt x="769646" y="1516288"/>
+                  </a:cubicBezTo>
+                  <a:cubicBezTo>
+                    <a:pt x="418850" y="1027932"/>
+                    <a:pt x="48120" y="683401"/>
+                    <a:pt x="3149" y="85252"/>
+                  </a:cubicBezTo>
+                  <a:close/>
+                </a:path>
+              </a:pathLst>
+            </a:custGeom>
+            <a:grpFill/>
+            <a:ln>
+              <a:noFill/>
+            </a:ln>
+          </p:spPr>
+          <p:style>
+            <a:lnRef idx="2">
+              <a:schemeClr val="accent1">
+                <a:shade val="50000"/>
+              </a:schemeClr>
+            </a:lnRef>
+            <a:fillRef idx="1">
+              <a:schemeClr val="accent1"/>
+            </a:fillRef>
+            <a:effectRef idx="0">
+              <a:schemeClr val="accent1"/>
+            </a:effectRef>
+            <a:fontRef idx="minor">
+              <a:schemeClr val="lt1"/>
+            </a:fontRef>
+          </p:style>
+          <p:txBody>
+            <a:bodyPr rtlCol="0" anchor="ctr"/>
+            <a:lstStyle/>
+            <a:p>
+              <a:pPr algn="ctr"/>
+              <a:endParaRPr lang="en-US"/>
+            </a:p>
+          </p:txBody>
+        </p:sp>
+        <p:sp>
+          <p:nvSpPr>
+            <p:cNvPr id="16" name="Freeform: Shape 15">
+              <a:extLst>
+                <a:ext uri="{FF2B5EF4-FFF2-40B4-BE49-F238E27FC236}">
+                  <a16:creationId xmlns:a16="http://schemas.microsoft.com/office/drawing/2014/main" id="{42473A1E-ADC6-FA78-6D50-0458AFAB442A}"/>
+                </a:ext>
+                <a:ext uri="{C183D7F6-B498-43B3-948B-1728B52AA6E4}">
+                  <adec:decorative xmlns:adec="http://schemas.microsoft.com/office/drawing/2017/decorative" val="1"/>
+                </a:ext>
+              </a:extLst>
+            </p:cNvPr>
+            <p:cNvSpPr/>
+            <p:nvPr>
+              <p:extLst>
+                <p:ext uri="{386F3935-93C4-4BCD-93E2-E3B085C9AB24}">
+                  <p16:designElem xmlns:p16="http://schemas.microsoft.com/office/powerpoint/2015/main" val="1"/>
+                </p:ext>
+              </p:extLst>
+            </p:nvPr>
+          </p:nvSpPr>
+          <p:spPr>
+            <a:xfrm>
+              <a:off x="6921214" y="-1"/>
+              <a:ext cx="5270786" cy="2927775"/>
+            </a:xfrm>
+            <a:custGeom>
+              <a:avLst/>
+              <a:gdLst>
+                <a:gd name="connsiteX0" fmla="*/ 0 w 5270786"/>
+                <a:gd name="connsiteY0" fmla="*/ 0 h 2927775"/>
+                <a:gd name="connsiteX1" fmla="*/ 736294 w 5270786"/>
+                <a:gd name="connsiteY1" fmla="*/ 0 h 2927775"/>
+                <a:gd name="connsiteX2" fmla="*/ 740298 w 5270786"/>
+                <a:gd name="connsiteY2" fmla="*/ 72745 h 2927775"/>
+                <a:gd name="connsiteX3" fmla="*/ 1153024 w 5270786"/>
+                <a:gd name="connsiteY3" fmla="*/ 826989 h 2927775"/>
+                <a:gd name="connsiteX4" fmla="*/ 1378368 w 5270786"/>
+                <a:gd name="connsiteY4" fmla="*/ 1126356 h 2927775"/>
+                <a:gd name="connsiteX5" fmla="*/ 2238056 w 5270786"/>
+                <a:gd name="connsiteY5" fmla="*/ 1955322 h 2927775"/>
+                <a:gd name="connsiteX6" fmla="*/ 3368327 w 5270786"/>
+                <a:gd name="connsiteY6" fmla="*/ 2233033 h 2927775"/>
+                <a:gd name="connsiteX7" fmla="*/ 4095360 w 5270786"/>
+                <a:gd name="connsiteY7" fmla="*/ 2056192 h 2927775"/>
+                <a:gd name="connsiteX8" fmla="*/ 4880506 w 5270786"/>
+                <a:gd name="connsiteY8" fmla="*/ 1545587 h 2927775"/>
+                <a:gd name="connsiteX9" fmla="*/ 5074340 w 5270786"/>
+                <a:gd name="connsiteY9" fmla="*/ 1403721 h 2927775"/>
+                <a:gd name="connsiteX10" fmla="*/ 5270786 w 5270786"/>
+                <a:gd name="connsiteY10" fmla="*/ 1259367 h 2927775"/>
+                <a:gd name="connsiteX11" fmla="*/ 5270786 w 5270786"/>
+                <a:gd name="connsiteY11" fmla="*/ 2138641 h 2927775"/>
+                <a:gd name="connsiteX12" fmla="*/ 5112925 w 5270786"/>
+                <a:gd name="connsiteY12" fmla="*/ 2253730 h 2927775"/>
+                <a:gd name="connsiteX13" fmla="*/ 3368327 w 5270786"/>
+                <a:gd name="connsiteY13" fmla="*/ 2927775 h 2927775"/>
+                <a:gd name="connsiteX14" fmla="*/ 769646 w 5270786"/>
+                <a:gd name="connsiteY14" fmla="*/ 1516288 h 2927775"/>
+                <a:gd name="connsiteX15" fmla="*/ 3149 w 5270786"/>
+                <a:gd name="connsiteY15" fmla="*/ 85252 h 2927775"/>
+              </a:gdLst>
+              <a:ahLst/>
+              <a:cxnLst>
+                <a:cxn ang="0">
+                  <a:pos x="connsiteX0" y="connsiteY0"/>
+                </a:cxn>
+                <a:cxn ang="0">
+                  <a:pos x="connsiteX1" y="connsiteY1"/>
+                </a:cxn>
+                <a:cxn ang="0">
+                  <a:pos x="connsiteX2" y="connsiteY2"/>
+                </a:cxn>
+                <a:cxn ang="0">
+                  <a:pos x="connsiteX3" y="connsiteY3"/>
+                </a:cxn>
+                <a:cxn ang="0">
+                  <a:pos x="connsiteX4" y="connsiteY4"/>
+                </a:cxn>
+                <a:cxn ang="0">
+                  <a:pos x="connsiteX5" y="connsiteY5"/>
+                </a:cxn>
+                <a:cxn ang="0">
+                  <a:pos x="connsiteX6" y="connsiteY6"/>
+                </a:cxn>
+                <a:cxn ang="0">
+                  <a:pos x="connsiteX7" y="connsiteY7"/>
+                </a:cxn>
+                <a:cxn ang="0">
+                  <a:pos x="connsiteX8" y="connsiteY8"/>
+                </a:cxn>
+                <a:cxn ang="0">
+                  <a:pos x="connsiteX9" y="connsiteY9"/>
+                </a:cxn>
+                <a:cxn ang="0">
+                  <a:pos x="connsiteX10" y="connsiteY10"/>
+                </a:cxn>
+                <a:cxn ang="0">
+                  <a:pos x="connsiteX11" y="connsiteY11"/>
+                </a:cxn>
+                <a:cxn ang="0">
+                  <a:pos x="connsiteX12" y="connsiteY12"/>
+                </a:cxn>
+                <a:cxn ang="0">
+                  <a:pos x="connsiteX13" y="connsiteY13"/>
+                </a:cxn>
+                <a:cxn ang="0">
+                  <a:pos x="connsiteX14" y="connsiteY14"/>
+                </a:cxn>
+                <a:cxn ang="0">
+                  <a:pos x="connsiteX15" y="connsiteY15"/>
+                </a:cxn>
+              </a:cxnLst>
+              <a:rect l="l" t="t" r="r" b="b"/>
+              <a:pathLst>
+                <a:path w="5270786" h="2927775">
+                  <a:moveTo>
+                    <a:pt x="0" y="0"/>
+                  </a:moveTo>
+                  <a:lnTo>
+                    <a:pt x="736294" y="0"/>
+                  </a:lnTo>
+                  <a:lnTo>
+                    <a:pt x="740298" y="72745"/>
+                  </a:lnTo>
+                  <a:cubicBezTo>
+                    <a:pt x="768839" y="319371"/>
+                    <a:pt x="898885" y="497858"/>
+                    <a:pt x="1153024" y="826989"/>
+                  </a:cubicBezTo>
+                  <a:cubicBezTo>
+                    <a:pt x="1225727" y="921142"/>
+                    <a:pt x="1300882" y="1018537"/>
+                    <a:pt x="1378368" y="1126356"/>
+                  </a:cubicBezTo>
+                  <a:cubicBezTo>
+                    <a:pt x="1652384" y="1507833"/>
+                    <a:pt x="1933512" y="1779060"/>
+                    <a:pt x="2238056" y="1955322"/>
+                  </a:cubicBezTo>
+                  <a:cubicBezTo>
+                    <a:pt x="2560868" y="2142238"/>
+                    <a:pt x="2930637" y="2233033"/>
+                    <a:pt x="3368327" y="2233033"/>
+                  </a:cubicBezTo>
+                  <a:cubicBezTo>
+                    <a:pt x="3616720" y="2233033"/>
+                    <a:pt x="3847703" y="2176866"/>
+                    <a:pt x="4095360" y="2056192"/>
+                  </a:cubicBezTo>
+                  <a:cubicBezTo>
+                    <a:pt x="4349636" y="1932276"/>
+                    <a:pt x="4601340" y="1751613"/>
+                    <a:pt x="4880506" y="1545587"/>
+                  </a:cubicBezTo>
+                  <a:cubicBezTo>
+                    <a:pt x="4945974" y="1497295"/>
+                    <a:pt x="5011199" y="1449697"/>
+                    <a:pt x="5074340" y="1403721"/>
+                  </a:cubicBezTo>
+                  <a:lnTo>
+                    <a:pt x="5270786" y="1259367"/>
+                  </a:lnTo>
+                  <a:lnTo>
+                    <a:pt x="5270786" y="2138641"/>
+                  </a:lnTo>
+                  <a:lnTo>
+                    <a:pt x="5112925" y="2253730"/>
+                  </a:lnTo>
+                  <a:cubicBezTo>
+                    <a:pt x="4598179" y="2621786"/>
+                    <a:pt x="4074961" y="2927775"/>
+                    <a:pt x="3368327" y="2927775"/>
+                  </a:cubicBezTo>
+                  <a:cubicBezTo>
+                    <a:pt x="2170746" y="2927775"/>
+                    <a:pt x="1393203" y="2384512"/>
+                    <a:pt x="769646" y="1516288"/>
+                  </a:cubicBezTo>
+                  <a:cubicBezTo>
+                    <a:pt x="418850" y="1027932"/>
+                    <a:pt x="48120" y="683401"/>
+                    <a:pt x="3149" y="85252"/>
+                  </a:cubicBezTo>
+                  <a:close/>
+                </a:path>
+              </a:pathLst>
+            </a:custGeom>
+            <a:grpFill/>
+            <a:ln>
+              <a:noFill/>
+            </a:ln>
+          </p:spPr>
+          <p:style>
+            <a:lnRef idx="2">
+              <a:schemeClr val="accent1">
+                <a:shade val="50000"/>
+              </a:schemeClr>
+            </a:lnRef>
+            <a:fillRef idx="1">
+              <a:schemeClr val="accent1"/>
+            </a:fillRef>
+            <a:effectRef idx="0">
+              <a:schemeClr val="accent1"/>
+            </a:effectRef>
+            <a:fontRef idx="minor">
+              <a:schemeClr val="lt1"/>
+            </a:fontRef>
+          </p:style>
+          <p:txBody>
+            <a:bodyPr rtlCol="0" anchor="ctr"/>
+            <a:lstStyle/>
+            <a:p>
+              <a:pPr algn="ctr"/>
+              <a:endParaRPr lang="en-US"/>
+            </a:p>
+          </p:txBody>
+        </p:sp>
+      </p:grpSp>
+      <p:grpSp>
+        <p:nvGrpSpPr>
+          <p:cNvPr id="18" name="Group 17">
+            <a:extLst>
+              <a:ext uri="{FF2B5EF4-FFF2-40B4-BE49-F238E27FC236}">
+                <a16:creationId xmlns:a16="http://schemas.microsoft.com/office/drawing/2014/main" id="{8FF172ED-9C4D-320B-575C-34CD33B83B61}"/>
+              </a:ext>
+              <a:ext uri="{C183D7F6-B498-43B3-948B-1728B52AA6E4}">
+                <adec:decorative xmlns:adec="http://schemas.microsoft.com/office/drawing/2017/decorative" val="1"/>
+              </a:ext>
+            </a:extLst>
+          </p:cNvPr>
+          <p:cNvGrpSpPr>
+            <a:grpSpLocks noGrp="1" noUngrp="1" noRot="1" noChangeAspect="1" noMove="1" noResize="1"/>
+          </p:cNvGrpSpPr>
+          <p:nvPr>
+            <p:extLst>
+              <p:ext uri="{386F3935-93C4-4BCD-93E2-E3B085C9AB24}">
+                <p16:designElem xmlns:p16="http://schemas.microsoft.com/office/powerpoint/2015/main" val="1"/>
+              </p:ext>
+            </p:extLst>
+          </p:nvPr>
+        </p:nvGrpSpPr>
+        <p:grpSpPr>
+          <a:xfrm rot="10800000">
+            <a:off x="9058275" y="4146310"/>
+            <a:ext cx="3142400" cy="2716805"/>
+            <a:chOff x="-305" y="-4155"/>
+            <a:chExt cx="2514948" cy="2174333"/>
+          </a:xfrm>
+          <a:solidFill>
+            <a:schemeClr val="bg1">
+              <a:alpha val="30000"/>
+            </a:schemeClr>
+          </a:solidFill>
+        </p:grpSpPr>
+        <p:sp>
+          <p:nvSpPr>
+            <p:cNvPr id="19" name="Freeform: Shape 18">
+              <a:extLst>
+                <a:ext uri="{FF2B5EF4-FFF2-40B4-BE49-F238E27FC236}">
+                  <a16:creationId xmlns:a16="http://schemas.microsoft.com/office/drawing/2014/main" id="{8A1AD2DB-09F7-2F35-4923-8936CDB70407}"/>
+                </a:ext>
+                <a:ext uri="{C183D7F6-B498-43B3-948B-1728B52AA6E4}">
+                  <adec:decorative xmlns:adec="http://schemas.microsoft.com/office/drawing/2017/decorative" val="1"/>
+                </a:ext>
+              </a:extLst>
+            </p:cNvPr>
+            <p:cNvSpPr/>
+            <p:nvPr>
+              <p:extLst>
+                <p:ext uri="{386F3935-93C4-4BCD-93E2-E3B085C9AB24}">
+                  <p16:designElem xmlns:p16="http://schemas.microsoft.com/office/powerpoint/2015/main" val="1"/>
+                </p:ext>
+              </p:extLst>
+            </p:nvPr>
+          </p:nvSpPr>
+          <p:spPr>
+            <a:xfrm>
+              <a:off x="-305" y="0"/>
+              <a:ext cx="2514948" cy="2170178"/>
+            </a:xfrm>
+            <a:custGeom>
+              <a:avLst/>
+              <a:gdLst>
+                <a:gd name="connsiteX0" fmla="*/ 2466091 w 2514948"/>
+                <a:gd name="connsiteY0" fmla="*/ 0 h 2170178"/>
+                <a:gd name="connsiteX1" fmla="*/ 2514948 w 2514948"/>
+                <a:gd name="connsiteY1" fmla="*/ 0 h 2170178"/>
+                <a:gd name="connsiteX2" fmla="*/ 2512286 w 2514948"/>
+                <a:gd name="connsiteY2" fmla="*/ 12375 h 2170178"/>
+                <a:gd name="connsiteX3" fmla="*/ 2394961 w 2514948"/>
+                <a:gd name="connsiteY3" fmla="*/ 368660 h 2170178"/>
+                <a:gd name="connsiteX4" fmla="*/ 2289734 w 2514948"/>
+                <a:gd name="connsiteY4" fmla="*/ 598078 h 2170178"/>
+                <a:gd name="connsiteX5" fmla="*/ 2163747 w 2514948"/>
+                <a:gd name="connsiteY5" fmla="*/ 819078 h 2170178"/>
+                <a:gd name="connsiteX6" fmla="*/ 1852241 w 2514948"/>
+                <a:gd name="connsiteY6" fmla="*/ 1228932 h 2170178"/>
+                <a:gd name="connsiteX7" fmla="*/ 1668235 w 2514948"/>
+                <a:gd name="connsiteY7" fmla="*/ 1413844 h 2170178"/>
+                <a:gd name="connsiteX8" fmla="*/ 1619510 w 2514948"/>
+                <a:gd name="connsiteY8" fmla="*/ 1457722 h 2170178"/>
+                <a:gd name="connsiteX9" fmla="*/ 1569835 w 2514948"/>
+                <a:gd name="connsiteY9" fmla="*/ 1500704 h 2170178"/>
+                <a:gd name="connsiteX10" fmla="*/ 1467169 w 2514948"/>
+                <a:gd name="connsiteY10" fmla="*/ 1583266 h 2170178"/>
+                <a:gd name="connsiteX11" fmla="*/ 1018393 w 2514948"/>
+                <a:gd name="connsiteY11" fmla="*/ 1867576 h 2170178"/>
+                <a:gd name="connsiteX12" fmla="*/ 255857 w 2514948"/>
+                <a:gd name="connsiteY12" fmla="*/ 2133049 h 2170178"/>
+                <a:gd name="connsiteX13" fmla="*/ 0 w 2514948"/>
+                <a:gd name="connsiteY13" fmla="*/ 2170178 h 2170178"/>
+                <a:gd name="connsiteX14" fmla="*/ 0 w 2514948"/>
+                <a:gd name="connsiteY14" fmla="*/ 1940056 h 2170178"/>
+                <a:gd name="connsiteX15" fmla="*/ 201609 w 2514948"/>
+                <a:gd name="connsiteY15" fmla="*/ 1902856 h 2170178"/>
+                <a:gd name="connsiteX16" fmla="*/ 440974 w 2514948"/>
+                <a:gd name="connsiteY16" fmla="*/ 1838472 h 2170178"/>
+                <a:gd name="connsiteX17" fmla="*/ 674558 w 2514948"/>
+                <a:gd name="connsiteY17" fmla="*/ 1756359 h 2170178"/>
+                <a:gd name="connsiteX18" fmla="*/ 901222 w 2514948"/>
+                <a:gd name="connsiteY18" fmla="*/ 1657142 h 2170178"/>
+                <a:gd name="connsiteX19" fmla="*/ 1330943 w 2514948"/>
+                <a:gd name="connsiteY19" fmla="*/ 1413396 h 2170178"/>
+                <a:gd name="connsiteX20" fmla="*/ 1432566 w 2514948"/>
+                <a:gd name="connsiteY20" fmla="*/ 1343193 h 2170178"/>
+                <a:gd name="connsiteX21" fmla="*/ 1482527 w 2514948"/>
+                <a:gd name="connsiteY21" fmla="*/ 1306926 h 2170178"/>
+                <a:gd name="connsiteX22" fmla="*/ 1531821 w 2514948"/>
+                <a:gd name="connsiteY22" fmla="*/ 1269765 h 2170178"/>
+                <a:gd name="connsiteX23" fmla="*/ 1721986 w 2514948"/>
+                <a:gd name="connsiteY23" fmla="*/ 1112073 h 2170178"/>
+                <a:gd name="connsiteX24" fmla="*/ 2061460 w 2514948"/>
+                <a:gd name="connsiteY24" fmla="*/ 754336 h 2170178"/>
+                <a:gd name="connsiteX25" fmla="*/ 2206218 w 2514948"/>
+                <a:gd name="connsiteY25" fmla="*/ 554827 h 2170178"/>
+                <a:gd name="connsiteX26" fmla="*/ 2329455 w 2514948"/>
+                <a:gd name="connsiteY26" fmla="*/ 341886 h 2170178"/>
+                <a:gd name="connsiteX27" fmla="*/ 2356757 w 2514948"/>
+                <a:gd name="connsiteY27" fmla="*/ 286815 h 2170178"/>
+                <a:gd name="connsiteX28" fmla="*/ 2370030 w 2514948"/>
+                <a:gd name="connsiteY28" fmla="*/ 259056 h 2170178"/>
+                <a:gd name="connsiteX29" fmla="*/ 2382637 w 2514948"/>
+                <a:gd name="connsiteY29" fmla="*/ 231028 h 2170178"/>
+                <a:gd name="connsiteX30" fmla="*/ 2406716 w 2514948"/>
+                <a:gd name="connsiteY30" fmla="*/ 174525 h 2170178"/>
+                <a:gd name="connsiteX31" fmla="*/ 2429278 w 2514948"/>
+                <a:gd name="connsiteY31" fmla="*/ 117393 h 2170178"/>
+              </a:gdLst>
+              <a:ahLst/>
+              <a:cxnLst>
+                <a:cxn ang="0">
+                  <a:pos x="connsiteX0" y="connsiteY0"/>
+                </a:cxn>
+                <a:cxn ang="0">
+                  <a:pos x="connsiteX1" y="connsiteY1"/>
+                </a:cxn>
+                <a:cxn ang="0">
+                  <a:pos x="connsiteX2" y="connsiteY2"/>
+                </a:cxn>
+                <a:cxn ang="0">
+                  <a:pos x="connsiteX3" y="connsiteY3"/>
+                </a:cxn>
+                <a:cxn ang="0">
+                  <a:pos x="connsiteX4" y="connsiteY4"/>
+                </a:cxn>
+                <a:cxn ang="0">
+                  <a:pos x="connsiteX5" y="connsiteY5"/>
+                </a:cxn>
+                <a:cxn ang="0">
+                  <a:pos x="connsiteX6" y="connsiteY6"/>
+                </a:cxn>
+                <a:cxn ang="0">
+                  <a:pos x="connsiteX7" y="connsiteY7"/>
+                </a:cxn>
+                <a:cxn ang="0">
+                  <a:pos x="connsiteX8" y="connsiteY8"/>
+                </a:cxn>
+                <a:cxn ang="0">
+                  <a:pos x="connsiteX9" y="connsiteY9"/>
+                </a:cxn>
+                <a:cxn ang="0">
+                  <a:pos x="connsiteX10" y="connsiteY10"/>
+                </a:cxn>
+                <a:cxn ang="0">
+                  <a:pos x="connsiteX11" y="connsiteY11"/>
+                </a:cxn>
+                <a:cxn ang="0">
+                  <a:pos x="connsiteX12" y="connsiteY12"/>
+                </a:cxn>
+                <a:cxn ang="0">
+                  <a:pos x="connsiteX13" y="connsiteY13"/>
+                </a:cxn>
+                <a:cxn ang="0">
+                  <a:pos x="connsiteX14" y="connsiteY14"/>
+                </a:cxn>
+                <a:cxn ang="0">
+                  <a:pos x="connsiteX15" y="connsiteY15"/>
+                </a:cxn>
+                <a:cxn ang="0">
+                  <a:pos x="connsiteX16" y="connsiteY16"/>
+                </a:cxn>
+                <a:cxn ang="0">
+                  <a:pos x="connsiteX17" y="connsiteY17"/>
+                </a:cxn>
+                <a:cxn ang="0">
+                  <a:pos x="connsiteX18" y="connsiteY18"/>
+                </a:cxn>
+                <a:cxn ang="0">
+                  <a:pos x="connsiteX19" y="connsiteY19"/>
+                </a:cxn>
+                <a:cxn ang="0">
+                  <a:pos x="connsiteX20" y="connsiteY20"/>
+                </a:cxn>
+                <a:cxn ang="0">
+                  <a:pos x="connsiteX21" y="connsiteY21"/>
+                </a:cxn>
+                <a:cxn ang="0">
+                  <a:pos x="connsiteX22" y="connsiteY22"/>
+                </a:cxn>
+                <a:cxn ang="0">
+                  <a:pos x="connsiteX23" y="connsiteY23"/>
+                </a:cxn>
+                <a:cxn ang="0">
+                  <a:pos x="connsiteX24" y="connsiteY24"/>
+                </a:cxn>
+                <a:cxn ang="0">
+                  <a:pos x="connsiteX25" y="connsiteY25"/>
+                </a:cxn>
+                <a:cxn ang="0">
+                  <a:pos x="connsiteX26" y="connsiteY26"/>
+                </a:cxn>
+                <a:cxn ang="0">
+                  <a:pos x="connsiteX27" y="connsiteY27"/>
+                </a:cxn>
+                <a:cxn ang="0">
+                  <a:pos x="connsiteX28" y="connsiteY28"/>
+                </a:cxn>
+                <a:cxn ang="0">
+                  <a:pos x="connsiteX29" y="connsiteY29"/>
+                </a:cxn>
+                <a:cxn ang="0">
+                  <a:pos x="connsiteX30" y="connsiteY30"/>
+                </a:cxn>
+                <a:cxn ang="0">
+                  <a:pos x="connsiteX31" y="connsiteY31"/>
+                </a:cxn>
+              </a:cxnLst>
+              <a:rect l="l" t="t" r="r" b="b"/>
+              <a:pathLst>
+                <a:path w="2514948" h="2170178">
+                  <a:moveTo>
+                    <a:pt x="2466091" y="0"/>
+                  </a:moveTo>
+                  <a:lnTo>
+                    <a:pt x="2514948" y="0"/>
+                  </a:lnTo>
+                  <a:lnTo>
+                    <a:pt x="2512286" y="12375"/>
+                  </a:lnTo>
+                  <a:cubicBezTo>
+                    <a:pt x="2481760" y="133161"/>
+                    <a:pt x="2442526" y="252239"/>
+                    <a:pt x="2394961" y="368660"/>
+                  </a:cubicBezTo>
+                  <a:cubicBezTo>
+                    <a:pt x="2363109" y="446208"/>
+                    <a:pt x="2328603" y="523039"/>
+                    <a:pt x="2289734" y="598078"/>
+                  </a:cubicBezTo>
+                  <a:cubicBezTo>
+                    <a:pt x="2251436" y="673387"/>
+                    <a:pt x="2209251" y="747083"/>
+                    <a:pt x="2163747" y="819078"/>
+                  </a:cubicBezTo>
+                  <a:cubicBezTo>
+                    <a:pt x="2072646" y="962979"/>
+                    <a:pt x="1968652" y="1100611"/>
+                    <a:pt x="1852241" y="1228932"/>
+                  </a:cubicBezTo>
+                  <a:cubicBezTo>
+                    <a:pt x="1793748" y="1292868"/>
+                    <a:pt x="1732698" y="1354923"/>
+                    <a:pt x="1668235" y="1413844"/>
+                  </a:cubicBezTo>
+                  <a:cubicBezTo>
+                    <a:pt x="1652214" y="1428709"/>
+                    <a:pt x="1636100" y="1443395"/>
+                    <a:pt x="1619510" y="1457722"/>
+                  </a:cubicBezTo>
+                  <a:cubicBezTo>
+                    <a:pt x="1603015" y="1472140"/>
+                    <a:pt x="1586805" y="1486825"/>
+                    <a:pt x="1569835" y="1500704"/>
+                  </a:cubicBezTo>
+                  <a:cubicBezTo>
+                    <a:pt x="1536276" y="1528911"/>
+                    <a:pt x="1501865" y="1556223"/>
+                    <a:pt x="1467169" y="1583266"/>
+                  </a:cubicBezTo>
+                  <a:cubicBezTo>
+                    <a:pt x="1327719" y="1690722"/>
+                    <a:pt x="1177085" y="1785910"/>
+                    <a:pt x="1018393" y="1867576"/>
+                  </a:cubicBezTo>
+                  <a:cubicBezTo>
+                    <a:pt x="780425" y="1990142"/>
+                    <a:pt x="522567" y="2080875"/>
+                    <a:pt x="255857" y="2133049"/>
+                  </a:cubicBezTo>
+                  <a:lnTo>
+                    <a:pt x="0" y="2170178"/>
+                  </a:lnTo>
+                  <a:lnTo>
+                    <a:pt x="0" y="1940056"/>
+                  </a:lnTo>
+                  <a:lnTo>
+                    <a:pt x="201609" y="1902856"/>
+                  </a:lnTo>
+                  <a:cubicBezTo>
+                    <a:pt x="282186" y="1884231"/>
+                    <a:pt x="362102" y="1863008"/>
+                    <a:pt x="440974" y="1838472"/>
+                  </a:cubicBezTo>
+                  <a:cubicBezTo>
+                    <a:pt x="519848" y="1814027"/>
+                    <a:pt x="597771" y="1786627"/>
+                    <a:pt x="674558" y="1756359"/>
+                  </a:cubicBezTo>
+                  <a:cubicBezTo>
+                    <a:pt x="751250" y="1726003"/>
+                    <a:pt x="826900" y="1692870"/>
+                    <a:pt x="901222" y="1657142"/>
+                  </a:cubicBezTo>
+                  <a:cubicBezTo>
+                    <a:pt x="1049865" y="1585774"/>
+                    <a:pt x="1193581" y="1504376"/>
+                    <a:pt x="1330943" y="1413396"/>
+                  </a:cubicBezTo>
+                  <a:cubicBezTo>
+                    <a:pt x="1365165" y="1390563"/>
+                    <a:pt x="1399293" y="1367370"/>
+                    <a:pt x="1432566" y="1343193"/>
+                  </a:cubicBezTo>
+                  <a:cubicBezTo>
+                    <a:pt x="1449441" y="1331373"/>
+                    <a:pt x="1465936" y="1319104"/>
+                    <a:pt x="1482527" y="1306926"/>
+                  </a:cubicBezTo>
+                  <a:cubicBezTo>
+                    <a:pt x="1499210" y="1294837"/>
+                    <a:pt x="1515611" y="1282391"/>
+                    <a:pt x="1531821" y="1269765"/>
+                  </a:cubicBezTo>
+                  <a:cubicBezTo>
+                    <a:pt x="1596947" y="1219350"/>
+                    <a:pt x="1660652" y="1167055"/>
+                    <a:pt x="1721986" y="1112073"/>
+                  </a:cubicBezTo>
+                  <a:cubicBezTo>
+                    <a:pt x="1844940" y="1002469"/>
+                    <a:pt x="1958983" y="882926"/>
+                    <a:pt x="2061460" y="754336"/>
+                  </a:cubicBezTo>
+                  <a:cubicBezTo>
+                    <a:pt x="2112652" y="690042"/>
+                    <a:pt x="2161094" y="623510"/>
+                    <a:pt x="2206218" y="554827"/>
+                  </a:cubicBezTo>
+                  <a:cubicBezTo>
+                    <a:pt x="2250583" y="485787"/>
+                    <a:pt x="2292484" y="415046"/>
+                    <a:pt x="2329455" y="341886"/>
+                  </a:cubicBezTo>
+                  <a:cubicBezTo>
+                    <a:pt x="2339030" y="323709"/>
+                    <a:pt x="2347941" y="305261"/>
+                    <a:pt x="2356757" y="286815"/>
+                  </a:cubicBezTo>
+                  <a:lnTo>
+                    <a:pt x="2370030" y="259056"/>
+                  </a:lnTo>
+                  <a:lnTo>
+                    <a:pt x="2382637" y="231028"/>
+                  </a:lnTo>
+                  <a:cubicBezTo>
+                    <a:pt x="2390885" y="212312"/>
+                    <a:pt x="2399227" y="193598"/>
+                    <a:pt x="2406716" y="174525"/>
+                  </a:cubicBezTo>
+                  <a:cubicBezTo>
+                    <a:pt x="2414206" y="155452"/>
+                    <a:pt x="2422453" y="136646"/>
+                    <a:pt x="2429278" y="117393"/>
+                  </a:cubicBezTo>
+                  <a:close/>
+                </a:path>
+              </a:pathLst>
+            </a:custGeom>
+            <a:grpFill/>
+            <a:ln>
+              <a:noFill/>
+            </a:ln>
+          </p:spPr>
+          <p:style>
+            <a:lnRef idx="2">
+              <a:schemeClr val="accent1">
+                <a:shade val="50000"/>
+              </a:schemeClr>
+            </a:lnRef>
+            <a:fillRef idx="1">
+              <a:schemeClr val="accent1"/>
+            </a:fillRef>
+            <a:effectRef idx="0">
+              <a:schemeClr val="accent1"/>
+            </a:effectRef>
+            <a:fontRef idx="minor">
+              <a:schemeClr val="lt1"/>
+            </a:fontRef>
+          </p:style>
+          <p:txBody>
+            <a:bodyPr rtlCol="0" anchor="ctr"/>
+            <a:lstStyle/>
+            <a:p>
+              <a:pPr algn="ctr"/>
+              <a:endParaRPr lang="en-US"/>
+            </a:p>
+          </p:txBody>
+        </p:sp>
+        <p:sp>
+          <p:nvSpPr>
+            <p:cNvPr id="20" name="Freeform: Shape 19">
+              <a:extLst>
+                <a:ext uri="{FF2B5EF4-FFF2-40B4-BE49-F238E27FC236}">
+                  <a16:creationId xmlns:a16="http://schemas.microsoft.com/office/drawing/2014/main" id="{67134CCF-74D4-341E-9E6E-932F1F8326FF}"/>
+                </a:ext>
+                <a:ext uri="{C183D7F6-B498-43B3-948B-1728B52AA6E4}">
+                  <adec:decorative xmlns:adec="http://schemas.microsoft.com/office/drawing/2017/decorative" val="1"/>
+                </a:ext>
+              </a:extLst>
+            </p:cNvPr>
+            <p:cNvSpPr/>
+            <p:nvPr>
+              <p:extLst>
+                <p:ext uri="{386F3935-93C4-4BCD-93E2-E3B085C9AB24}">
+                  <p16:designElem xmlns:p16="http://schemas.microsoft.com/office/powerpoint/2015/main" val="1"/>
+                </p:ext>
+              </p:extLst>
+            </p:nvPr>
+          </p:nvSpPr>
+          <p:spPr>
+            <a:xfrm>
+              <a:off x="-305" y="-4155"/>
+              <a:ext cx="2493062" cy="1947896"/>
+            </a:xfrm>
+            <a:custGeom>
+              <a:avLst/>
+              <a:gdLst>
+                <a:gd name="connsiteX0" fmla="*/ 1896911 w 2493062"/>
+                <a:gd name="connsiteY0" fmla="*/ 0 h 1947896"/>
+                <a:gd name="connsiteX1" fmla="*/ 2493062 w 2493062"/>
+                <a:gd name="connsiteY1" fmla="*/ 0 h 1947896"/>
+                <a:gd name="connsiteX2" fmla="*/ 2435315 w 2493062"/>
+                <a:gd name="connsiteY2" fmla="*/ 178165 h 1947896"/>
+                <a:gd name="connsiteX3" fmla="*/ 93066 w 2493062"/>
+                <a:gd name="connsiteY3" fmla="*/ 1935859 h 1947896"/>
+                <a:gd name="connsiteX4" fmla="*/ 0 w 2493062"/>
+                <a:gd name="connsiteY4" fmla="*/ 1947896 h 1947896"/>
+                <a:gd name="connsiteX5" fmla="*/ 0 w 2493062"/>
+                <a:gd name="connsiteY5" fmla="*/ 1404756 h 1947896"/>
+                <a:gd name="connsiteX6" fmla="*/ 17392 w 2493062"/>
+                <a:gd name="connsiteY6" fmla="*/ 1402364 h 1947896"/>
+                <a:gd name="connsiteX7" fmla="*/ 464249 w 2493062"/>
+                <a:gd name="connsiteY7" fmla="*/ 1281208 h 1947896"/>
+                <a:gd name="connsiteX8" fmla="*/ 1260556 w 2493062"/>
+                <a:gd name="connsiteY8" fmla="*/ 833835 h 1947896"/>
+                <a:gd name="connsiteX9" fmla="*/ 1807924 w 2493062"/>
+                <a:gd name="connsiteY9" fmla="*/ 193222 h 1947896"/>
+                <a:gd name="connsiteX10" fmla="*/ 1874357 w 2493062"/>
+                <a:gd name="connsiteY10" fmla="*/ 58333 h 1947896"/>
+              </a:gdLst>
+              <a:ahLst/>
+              <a:cxnLst>
+                <a:cxn ang="0">
+                  <a:pos x="connsiteX0" y="connsiteY0"/>
+                </a:cxn>
+                <a:cxn ang="0">
+                  <a:pos x="connsiteX1" y="connsiteY1"/>
+                </a:cxn>
+                <a:cxn ang="0">
+                  <a:pos x="connsiteX2" y="connsiteY2"/>
+                </a:cxn>
+                <a:cxn ang="0">
+                  <a:pos x="connsiteX3" y="connsiteY3"/>
+                </a:cxn>
+                <a:cxn ang="0">
+                  <a:pos x="connsiteX4" y="connsiteY4"/>
+                </a:cxn>
+                <a:cxn ang="0">
+                  <a:pos x="connsiteX5" y="connsiteY5"/>
+                </a:cxn>
+                <a:cxn ang="0">
+                  <a:pos x="connsiteX6" y="connsiteY6"/>
+                </a:cxn>
+                <a:cxn ang="0">
+                  <a:pos x="connsiteX7" y="connsiteY7"/>
+                </a:cxn>
+                <a:cxn ang="0">
+                  <a:pos x="connsiteX8" y="connsiteY8"/>
+                </a:cxn>
+                <a:cxn ang="0">
+                  <a:pos x="connsiteX9" y="connsiteY9"/>
+                </a:cxn>
+                <a:cxn ang="0">
+                  <a:pos x="connsiteX10" y="connsiteY10"/>
+                </a:cxn>
+              </a:cxnLst>
+              <a:rect l="l" t="t" r="r" b="b"/>
+              <a:pathLst>
+                <a:path w="2493062" h="1947896">
+                  <a:moveTo>
+                    <a:pt x="1896911" y="0"/>
+                  </a:moveTo>
+                  <a:lnTo>
+                    <a:pt x="2493062" y="0"/>
+                  </a:lnTo>
+                  <a:lnTo>
+                    <a:pt x="2435315" y="178165"/>
+                  </a:lnTo>
+                  <a:cubicBezTo>
+                    <a:pt x="2088122" y="1071812"/>
+                    <a:pt x="1129732" y="1758033"/>
+                    <a:pt x="93066" y="1935859"/>
+                  </a:cubicBezTo>
+                  <a:lnTo>
+                    <a:pt x="0" y="1947896"/>
+                  </a:lnTo>
+                  <a:lnTo>
+                    <a:pt x="0" y="1404756"/>
+                  </a:lnTo>
+                  <a:lnTo>
+                    <a:pt x="17392" y="1402364"/>
+                  </a:lnTo>
+                  <a:cubicBezTo>
+                    <a:pt x="167719" y="1375030"/>
+                    <a:pt x="318070" y="1334398"/>
+                    <a:pt x="464249" y="1281208"/>
+                  </a:cubicBezTo>
+                  <a:cubicBezTo>
+                    <a:pt x="753480" y="1176081"/>
+                    <a:pt x="1028869" y="1021346"/>
+                    <a:pt x="1260556" y="833835"/>
+                  </a:cubicBezTo>
+                  <a:cubicBezTo>
+                    <a:pt x="1491960" y="646594"/>
+                    <a:pt x="1681177" y="425056"/>
+                    <a:pt x="1807924" y="193222"/>
+                  </a:cubicBezTo>
+                  <a:cubicBezTo>
+                    <a:pt x="1832328" y="148578"/>
+                    <a:pt x="1854477" y="103599"/>
+                    <a:pt x="1874357" y="58333"/>
+                  </a:cubicBezTo>
+                  <a:close/>
+                </a:path>
+              </a:pathLst>
+            </a:custGeom>
+            <a:grpFill/>
+            <a:ln>
+              <a:noFill/>
+            </a:ln>
+          </p:spPr>
+          <p:style>
+            <a:lnRef idx="2">
+              <a:schemeClr val="accent1">
+                <a:shade val="50000"/>
+              </a:schemeClr>
+            </a:lnRef>
+            <a:fillRef idx="1">
+              <a:schemeClr val="accent1"/>
+            </a:fillRef>
+            <a:effectRef idx="0">
+              <a:schemeClr val="accent1"/>
+            </a:effectRef>
+            <a:fontRef idx="minor">
+              <a:schemeClr val="lt1"/>
+            </a:fontRef>
+          </p:style>
+          <p:txBody>
+            <a:bodyPr rtlCol="0" anchor="ctr"/>
+            <a:lstStyle/>
+            <a:p>
+              <a:pPr algn="ctr"/>
+              <a:endParaRPr lang="en-US"/>
+            </a:p>
+          </p:txBody>
+        </p:sp>
+        <p:sp>
+          <p:nvSpPr>
+            <p:cNvPr id="21" name="Freeform: Shape 20">
+              <a:extLst>
+                <a:ext uri="{FF2B5EF4-FFF2-40B4-BE49-F238E27FC236}">
+                  <a16:creationId xmlns:a16="http://schemas.microsoft.com/office/drawing/2014/main" id="{CBE43E20-874B-83AC-9A45-424B3AE255F9}"/>
+                </a:ext>
+                <a:ext uri="{C183D7F6-B498-43B3-948B-1728B52AA6E4}">
+                  <adec:decorative xmlns:adec="http://schemas.microsoft.com/office/drawing/2017/decorative" val="1"/>
+                </a:ext>
+              </a:extLst>
+            </p:cNvPr>
+            <p:cNvSpPr/>
+            <p:nvPr>
+              <p:extLst>
+                <p:ext uri="{386F3935-93C4-4BCD-93E2-E3B085C9AB24}">
+                  <p16:designElem xmlns:p16="http://schemas.microsoft.com/office/powerpoint/2015/main" val="1"/>
+                </p:ext>
+              </p:extLst>
+            </p:nvPr>
+          </p:nvSpPr>
+          <p:spPr>
+            <a:xfrm>
+              <a:off x="-305" y="0"/>
+              <a:ext cx="2501089" cy="1972702"/>
+            </a:xfrm>
+            <a:custGeom>
+              <a:avLst/>
+              <a:gdLst>
+                <a:gd name="connsiteX0" fmla="*/ 2318728 w 2501089"/>
+                <a:gd name="connsiteY0" fmla="*/ 0 h 1972702"/>
+                <a:gd name="connsiteX1" fmla="*/ 2501089 w 2501089"/>
+                <a:gd name="connsiteY1" fmla="*/ 0 h 1972702"/>
+                <a:gd name="connsiteX2" fmla="*/ 2453909 w 2501089"/>
+                <a:gd name="connsiteY2" fmla="*/ 167837 h 1972702"/>
+                <a:gd name="connsiteX3" fmla="*/ 2361125 w 2501089"/>
+                <a:gd name="connsiteY3" fmla="*/ 392084 h 1972702"/>
+                <a:gd name="connsiteX4" fmla="*/ 1768255 w 2501089"/>
+                <a:gd name="connsiteY4" fmla="*/ 1167644 h 1972702"/>
+                <a:gd name="connsiteX5" fmla="*/ 1375125 w 2501089"/>
+                <a:gd name="connsiteY5" fmla="*/ 1471474 h 1972702"/>
+                <a:gd name="connsiteX6" fmla="*/ 935735 w 2501089"/>
+                <a:gd name="connsiteY6" fmla="*/ 1712713 h 1972702"/>
+                <a:gd name="connsiteX7" fmla="*/ 212353 w 2501089"/>
+                <a:gd name="connsiteY7" fmla="*/ 1940294 h 1972702"/>
+                <a:gd name="connsiteX8" fmla="*/ 0 w 2501089"/>
+                <a:gd name="connsiteY8" fmla="*/ 1972702 h 1972702"/>
+                <a:gd name="connsiteX9" fmla="*/ 0 w 2501089"/>
+                <a:gd name="connsiteY9" fmla="*/ 1732181 h 1972702"/>
+                <a:gd name="connsiteX10" fmla="*/ 161195 w 2501089"/>
+                <a:gd name="connsiteY10" fmla="*/ 1706590 h 1972702"/>
+                <a:gd name="connsiteX11" fmla="*/ 388463 w 2501089"/>
+                <a:gd name="connsiteY11" fmla="*/ 1652268 h 1972702"/>
+                <a:gd name="connsiteX12" fmla="*/ 826716 w 2501089"/>
+                <a:gd name="connsiteY12" fmla="*/ 1493950 h 1972702"/>
+                <a:gd name="connsiteX13" fmla="*/ 1609847 w 2501089"/>
+                <a:gd name="connsiteY13" fmla="*/ 1007535 h 1972702"/>
+                <a:gd name="connsiteX14" fmla="*/ 1929982 w 2501089"/>
+                <a:gd name="connsiteY14" fmla="*/ 682930 h 1972702"/>
+                <a:gd name="connsiteX15" fmla="*/ 2183093 w 2501089"/>
+                <a:gd name="connsiteY15" fmla="*/ 310149 h 1972702"/>
+                <a:gd name="connsiteX16" fmla="*/ 2280286 w 2501089"/>
+                <a:gd name="connsiteY16" fmla="*/ 108435 h 1972702"/>
+              </a:gdLst>
+              <a:ahLst/>
+              <a:cxnLst>
+                <a:cxn ang="0">
+                  <a:pos x="connsiteX0" y="connsiteY0"/>
+                </a:cxn>
+                <a:cxn ang="0">
+                  <a:pos x="connsiteX1" y="connsiteY1"/>
+                </a:cxn>
+                <a:cxn ang="0">
+                  <a:pos x="connsiteX2" y="connsiteY2"/>
+                </a:cxn>
+                <a:cxn ang="0">
+                  <a:pos x="connsiteX3" y="connsiteY3"/>
+                </a:cxn>
+                <a:cxn ang="0">
+                  <a:pos x="connsiteX4" y="connsiteY4"/>
+                </a:cxn>
+                <a:cxn ang="0">
+                  <a:pos x="connsiteX5" y="connsiteY5"/>
+                </a:cxn>
+                <a:cxn ang="0">
+                  <a:pos x="connsiteX6" y="connsiteY6"/>
+                </a:cxn>
+                <a:cxn ang="0">
+                  <a:pos x="connsiteX7" y="connsiteY7"/>
+                </a:cxn>
+                <a:cxn ang="0">
+                  <a:pos x="connsiteX8" y="connsiteY8"/>
+                </a:cxn>
+                <a:cxn ang="0">
+                  <a:pos x="connsiteX9" y="connsiteY9"/>
+                </a:cxn>
+                <a:cxn ang="0">
+                  <a:pos x="connsiteX10" y="connsiteY10"/>
+                </a:cxn>
+                <a:cxn ang="0">
+                  <a:pos x="connsiteX11" y="connsiteY11"/>
+                </a:cxn>
+                <a:cxn ang="0">
+                  <a:pos x="connsiteX12" y="connsiteY12"/>
+                </a:cxn>
+                <a:cxn ang="0">
+                  <a:pos x="connsiteX13" y="connsiteY13"/>
+                </a:cxn>
+                <a:cxn ang="0">
+                  <a:pos x="connsiteX14" y="connsiteY14"/>
+                </a:cxn>
+                <a:cxn ang="0">
+                  <a:pos x="connsiteX15" y="connsiteY15"/>
+                </a:cxn>
+                <a:cxn ang="0">
+                  <a:pos x="connsiteX16" y="connsiteY16"/>
+                </a:cxn>
+              </a:cxnLst>
+              <a:rect l="l" t="t" r="r" b="b"/>
+              <a:pathLst>
+                <a:path w="2501089" h="1972702">
+                  <a:moveTo>
+                    <a:pt x="2318728" y="0"/>
+                  </a:moveTo>
+                  <a:lnTo>
+                    <a:pt x="2501089" y="0"/>
+                  </a:lnTo>
+                  <a:lnTo>
+                    <a:pt x="2453909" y="167837"/>
+                  </a:lnTo>
+                  <a:cubicBezTo>
+                    <a:pt x="2427555" y="244153"/>
+                    <a:pt x="2396627" y="319103"/>
+                    <a:pt x="2361125" y="392084"/>
+                  </a:cubicBezTo>
+                  <a:cubicBezTo>
+                    <a:pt x="2218453" y="684005"/>
+                    <a:pt x="2011698" y="945211"/>
+                    <a:pt x="1768255" y="1167644"/>
+                  </a:cubicBezTo>
+                  <a:cubicBezTo>
+                    <a:pt x="1646250" y="1278860"/>
+                    <a:pt x="1514385" y="1380316"/>
+                    <a:pt x="1375125" y="1471474"/>
+                  </a:cubicBezTo>
+                  <a:cubicBezTo>
+                    <a:pt x="1235677" y="1562542"/>
+                    <a:pt x="1088928" y="1643672"/>
+                    <a:pt x="935735" y="1712713"/>
+                  </a:cubicBezTo>
+                  <a:cubicBezTo>
+                    <a:pt x="705659" y="1815533"/>
+                    <a:pt x="462359" y="1892212"/>
+                    <a:pt x="212353" y="1940294"/>
+                  </a:cubicBezTo>
+                  <a:lnTo>
+                    <a:pt x="0" y="1972702"/>
+                  </a:lnTo>
+                  <a:lnTo>
+                    <a:pt x="0" y="1732181"/>
+                  </a:lnTo>
+                  <a:lnTo>
+                    <a:pt x="161195" y="1706590"/>
+                  </a:lnTo>
+                  <a:cubicBezTo>
+                    <a:pt x="237638" y="1691378"/>
+                    <a:pt x="313477" y="1673222"/>
+                    <a:pt x="388463" y="1652268"/>
+                  </a:cubicBezTo>
+                  <a:cubicBezTo>
+                    <a:pt x="538529" y="1610539"/>
+                    <a:pt x="684898" y="1556543"/>
+                    <a:pt x="826716" y="1493950"/>
+                  </a:cubicBezTo>
+                  <a:cubicBezTo>
+                    <a:pt x="1111207" y="1370107"/>
+                    <a:pt x="1376832" y="1205881"/>
+                    <a:pt x="1609847" y="1007535"/>
+                  </a:cubicBezTo>
+                  <a:cubicBezTo>
+                    <a:pt x="1725975" y="908049"/>
+                    <a:pt x="1833571" y="799519"/>
+                    <a:pt x="1929982" y="682930"/>
+                  </a:cubicBezTo>
+                  <a:cubicBezTo>
+                    <a:pt x="2026581" y="566520"/>
+                    <a:pt x="2111806" y="441692"/>
+                    <a:pt x="2183093" y="310149"/>
+                  </a:cubicBezTo>
+                  <a:cubicBezTo>
+                    <a:pt x="2218738" y="244422"/>
+                    <a:pt x="2251396" y="177150"/>
+                    <a:pt x="2280286" y="108435"/>
+                  </a:cubicBezTo>
+                  <a:close/>
+                </a:path>
+              </a:pathLst>
+            </a:custGeom>
+            <a:grpFill/>
+            <a:ln>
+              <a:noFill/>
+            </a:ln>
+          </p:spPr>
+          <p:style>
+            <a:lnRef idx="2">
+              <a:schemeClr val="accent1">
+                <a:shade val="50000"/>
+              </a:schemeClr>
+            </a:lnRef>
+            <a:fillRef idx="1">
+              <a:schemeClr val="accent1"/>
+            </a:fillRef>
+            <a:effectRef idx="0">
+              <a:schemeClr val="accent1"/>
+            </a:effectRef>
+            <a:fontRef idx="minor">
+              <a:schemeClr val="lt1"/>
+            </a:fontRef>
+          </p:style>
+          <p:txBody>
+            <a:bodyPr wrap="square" rtlCol="0" anchor="ctr">
+              <a:noAutofit/>
+            </a:bodyPr>
+            <a:lstStyle/>
+            <a:p>
+              <a:pPr algn="ctr"/>
+              <a:endParaRPr lang="en-US" sz="800"/>
+            </a:p>
+          </p:txBody>
+        </p:sp>
+        <p:sp>
+          <p:nvSpPr>
+            <p:cNvPr id="22" name="Freeform: Shape 21">
+              <a:extLst>
+                <a:ext uri="{FF2B5EF4-FFF2-40B4-BE49-F238E27FC236}">
+                  <a16:creationId xmlns:a16="http://schemas.microsoft.com/office/drawing/2014/main" id="{D34DBF24-D283-11E7-FD9D-D337DFCA8071}"/>
+                </a:ext>
+                <a:ext uri="{C183D7F6-B498-43B3-948B-1728B52AA6E4}">
+                  <adec:decorative xmlns:adec="http://schemas.microsoft.com/office/drawing/2017/decorative" val="1"/>
+                </a:ext>
+              </a:extLst>
+            </p:cNvPr>
+            <p:cNvSpPr/>
+            <p:nvPr>
+              <p:extLst>
+                <p:ext uri="{386F3935-93C4-4BCD-93E2-E3B085C9AB24}">
+                  <p16:designElem xmlns:p16="http://schemas.microsoft.com/office/powerpoint/2015/main" val="1"/>
+                </p:ext>
+              </p:extLst>
+            </p:nvPr>
+          </p:nvSpPr>
+          <p:spPr>
+            <a:xfrm>
+              <a:off x="305" y="1"/>
+              <a:ext cx="2491105" cy="1943661"/>
+            </a:xfrm>
+            <a:custGeom>
+              <a:avLst/>
+              <a:gdLst>
+                <a:gd name="connsiteX0" fmla="*/ 1995408 w 2491105"/>
+                <a:gd name="connsiteY0" fmla="*/ 0 h 1943661"/>
+                <a:gd name="connsiteX1" fmla="*/ 2491105 w 2491105"/>
+                <a:gd name="connsiteY1" fmla="*/ 0 h 1943661"/>
+                <a:gd name="connsiteX2" fmla="*/ 2434705 w 2491105"/>
+                <a:gd name="connsiteY2" fmla="*/ 174009 h 1943661"/>
+                <a:gd name="connsiteX3" fmla="*/ 92457 w 2491105"/>
+                <a:gd name="connsiteY3" fmla="*/ 1931703 h 1943661"/>
+                <a:gd name="connsiteX4" fmla="*/ 0 w 2491105"/>
+                <a:gd name="connsiteY4" fmla="*/ 1943661 h 1943661"/>
+                <a:gd name="connsiteX5" fmla="*/ 0 w 2491105"/>
+                <a:gd name="connsiteY5" fmla="*/ 1491489 h 1943661"/>
+                <a:gd name="connsiteX6" fmla="*/ 34107 w 2491105"/>
+                <a:gd name="connsiteY6" fmla="*/ 1486836 h 1943661"/>
+                <a:gd name="connsiteX7" fmla="*/ 497577 w 2491105"/>
+                <a:gd name="connsiteY7" fmla="*/ 1360598 h 1943661"/>
+                <a:gd name="connsiteX8" fmla="*/ 1321566 w 2491105"/>
+                <a:gd name="connsiteY8" fmla="*/ 897645 h 1943661"/>
+                <a:gd name="connsiteX9" fmla="*/ 1891495 w 2491105"/>
+                <a:gd name="connsiteY9" fmla="*/ 230078 h 1943661"/>
+                <a:gd name="connsiteX10" fmla="*/ 1961469 w 2491105"/>
+                <a:gd name="connsiteY10" fmla="*/ 87885 h 1943661"/>
+              </a:gdLst>
+              <a:ahLst/>
+              <a:cxnLst>
+                <a:cxn ang="0">
+                  <a:pos x="connsiteX0" y="connsiteY0"/>
+                </a:cxn>
+                <a:cxn ang="0">
+                  <a:pos x="connsiteX1" y="connsiteY1"/>
+                </a:cxn>
+                <a:cxn ang="0">
+                  <a:pos x="connsiteX2" y="connsiteY2"/>
+                </a:cxn>
+                <a:cxn ang="0">
+                  <a:pos x="connsiteX3" y="connsiteY3"/>
+                </a:cxn>
+                <a:cxn ang="0">
+                  <a:pos x="connsiteX4" y="connsiteY4"/>
+                </a:cxn>
+                <a:cxn ang="0">
+                  <a:pos x="connsiteX5" y="connsiteY5"/>
+                </a:cxn>
+                <a:cxn ang="0">
+                  <a:pos x="connsiteX6" y="connsiteY6"/>
+                </a:cxn>
+                <a:cxn ang="0">
+                  <a:pos x="connsiteX7" y="connsiteY7"/>
+                </a:cxn>
+                <a:cxn ang="0">
+                  <a:pos x="connsiteX8" y="connsiteY8"/>
+                </a:cxn>
+                <a:cxn ang="0">
+                  <a:pos x="connsiteX9" y="connsiteY9"/>
+                </a:cxn>
+                <a:cxn ang="0">
+                  <a:pos x="connsiteX10" y="connsiteY10"/>
+                </a:cxn>
+              </a:cxnLst>
+              <a:rect l="l" t="t" r="r" b="b"/>
+              <a:pathLst>
+                <a:path w="2491105" h="1943661">
+                  <a:moveTo>
+                    <a:pt x="1995408" y="0"/>
+                  </a:moveTo>
+                  <a:lnTo>
+                    <a:pt x="2491105" y="0"/>
+                  </a:lnTo>
+                  <a:lnTo>
+                    <a:pt x="2434705" y="174009"/>
+                  </a:lnTo>
+                  <a:cubicBezTo>
+                    <a:pt x="2087512" y="1067655"/>
+                    <a:pt x="1129122" y="1753877"/>
+                    <a:pt x="92457" y="1931703"/>
+                  </a:cubicBezTo>
+                  <a:lnTo>
+                    <a:pt x="0" y="1943661"/>
+                  </a:lnTo>
+                  <a:lnTo>
+                    <a:pt x="0" y="1491489"/>
+                  </a:lnTo>
+                  <a:lnTo>
+                    <a:pt x="34107" y="1486836"/>
+                  </a:lnTo>
+                  <a:cubicBezTo>
+                    <a:pt x="189055" y="1458696"/>
+                    <a:pt x="343908" y="1416565"/>
+                    <a:pt x="497577" y="1360598"/>
+                  </a:cubicBezTo>
+                  <a:cubicBezTo>
+                    <a:pt x="796856" y="1251889"/>
+                    <a:pt x="1081725" y="1091781"/>
+                    <a:pt x="1321566" y="897645"/>
+                  </a:cubicBezTo>
+                  <a:cubicBezTo>
+                    <a:pt x="1565577" y="700195"/>
+                    <a:pt x="1757355" y="475523"/>
+                    <a:pt x="1891495" y="230078"/>
+                  </a:cubicBezTo>
+                  <a:cubicBezTo>
+                    <a:pt x="1917197" y="183033"/>
+                    <a:pt x="1940526" y="135619"/>
+                    <a:pt x="1961469" y="87885"/>
+                  </a:cubicBezTo>
+                  <a:close/>
+                </a:path>
+              </a:pathLst>
+            </a:custGeom>
+            <a:grpFill/>
+            <a:ln>
+              <a:noFill/>
+            </a:ln>
+          </p:spPr>
+          <p:style>
+            <a:lnRef idx="2">
+              <a:schemeClr val="accent1">
+                <a:shade val="50000"/>
+              </a:schemeClr>
+            </a:lnRef>
+            <a:fillRef idx="1">
+              <a:schemeClr val="accent1"/>
+            </a:fillRef>
+            <a:effectRef idx="0">
+              <a:schemeClr val="accent1"/>
+            </a:effectRef>
+            <a:fontRef idx="minor">
+              <a:schemeClr val="lt1"/>
+            </a:fontRef>
+          </p:style>
+          <p:txBody>
+            <a:bodyPr rtlCol="0" anchor="ctr"/>
+            <a:lstStyle/>
+            <a:p>
+              <a:pPr algn="ctr"/>
+              <a:endParaRPr lang="en-US" dirty="0"/>
+            </a:p>
+          </p:txBody>
+        </p:sp>
+      </p:grpSp>
+      <p:sp>
+        <p:nvSpPr>
+          <p:cNvPr id="6" name="Content Placeholder 2">
+            <a:extLst>
+              <a:ext uri="{FF2B5EF4-FFF2-40B4-BE49-F238E27FC236}">
+                <a16:creationId xmlns:a16="http://schemas.microsoft.com/office/drawing/2014/main" id="{5E006164-9114-D80D-C79D-5C5B97797ABA}"/>
+              </a:ext>
+            </a:extLst>
+          </p:cNvPr>
+          <p:cNvSpPr>
+            <a:spLocks noGrp="1"/>
+          </p:cNvSpPr>
+          <p:nvPr>
+            <p:ph idx="1"/>
+          </p:nvPr>
+        </p:nvSpPr>
+        <p:spPr>
+          <a:xfrm>
+            <a:off x="828457" y="1111904"/>
+            <a:ext cx="9833548" cy="5717560"/>
+          </a:xfrm>
+        </p:spPr>
+        <p:txBody>
+          <a:bodyPr>
+            <a:normAutofit fontScale="25000" lnSpcReduction="20000"/>
+          </a:bodyPr>
+          <a:lstStyle/>
+          <a:p>
+            <a:pPr marL="0" indent="0">
+              <a:lnSpc>
+                <a:spcPct val="120000"/>
+              </a:lnSpc>
+              <a:buNone/>
+            </a:pPr>
+            <a:r>
+              <a:rPr lang="en-IN" sz="6600" b="1" dirty="0"/>
+              <a:t>Why Agentic AI?</a:t>
+            </a:r>
+            <a:endParaRPr lang="en-IN" sz="6200" b="1" dirty="0"/>
+          </a:p>
+          <a:p>
+            <a:pPr>
+              <a:lnSpc>
+                <a:spcPct val="120000"/>
+              </a:lnSpc>
+            </a:pPr>
+            <a:r>
+              <a:rPr lang="en-IN" sz="6200" b="1" dirty="0"/>
+              <a:t>Problem with traditional LLM apps</a:t>
+            </a:r>
+            <a:endParaRPr lang="en-IN" sz="6200" dirty="0"/>
+          </a:p>
+          <a:p>
+            <a:pPr lvl="1">
+              <a:lnSpc>
+                <a:spcPct val="120000"/>
+              </a:lnSpc>
+            </a:pPr>
+            <a:r>
+              <a:rPr lang="en-IN" sz="5800" dirty="0"/>
+              <a:t>Stateless</a:t>
+            </a:r>
+          </a:p>
+          <a:p>
+            <a:pPr lvl="1">
+              <a:lnSpc>
+                <a:spcPct val="120000"/>
+              </a:lnSpc>
+            </a:pPr>
+            <a:r>
+              <a:rPr lang="en-IN" sz="5800" dirty="0"/>
+              <a:t>One-shot responses</a:t>
+            </a:r>
+          </a:p>
+          <a:p>
+            <a:pPr lvl="1">
+              <a:lnSpc>
+                <a:spcPct val="120000"/>
+              </a:lnSpc>
+            </a:pPr>
+            <a:r>
+              <a:rPr lang="en-IN" sz="5800" dirty="0"/>
+              <a:t>No decision-making</a:t>
+            </a:r>
+          </a:p>
+          <a:p>
+            <a:pPr lvl="1">
+              <a:lnSpc>
+                <a:spcPct val="120000"/>
+              </a:lnSpc>
+            </a:pPr>
+            <a:r>
+              <a:rPr lang="en-IN" sz="5800" dirty="0"/>
+              <a:t>No collaboration</a:t>
+            </a:r>
+          </a:p>
+          <a:p>
+            <a:pPr>
+              <a:lnSpc>
+                <a:spcPct val="120000"/>
+              </a:lnSpc>
+            </a:pPr>
+            <a:r>
+              <a:rPr lang="en-IN" sz="6200" b="1" dirty="0"/>
+              <a:t>What Agentic AI enables</a:t>
+            </a:r>
+            <a:endParaRPr lang="en-IN" sz="6200" dirty="0"/>
+          </a:p>
+          <a:p>
+            <a:pPr lvl="1">
+              <a:lnSpc>
+                <a:spcPct val="120000"/>
+              </a:lnSpc>
+            </a:pPr>
+            <a:r>
+              <a:rPr lang="en-IN" sz="5800" dirty="0"/>
+              <a:t>Reasoning + actions</a:t>
+            </a:r>
+          </a:p>
+          <a:p>
+            <a:pPr lvl="1">
+              <a:lnSpc>
+                <a:spcPct val="120000"/>
+              </a:lnSpc>
+            </a:pPr>
+            <a:r>
+              <a:rPr lang="en-IN" sz="5800" dirty="0"/>
+              <a:t>Tool usage</a:t>
+            </a:r>
+          </a:p>
+          <a:p>
+            <a:pPr lvl="1">
+              <a:lnSpc>
+                <a:spcPct val="120000"/>
+              </a:lnSpc>
+            </a:pPr>
+            <a:r>
+              <a:rPr lang="en-IN" sz="5800" dirty="0"/>
+              <a:t>Multi-step workflows</a:t>
+            </a:r>
+          </a:p>
+          <a:p>
+            <a:pPr lvl="1">
+              <a:lnSpc>
+                <a:spcPct val="120000"/>
+              </a:lnSpc>
+            </a:pPr>
+            <a:r>
+              <a:rPr lang="en-IN" sz="5800" dirty="0"/>
+              <a:t>Autonomous problem solving</a:t>
+            </a:r>
+          </a:p>
+          <a:p>
+            <a:pPr>
+              <a:lnSpc>
+                <a:spcPct val="120000"/>
+              </a:lnSpc>
+            </a:pPr>
+            <a:r>
+              <a:rPr lang="en-IN" sz="6200" b="1" dirty="0"/>
+              <a:t>What is AI Agents</a:t>
+            </a:r>
+          </a:p>
+          <a:p>
+            <a:pPr lvl="1">
+              <a:lnSpc>
+                <a:spcPct val="120000"/>
+              </a:lnSpc>
+            </a:pPr>
+            <a:r>
+              <a:rPr lang="en-IN" sz="5800" dirty="0"/>
+              <a:t>LLM</a:t>
+            </a:r>
+          </a:p>
+          <a:p>
+            <a:pPr lvl="1">
+              <a:lnSpc>
+                <a:spcPct val="120000"/>
+              </a:lnSpc>
+            </a:pPr>
+            <a:r>
+              <a:rPr lang="en-IN" sz="5800" dirty="0"/>
+              <a:t>Tools (Sub-Agent)</a:t>
+            </a:r>
+          </a:p>
+          <a:p>
+            <a:pPr lvl="1">
+              <a:lnSpc>
+                <a:spcPct val="120000"/>
+              </a:lnSpc>
+            </a:pPr>
+            <a:r>
+              <a:rPr lang="en-IN" sz="5800" dirty="0"/>
+              <a:t>State</a:t>
+            </a:r>
+          </a:p>
+          <a:p>
+            <a:pPr lvl="1">
+              <a:lnSpc>
+                <a:spcPct val="120000"/>
+              </a:lnSpc>
+            </a:pPr>
+            <a:r>
+              <a:rPr lang="en-IN" sz="5800" dirty="0"/>
+              <a:t>Memory</a:t>
+            </a:r>
+          </a:p>
+          <a:p>
+            <a:pPr lvl="1">
+              <a:lnSpc>
+                <a:spcPct val="120000"/>
+              </a:lnSpc>
+            </a:pPr>
+            <a:r>
+              <a:rPr lang="en-IN" sz="5800" dirty="0"/>
+              <a:t>Orchestration </a:t>
+            </a:r>
+          </a:p>
+          <a:p>
+            <a:pPr marL="0" indent="0">
+              <a:lnSpc>
+                <a:spcPct val="120000"/>
+              </a:lnSpc>
+              <a:buNone/>
+            </a:pPr>
+            <a:r>
+              <a:rPr lang="en-IN" sz="6000" dirty="0"/>
+              <a:t>User → Agent → Think → Act → Observe → Think → Act → Result</a:t>
+            </a:r>
+          </a:p>
+          <a:p>
+            <a:endParaRPr lang="en-IN" sz="6200" dirty="0"/>
+          </a:p>
+          <a:p>
+            <a:endParaRPr lang="en-US" sz="1800" dirty="0">
+              <a:solidFill>
+                <a:schemeClr val="tx2"/>
+              </a:solidFill>
+            </a:endParaRPr>
+          </a:p>
+        </p:txBody>
+      </p:sp>
+      <p:sp>
+        <p:nvSpPr>
+          <p:cNvPr id="7" name="Title 4">
+            <a:extLst>
+              <a:ext uri="{FF2B5EF4-FFF2-40B4-BE49-F238E27FC236}">
+                <a16:creationId xmlns:a16="http://schemas.microsoft.com/office/drawing/2014/main" id="{F055A9A4-5EB3-23F5-606D-FB3EDC1080BB}"/>
+              </a:ext>
+            </a:extLst>
+          </p:cNvPr>
+          <p:cNvSpPr>
+            <a:spLocks noGrp="1"/>
+          </p:cNvSpPr>
+          <p:nvPr>
+            <p:ph type="title"/>
+          </p:nvPr>
+        </p:nvSpPr>
+        <p:spPr>
+          <a:xfrm>
+            <a:off x="837437" y="8267"/>
+            <a:ext cx="10515600" cy="1325563"/>
+          </a:xfrm>
+        </p:spPr>
+        <p:txBody>
+          <a:bodyPr>
+            <a:normAutofit/>
+          </a:bodyPr>
+          <a:lstStyle/>
+          <a:p>
+            <a:r>
+              <a:rPr lang="en-IN" sz="3200" dirty="0"/>
+              <a:t>Agentic AI</a:t>
+            </a:r>
+            <a:endParaRPr lang="en-US" sz="3200" dirty="0"/>
+          </a:p>
+        </p:txBody>
+      </p:sp>
+    </p:spTree>
+    <p:extLst>
+      <p:ext uri="{BB962C8B-B14F-4D97-AF65-F5344CB8AC3E}">
+        <p14:creationId xmlns:p14="http://schemas.microsoft.com/office/powerpoint/2010/main" val="4065594786"/>
+      </p:ext>
+    </p:extLst>
+  </p:cSld>
+  <p:clrMapOvr>
+    <a:masterClrMapping/>
+  </p:clrMapOvr>
+</p:sld>
+</file>
+
+<file path=ppt/slides/slide3.xml><?xml version="1.0" encoding="utf-8"?>
+<p:sld xmlns:a="http://schemas.openxmlformats.org/drawingml/2006/main" xmlns:r="http://schemas.openxmlformats.org/officeDocument/2006/relationships" xmlns:p="http://schemas.openxmlformats.org/presentationml/2006/main">
+  <p:cSld>
+    <p:bg>
+      <p:bgPr>
+        <a:solidFill>
+          <a:schemeClr val="bg1"/>
+        </a:solidFill>
+        <a:effectLst/>
+      </p:bgPr>
+    </p:bg>
+    <p:spTree>
+      <p:nvGrpSpPr>
         <p:cNvPr id="1" name=""/>
         <p:cNvGrpSpPr/>
         <p:nvPr/>
@@ -12684,191 +15902,22 @@
         </p:nvSpPr>
         <p:spPr>
           <a:xfrm>
-            <a:off x="837437" y="1445000"/>
-            <a:ext cx="9833548" cy="4391997"/>
+            <a:off x="836674" y="1235908"/>
+            <a:ext cx="9833548" cy="5789047"/>
           </a:xfrm>
         </p:spPr>
         <p:txBody>
           <a:bodyPr>
-            <a:normAutofit fontScale="25000" lnSpcReduction="20000"/>
+            <a:normAutofit fontScale="85000" lnSpcReduction="20000"/>
           </a:bodyPr>
           <a:lstStyle/>
           <a:p>
-            <a:pPr>
-              <a:lnSpc>
-                <a:spcPct val="120000"/>
-              </a:lnSpc>
+            <a:pPr marL="0" indent="0">
+              <a:buNone/>
             </a:pPr>
             <a:r>
-              <a:rPr lang="en-IN" sz="6200" b="1" dirty="0"/>
-              <a:t>Problem with traditional LLM apps</a:t>
-            </a:r>
-            <a:endParaRPr lang="en-IN" sz="6200" dirty="0"/>
-          </a:p>
-          <a:p>
-            <a:pPr lvl="1">
-              <a:lnSpc>
-                <a:spcPct val="120000"/>
-              </a:lnSpc>
-            </a:pPr>
-            <a:r>
-              <a:rPr lang="en-IN" sz="5800" dirty="0"/>
-              <a:t>Stateless</a:t>
-            </a:r>
-          </a:p>
-          <a:p>
-            <a:pPr lvl="1">
-              <a:lnSpc>
-                <a:spcPct val="120000"/>
-              </a:lnSpc>
-            </a:pPr>
-            <a:r>
-              <a:rPr lang="en-IN" sz="5800" dirty="0"/>
-              <a:t>One-shot responses</a:t>
-            </a:r>
-          </a:p>
-          <a:p>
-            <a:pPr lvl="1">
-              <a:lnSpc>
-                <a:spcPct val="120000"/>
-              </a:lnSpc>
-            </a:pPr>
-            <a:r>
-              <a:rPr lang="en-IN" sz="5800" dirty="0"/>
-              <a:t>No decision-making</a:t>
-            </a:r>
-          </a:p>
-          <a:p>
-            <a:pPr lvl="1">
-              <a:lnSpc>
-                <a:spcPct val="120000"/>
-              </a:lnSpc>
-            </a:pPr>
-            <a:r>
-              <a:rPr lang="en-IN" sz="5800" dirty="0"/>
-              <a:t>No collaboration</a:t>
-            </a:r>
-          </a:p>
-          <a:p>
-            <a:pPr>
-              <a:lnSpc>
-                <a:spcPct val="120000"/>
-              </a:lnSpc>
-            </a:pPr>
-            <a:r>
-              <a:rPr lang="en-IN" sz="6200" b="1" dirty="0"/>
-              <a:t>What Agentic AI enables</a:t>
-            </a:r>
-            <a:endParaRPr lang="en-IN" sz="6200" dirty="0"/>
-          </a:p>
-          <a:p>
-            <a:pPr lvl="1">
-              <a:lnSpc>
-                <a:spcPct val="120000"/>
-              </a:lnSpc>
-            </a:pPr>
-            <a:r>
-              <a:rPr lang="en-IN" sz="5800" dirty="0"/>
-              <a:t>Reasoning + actions</a:t>
-            </a:r>
-          </a:p>
-          <a:p>
-            <a:pPr lvl="1">
-              <a:lnSpc>
-                <a:spcPct val="120000"/>
-              </a:lnSpc>
-            </a:pPr>
-            <a:r>
-              <a:rPr lang="en-IN" sz="5800" dirty="0"/>
-              <a:t>Tool usage</a:t>
-            </a:r>
-          </a:p>
-          <a:p>
-            <a:pPr lvl="1">
-              <a:lnSpc>
-                <a:spcPct val="120000"/>
-              </a:lnSpc>
-            </a:pPr>
-            <a:r>
-              <a:rPr lang="en-IN" sz="5800" dirty="0"/>
-              <a:t>Multi-step workflows</a:t>
-            </a:r>
-          </a:p>
-          <a:p>
-            <a:pPr lvl="1">
-              <a:lnSpc>
-                <a:spcPct val="120000"/>
-              </a:lnSpc>
-            </a:pPr>
-            <a:r>
-              <a:rPr lang="en-IN" sz="5800" dirty="0"/>
-              <a:t>Autonomous problem solving</a:t>
-            </a:r>
-          </a:p>
-          <a:p>
-            <a:pPr>
-              <a:lnSpc>
-                <a:spcPct val="120000"/>
-              </a:lnSpc>
-            </a:pPr>
-            <a:r>
-              <a:rPr lang="en-IN" sz="6200" b="1" dirty="0"/>
-              <a:t>What is AI Agents</a:t>
-            </a:r>
-          </a:p>
-          <a:p>
-            <a:pPr lvl="1">
-              <a:lnSpc>
-                <a:spcPct val="120000"/>
-              </a:lnSpc>
-            </a:pPr>
-            <a:r>
-              <a:rPr lang="en-IN" sz="5800" dirty="0"/>
-              <a:t>LLM</a:t>
-            </a:r>
-          </a:p>
-          <a:p>
-            <a:pPr lvl="1">
-              <a:lnSpc>
-                <a:spcPct val="120000"/>
-              </a:lnSpc>
-            </a:pPr>
-            <a:r>
-              <a:rPr lang="en-IN" sz="5800" dirty="0"/>
-              <a:t>Tools (Sub-Agent)</a:t>
-            </a:r>
-          </a:p>
-          <a:p>
-            <a:pPr lvl="1">
-              <a:lnSpc>
-                <a:spcPct val="120000"/>
-              </a:lnSpc>
-            </a:pPr>
-            <a:r>
-              <a:rPr lang="en-IN" sz="5800" dirty="0"/>
-              <a:t>State</a:t>
-            </a:r>
-          </a:p>
-          <a:p>
-            <a:pPr lvl="1">
-              <a:lnSpc>
-                <a:spcPct val="120000"/>
-              </a:lnSpc>
-            </a:pPr>
-            <a:r>
-              <a:rPr lang="en-IN" sz="5800" dirty="0"/>
-              <a:t>Memory</a:t>
-            </a:r>
-          </a:p>
-          <a:p>
-            <a:pPr lvl="1">
-              <a:lnSpc>
-                <a:spcPct val="120000"/>
-              </a:lnSpc>
-            </a:pPr>
-            <a:r>
-              <a:rPr lang="en-IN" sz="5800" dirty="0"/>
-              <a:t>Orchestration </a:t>
+              <a:rPr lang="en-IN" sz="1600" b="1" dirty="0"/>
+              <a:t>What is Machine Learning?</a:t>
             </a:r>
           </a:p>
           <a:p>
@@ -12879,19 +15928,165 @@
               <a:buNone/>
             </a:pPr>
             <a:r>
-              <a:rPr lang="en-IN" sz="6000" dirty="0"/>
-              <a:t>User → Agent → Think → Act → Observe → Think → Act → Result</a:t>
+              <a:rPr lang="en-IN" sz="1600" dirty="0"/>
+              <a:t>Machine Learning (ML) is a subset of AI where systems learn patterns from data to make predictions or decisions without being explicitly programmed.</a:t>
             </a:r>
           </a:p>
           <a:p>
-            <a:endParaRPr lang="en-IN" sz="6200" dirty="0"/>
+            <a:r>
+              <a:rPr lang="en-IN" sz="1600" dirty="0"/>
+              <a:t>Supervised Learning</a:t>
+            </a:r>
           </a:p>
           <a:p>
-            <a:endParaRPr lang="en-US" sz="1800" dirty="0">
+            <a:r>
+              <a:rPr lang="en-IN" sz="1600" dirty="0"/>
+              <a:t>Unsupervised Learning</a:t>
+            </a:r>
+          </a:p>
+          <a:p>
+            <a:r>
+              <a:rPr lang="en-IN" sz="1600" dirty="0"/>
+              <a:t>Reinforcement Learning</a:t>
+            </a:r>
+          </a:p>
+          <a:p>
+            <a:r>
+              <a:rPr lang="en-IN" sz="1600" dirty="0"/>
+              <a:t>Generative Learning (Modern ML)</a:t>
+            </a:r>
+          </a:p>
+          <a:p>
+            <a:endParaRPr lang="en-IN" sz="1600" dirty="0">
               <a:solidFill>
                 <a:schemeClr val="tx2"/>
               </a:solidFill>
             </a:endParaRPr>
+          </a:p>
+          <a:p>
+            <a:pPr marL="0" indent="0">
+              <a:buNone/>
+            </a:pPr>
+            <a:r>
+              <a:rPr lang="en-IN" sz="1600" b="1" dirty="0"/>
+              <a:t>Types of Machine Learning Models</a:t>
+            </a:r>
+          </a:p>
+          <a:p>
+            <a:r>
+              <a:rPr lang="en-IN" sz="1600" dirty="0"/>
+              <a:t>Regression Models</a:t>
+            </a:r>
+          </a:p>
+          <a:p>
+            <a:r>
+              <a:rPr lang="en-IN" sz="1600" dirty="0"/>
+              <a:t>Classification Models</a:t>
+            </a:r>
+          </a:p>
+          <a:p>
+            <a:r>
+              <a:rPr lang="en-IN" sz="1600" dirty="0"/>
+              <a:t>Clustering Models (Unsupervised)</a:t>
+            </a:r>
+          </a:p>
+          <a:p>
+            <a:pPr>
+              <a:lnSpc>
+                <a:spcPct val="120000"/>
+              </a:lnSpc>
+            </a:pPr>
+            <a:r>
+              <a:rPr lang="en-IN" sz="1600" dirty="0"/>
+              <a:t>Neural Network Models (Deep Learning)</a:t>
+            </a:r>
+          </a:p>
+          <a:p>
+            <a:pPr lvl="1">
+              <a:lnSpc>
+                <a:spcPct val="120000"/>
+              </a:lnSpc>
+            </a:pPr>
+            <a:r>
+              <a:rPr lang="en-IN" sz="1600" dirty="0"/>
+              <a:t>ANN (Artificial Neural Networks)</a:t>
+            </a:r>
+          </a:p>
+          <a:p>
+            <a:pPr lvl="1">
+              <a:lnSpc>
+                <a:spcPct val="120000"/>
+              </a:lnSpc>
+            </a:pPr>
+            <a:r>
+              <a:rPr lang="en-IN" sz="1600" dirty="0"/>
+              <a:t>CNN (Convolutional Neural Networks)</a:t>
+            </a:r>
+          </a:p>
+          <a:p>
+            <a:pPr lvl="1">
+              <a:lnSpc>
+                <a:spcPct val="120000"/>
+              </a:lnSpc>
+            </a:pPr>
+            <a:r>
+              <a:rPr lang="en-IN" sz="1600" dirty="0"/>
+              <a:t>RNN (Recurrent Neural Networks)</a:t>
+            </a:r>
+          </a:p>
+          <a:p>
+            <a:pPr lvl="1">
+              <a:lnSpc>
+                <a:spcPct val="120000"/>
+              </a:lnSpc>
+            </a:pPr>
+            <a:r>
+              <a:rPr lang="en-IN" sz="1600" dirty="0"/>
+              <a:t>Transformers</a:t>
+            </a:r>
+          </a:p>
+          <a:p>
+            <a:pPr lvl="2">
+              <a:lnSpc>
+                <a:spcPct val="120000"/>
+              </a:lnSpc>
+            </a:pPr>
+            <a:r>
+              <a:rPr lang="en-IN" sz="1600" dirty="0"/>
+              <a:t>Encoder Only  Model</a:t>
+            </a:r>
+          </a:p>
+          <a:p>
+            <a:pPr lvl="2">
+              <a:lnSpc>
+                <a:spcPct val="120000"/>
+              </a:lnSpc>
+            </a:pPr>
+            <a:r>
+              <a:rPr lang="en-IN" sz="1600" dirty="0"/>
+              <a:t>Decoder Only  Model</a:t>
+            </a:r>
+          </a:p>
+          <a:p>
+            <a:pPr lvl="2">
+              <a:lnSpc>
+                <a:spcPct val="120000"/>
+              </a:lnSpc>
+            </a:pPr>
+            <a:r>
+              <a:rPr lang="en-IN" sz="1600" dirty="0"/>
+              <a:t>Encoder-Decoder Model</a:t>
+            </a:r>
+          </a:p>
+          <a:p>
+            <a:pPr lvl="1"/>
+            <a:endParaRPr lang="en-IN" sz="800" dirty="0"/>
+          </a:p>
+          <a:p>
+            <a:pPr marL="0" indent="0">
+              <a:buNone/>
+            </a:pPr>
+            <a:endParaRPr lang="en-US" sz="1600" b="1" dirty="0"/>
           </a:p>
         </p:txBody>
       </p:sp>
@@ -12913,7 +16108,7 @@
         </p:nvSpPr>
         <p:spPr>
           <a:xfrm>
-            <a:off x="838200" y="365125"/>
+            <a:off x="837437" y="84811"/>
             <a:ext cx="10515600" cy="1325563"/>
           </a:xfrm>
         </p:spPr>
@@ -12925,7 +16120,7 @@
           <a:p>
             <a:r>
               <a:rPr lang="en-IN" sz="3200" dirty="0"/>
-              <a:t>Why Agentic AI?</a:t>
+              <a:t>Machine Learning</a:t>
             </a:r>
             <a:endParaRPr lang="en-US" sz="3200" dirty="0"/>
           </a:p>
@@ -12944,7 +16139,7 @@
 </p:sld>
 </file>
 
-<file path=ppt/slides/slide3.xml><?xml version="1.0" encoding="utf-8"?>
+<file path=ppt/slides/slide4.xml><?xml version="1.0" encoding="utf-8"?>
 <p:sld xmlns:a="http://schemas.openxmlformats.org/drawingml/2006/main" xmlns:r="http://schemas.openxmlformats.org/officeDocument/2006/relationships" xmlns:p="http://schemas.openxmlformats.org/presentationml/2006/main">
   <p:cSld>
     <p:bg>
@@ -16018,3971 +19213,6 @@
     <p:extLst>
       <p:ext uri="{BB962C8B-B14F-4D97-AF65-F5344CB8AC3E}">
         <p14:creationId xmlns:p14="http://schemas.microsoft.com/office/powerpoint/2010/main" val="856384706"/>
-      </p:ext>
-    </p:extLst>
-  </p:cSld>
-  <p:clrMapOvr>
-    <a:masterClrMapping/>
-  </p:clrMapOvr>
-</p:sld>
-</file>
-
-<file path=ppt/slides/slide4.xml><?xml version="1.0" encoding="utf-8"?>
-<p:sld xmlns:a="http://schemas.openxmlformats.org/drawingml/2006/main" xmlns:r="http://schemas.openxmlformats.org/officeDocument/2006/relationships" xmlns:p="http://schemas.openxmlformats.org/presentationml/2006/main" show="0">
-  <p:cSld>
-    <p:bg>
-      <p:bgPr>
-        <a:solidFill>
-          <a:schemeClr val="bg1"/>
-        </a:solidFill>
-        <a:effectLst/>
-      </p:bgPr>
-    </p:bg>
-    <p:spTree>
-      <p:nvGrpSpPr>
-        <p:cNvPr id="1" name="">
-          <a:extLst>
-            <a:ext uri="{FF2B5EF4-FFF2-40B4-BE49-F238E27FC236}">
-              <a16:creationId xmlns:a16="http://schemas.microsoft.com/office/drawing/2014/main" id="{5F11CC22-1654-72A9-AC96-EC592EEE4D4A}"/>
-            </a:ext>
-          </a:extLst>
-        </p:cNvPr>
-        <p:cNvGrpSpPr/>
-        <p:nvPr/>
-      </p:nvGrpSpPr>
-      <p:grpSpPr>
-        <a:xfrm>
-          <a:off x="0" y="0"/>
-          <a:ext cx="0" cy="0"/>
-          <a:chOff x="0" y="0"/>
-          <a:chExt cx="0" cy="0"/>
-        </a:xfrm>
-      </p:grpSpPr>
-      <p:sp useBgFill="1">
-        <p:nvSpPr>
-          <p:cNvPr id="8" name="Rectangle 7">
-            <a:extLst>
-              <a:ext uri="{FF2B5EF4-FFF2-40B4-BE49-F238E27FC236}">
-                <a16:creationId xmlns:a16="http://schemas.microsoft.com/office/drawing/2014/main" id="{F852ADDE-D881-DFB6-CAB2-6CAC1B050D15}"/>
-              </a:ext>
-              <a:ext uri="{C183D7F6-B498-43B3-948B-1728B52AA6E4}">
-                <adec:decorative xmlns:adec="http://schemas.microsoft.com/office/drawing/2017/decorative" val="1"/>
-              </a:ext>
-            </a:extLst>
-          </p:cNvPr>
-          <p:cNvSpPr>
-            <a:spLocks noGrp="1" noRot="1" noChangeAspect="1" noMove="1" noResize="1" noEditPoints="1" noAdjustHandles="1" noChangeArrowheads="1" noChangeShapeType="1" noTextEdit="1"/>
-          </p:cNvSpPr>
-          <p:nvPr>
-            <p:extLst>
-              <p:ext uri="{386F3935-93C4-4BCD-93E2-E3B085C9AB24}">
-                <p16:designElem xmlns:p16="http://schemas.microsoft.com/office/powerpoint/2015/main" val="1"/>
-              </p:ext>
-            </p:extLst>
-          </p:nvPr>
-        </p:nvSpPr>
-        <p:spPr>
-          <a:xfrm>
-            <a:off x="0" y="1"/>
-            <a:ext cx="12191695" cy="6858000"/>
-          </a:xfrm>
-          <a:prstGeom prst="rect">
-            <a:avLst/>
-          </a:prstGeom>
-          <a:ln>
-            <a:noFill/>
-          </a:ln>
-        </p:spPr>
-        <p:style>
-          <a:lnRef idx="2">
-            <a:schemeClr val="accent1">
-              <a:shade val="50000"/>
-            </a:schemeClr>
-          </a:lnRef>
-          <a:fillRef idx="1">
-            <a:schemeClr val="accent1"/>
-          </a:fillRef>
-          <a:effectRef idx="0">
-            <a:schemeClr val="accent1"/>
-          </a:effectRef>
-          <a:fontRef idx="minor">
-            <a:schemeClr val="lt1"/>
-          </a:fontRef>
-        </p:style>
-        <p:txBody>
-          <a:bodyPr rtlCol="0" anchor="ctr"/>
-          <a:lstStyle/>
-          <a:p>
-            <a:pPr algn="ctr"/>
-            <a:endParaRPr lang="en-US"/>
-          </a:p>
-        </p:txBody>
-      </p:sp>
-      <p:sp>
-        <p:nvSpPr>
-          <p:cNvPr id="10" name="Rectangle 9">
-            <a:extLst>
-              <a:ext uri="{FF2B5EF4-FFF2-40B4-BE49-F238E27FC236}">
-                <a16:creationId xmlns:a16="http://schemas.microsoft.com/office/drawing/2014/main" id="{B79AFC93-A851-96B3-335D-BF3A66BD5A1F}"/>
-              </a:ext>
-              <a:ext uri="{C183D7F6-B498-43B3-948B-1728B52AA6E4}">
-                <adec:decorative xmlns:adec="http://schemas.microsoft.com/office/drawing/2017/decorative" val="1"/>
-              </a:ext>
-            </a:extLst>
-          </p:cNvPr>
-          <p:cNvSpPr>
-            <a:spLocks noGrp="1" noRot="1" noChangeAspect="1" noMove="1" noResize="1" noEditPoints="1" noAdjustHandles="1" noChangeArrowheads="1" noChangeShapeType="1" noTextEdit="1"/>
-          </p:cNvSpPr>
-          <p:nvPr>
-            <p:extLst>
-              <p:ext uri="{386F3935-93C4-4BCD-93E2-E3B085C9AB24}">
-                <p16:designElem xmlns:p16="http://schemas.microsoft.com/office/powerpoint/2015/main" val="1"/>
-              </p:ext>
-            </p:extLst>
-          </p:nvPr>
-        </p:nvSpPr>
-        <p:spPr>
-          <a:xfrm>
-            <a:off x="0" y="0"/>
-            <a:ext cx="12191695" cy="6858000"/>
-          </a:xfrm>
-          <a:prstGeom prst="rect">
-            <a:avLst/>
-          </a:prstGeom>
-          <a:gradFill flip="none" rotWithShape="1">
-            <a:gsLst>
-              <a:gs pos="16000">
-                <a:schemeClr val="accent6">
-                  <a:alpha val="20000"/>
-                </a:schemeClr>
-              </a:gs>
-              <a:gs pos="85000">
-                <a:schemeClr val="accent1">
-                  <a:alpha val="40000"/>
-                </a:schemeClr>
-              </a:gs>
-            </a:gsLst>
-            <a:lin ang="12000000" scaled="0"/>
-            <a:tileRect/>
-          </a:gradFill>
-          <a:ln>
-            <a:noFill/>
-          </a:ln>
-        </p:spPr>
-        <p:style>
-          <a:lnRef idx="2">
-            <a:schemeClr val="accent1">
-              <a:shade val="50000"/>
-            </a:schemeClr>
-          </a:lnRef>
-          <a:fillRef idx="1">
-            <a:schemeClr val="accent1"/>
-          </a:fillRef>
-          <a:effectRef idx="0">
-            <a:schemeClr val="accent1"/>
-          </a:effectRef>
-          <a:fontRef idx="minor">
-            <a:schemeClr val="lt1"/>
-          </a:fontRef>
-        </p:style>
-        <p:txBody>
-          <a:bodyPr rtlCol="0" anchor="ctr"/>
-          <a:lstStyle/>
-          <a:p>
-            <a:pPr algn="ctr"/>
-            <a:endParaRPr lang="en-US"/>
-          </a:p>
-        </p:txBody>
-      </p:sp>
-      <p:grpSp>
-        <p:nvGrpSpPr>
-          <p:cNvPr id="12" name="Group 11">
-            <a:extLst>
-              <a:ext uri="{FF2B5EF4-FFF2-40B4-BE49-F238E27FC236}">
-                <a16:creationId xmlns:a16="http://schemas.microsoft.com/office/drawing/2014/main" id="{3670ED34-25CC-F105-0603-D3CC3DDD0263}"/>
-              </a:ext>
-              <a:ext uri="{C183D7F6-B498-43B3-948B-1728B52AA6E4}">
-                <adec:decorative xmlns:adec="http://schemas.microsoft.com/office/drawing/2017/decorative" val="1"/>
-              </a:ext>
-            </a:extLst>
-          </p:cNvPr>
-          <p:cNvGrpSpPr>
-            <a:grpSpLocks noGrp="1" noUngrp="1" noRot="1" noChangeAspect="1" noMove="1" noResize="1"/>
-          </p:cNvGrpSpPr>
-          <p:nvPr>
-            <p:extLst>
-              <p:ext uri="{386F3935-93C4-4BCD-93E2-E3B085C9AB24}">
-                <p16:designElem xmlns:p16="http://schemas.microsoft.com/office/powerpoint/2015/main" val="1"/>
-              </p:ext>
-            </p:extLst>
-          </p:nvPr>
-        </p:nvGrpSpPr>
-        <p:grpSpPr>
-          <a:xfrm flipH="1">
-            <a:off x="-18230" y="-8167"/>
-            <a:ext cx="4834070" cy="2488150"/>
-            <a:chOff x="6867015" y="-1"/>
-            <a:chExt cx="5324985" cy="3251912"/>
-          </a:xfrm>
-          <a:solidFill>
-            <a:schemeClr val="bg1">
-              <a:alpha val="30000"/>
-            </a:schemeClr>
-          </a:solidFill>
-        </p:grpSpPr>
-        <p:sp>
-          <p:nvSpPr>
-            <p:cNvPr id="13" name="Freeform: Shape 12">
-              <a:extLst>
-                <a:ext uri="{FF2B5EF4-FFF2-40B4-BE49-F238E27FC236}">
-                  <a16:creationId xmlns:a16="http://schemas.microsoft.com/office/drawing/2014/main" id="{43FC9CB0-3670-66DA-73B8-6C8F3F292580}"/>
-                </a:ext>
-                <a:ext uri="{C183D7F6-B498-43B3-948B-1728B52AA6E4}">
-                  <adec:decorative xmlns:adec="http://schemas.microsoft.com/office/drawing/2017/decorative" val="1"/>
-                </a:ext>
-              </a:extLst>
-            </p:cNvPr>
-            <p:cNvSpPr/>
-            <p:nvPr>
-              <p:extLst>
-                <p:ext uri="{386F3935-93C4-4BCD-93E2-E3B085C9AB24}">
-                  <p16:designElem xmlns:p16="http://schemas.microsoft.com/office/powerpoint/2015/main" val="1"/>
-                </p:ext>
-              </p:extLst>
-            </p:nvPr>
-          </p:nvSpPr>
-          <p:spPr>
-            <a:xfrm>
-              <a:off x="6867015" y="-1"/>
-              <a:ext cx="5324985" cy="3251912"/>
-            </a:xfrm>
-            <a:custGeom>
-              <a:avLst/>
-              <a:gdLst>
-                <a:gd name="connsiteX0" fmla="*/ 0 w 5324985"/>
-                <a:gd name="connsiteY0" fmla="*/ 0 h 3251912"/>
-                <a:gd name="connsiteX1" fmla="*/ 36826 w 5324985"/>
-                <a:gd name="connsiteY1" fmla="*/ 0 h 3251912"/>
-                <a:gd name="connsiteX2" fmla="*/ 45003 w 5324985"/>
-                <a:gd name="connsiteY2" fmla="*/ 152909 h 3251912"/>
-                <a:gd name="connsiteX3" fmla="*/ 68956 w 5324985"/>
-                <a:gd name="connsiteY3" fmla="*/ 308600 h 3251912"/>
-                <a:gd name="connsiteX4" fmla="*/ 167774 w 5324985"/>
-                <a:gd name="connsiteY4" fmla="*/ 607968 h 3251912"/>
-                <a:gd name="connsiteX5" fmla="*/ 201857 w 5324985"/>
-                <a:gd name="connsiteY5" fmla="*/ 679539 h 3251912"/>
-                <a:gd name="connsiteX6" fmla="*/ 239741 w 5324985"/>
-                <a:gd name="connsiteY6" fmla="*/ 749488 h 3251912"/>
-                <a:gd name="connsiteX7" fmla="*/ 323724 w 5324985"/>
-                <a:gd name="connsiteY7" fmla="*/ 885101 h 3251912"/>
-                <a:gd name="connsiteX8" fmla="*/ 416412 w 5324985"/>
-                <a:gd name="connsiteY8" fmla="*/ 1016081 h 3251912"/>
-                <a:gd name="connsiteX9" fmla="*/ 515719 w 5324985"/>
-                <a:gd name="connsiteY9" fmla="*/ 1143356 h 3251912"/>
-                <a:gd name="connsiteX10" fmla="*/ 722427 w 5324985"/>
-                <a:gd name="connsiteY10" fmla="*/ 1395127 h 3251912"/>
-                <a:gd name="connsiteX11" fmla="*/ 825780 w 5324985"/>
-                <a:gd name="connsiteY11" fmla="*/ 1522749 h 3251912"/>
-                <a:gd name="connsiteX12" fmla="*/ 926314 w 5324985"/>
-                <a:gd name="connsiteY12" fmla="*/ 1651992 h 3251912"/>
-                <a:gd name="connsiteX13" fmla="*/ 1026848 w 5324985"/>
-                <a:gd name="connsiteY13" fmla="*/ 1776836 h 3251912"/>
-                <a:gd name="connsiteX14" fmla="*/ 1131918 w 5324985"/>
-                <a:gd name="connsiteY14" fmla="*/ 1897393 h 3251912"/>
-                <a:gd name="connsiteX15" fmla="*/ 1354688 w 5324985"/>
-                <a:gd name="connsiteY15" fmla="*/ 2124728 h 3251912"/>
-                <a:gd name="connsiteX16" fmla="*/ 1855027 w 5324985"/>
-                <a:gd name="connsiteY16" fmla="*/ 2504236 h 3251912"/>
-                <a:gd name="connsiteX17" fmla="*/ 2131618 w 5324985"/>
-                <a:gd name="connsiteY17" fmla="*/ 2646913 h 3251912"/>
-                <a:gd name="connsiteX18" fmla="*/ 2423534 w 5324985"/>
-                <a:gd name="connsiteY18" fmla="*/ 2754732 h 3251912"/>
-                <a:gd name="connsiteX19" fmla="*/ 2727588 w 5324985"/>
-                <a:gd name="connsiteY19" fmla="*/ 2829197 h 3251912"/>
-                <a:gd name="connsiteX20" fmla="*/ 3041083 w 5324985"/>
-                <a:gd name="connsiteY20" fmla="*/ 2870890 h 3251912"/>
-                <a:gd name="connsiteX21" fmla="*/ 3360340 w 5324985"/>
-                <a:gd name="connsiteY21" fmla="*/ 2883976 h 3251912"/>
-                <a:gd name="connsiteX22" fmla="*/ 3439663 w 5324985"/>
-                <a:gd name="connsiteY22" fmla="*/ 2883396 h 3251912"/>
-                <a:gd name="connsiteX23" fmla="*/ 3478529 w 5324985"/>
-                <a:gd name="connsiteY23" fmla="*/ 2882471 h 3251912"/>
-                <a:gd name="connsiteX24" fmla="*/ 3517271 w 5324985"/>
-                <a:gd name="connsiteY24" fmla="*/ 2880616 h 3251912"/>
-                <a:gd name="connsiteX25" fmla="*/ 3671260 w 5324985"/>
-                <a:gd name="connsiteY25" fmla="*/ 2867878 h 3251912"/>
-                <a:gd name="connsiteX26" fmla="*/ 4265268 w 5324985"/>
-                <a:gd name="connsiteY26" fmla="*/ 2716283 h 3251912"/>
-                <a:gd name="connsiteX27" fmla="*/ 4546395 w 5324985"/>
-                <a:gd name="connsiteY27" fmla="*/ 2584724 h 3251912"/>
-                <a:gd name="connsiteX28" fmla="*/ 4817837 w 5324985"/>
-                <a:gd name="connsiteY28" fmla="*/ 2424674 h 3251912"/>
-                <a:gd name="connsiteX29" fmla="*/ 5081677 w 5324985"/>
-                <a:gd name="connsiteY29" fmla="*/ 2243548 h 3251912"/>
-                <a:gd name="connsiteX30" fmla="*/ 5211881 w 5324985"/>
-                <a:gd name="connsiteY30" fmla="*/ 2147658 h 3251912"/>
-                <a:gd name="connsiteX31" fmla="*/ 5324985 w 5324985"/>
-                <a:gd name="connsiteY31" fmla="*/ 2062128 h 3251912"/>
-                <a:gd name="connsiteX32" fmla="*/ 5324985 w 5324985"/>
-                <a:gd name="connsiteY32" fmla="*/ 2514993 h 3251912"/>
-                <a:gd name="connsiteX33" fmla="*/ 5314867 w 5324985"/>
-                <a:gd name="connsiteY33" fmla="*/ 2522881 h 3251912"/>
-                <a:gd name="connsiteX34" fmla="*/ 5038276 w 5324985"/>
-                <a:gd name="connsiteY34" fmla="*/ 2722421 h 3251912"/>
-                <a:gd name="connsiteX35" fmla="*/ 4741701 w 5324985"/>
-                <a:gd name="connsiteY35" fmla="*/ 2904937 h 3251912"/>
-                <a:gd name="connsiteX36" fmla="*/ 4420728 w 5324985"/>
-                <a:gd name="connsiteY36" fmla="*/ 3058848 h 3251912"/>
-                <a:gd name="connsiteX37" fmla="*/ 3717481 w 5324985"/>
-                <a:gd name="connsiteY37" fmla="*/ 3237079 h 3251912"/>
-                <a:gd name="connsiteX38" fmla="*/ 3535661 w 5324985"/>
-                <a:gd name="connsiteY38" fmla="*/ 3249934 h 3251912"/>
-                <a:gd name="connsiteX39" fmla="*/ 3490175 w 5324985"/>
-                <a:gd name="connsiteY39" fmla="*/ 3251555 h 3251912"/>
-                <a:gd name="connsiteX40" fmla="*/ 3444813 w 5324985"/>
-                <a:gd name="connsiteY40" fmla="*/ 3251787 h 3251912"/>
-                <a:gd name="connsiteX41" fmla="*/ 3355681 w 5324985"/>
-                <a:gd name="connsiteY41" fmla="*/ 3250745 h 3251912"/>
-                <a:gd name="connsiteX42" fmla="*/ 3179011 w 5324985"/>
-                <a:gd name="connsiteY42" fmla="*/ 3243795 h 3251912"/>
-                <a:gd name="connsiteX43" fmla="*/ 3002217 w 5324985"/>
-                <a:gd name="connsiteY43" fmla="*/ 3227814 h 3251912"/>
-                <a:gd name="connsiteX44" fmla="*/ 2650103 w 5324985"/>
-                <a:gd name="connsiteY44" fmla="*/ 3170836 h 3251912"/>
-                <a:gd name="connsiteX45" fmla="*/ 2305836 w 5324985"/>
-                <a:gd name="connsiteY45" fmla="*/ 3072514 h 3251912"/>
-                <a:gd name="connsiteX46" fmla="*/ 1978611 w 5324985"/>
-                <a:gd name="connsiteY46" fmla="*/ 2929952 h 3251912"/>
-                <a:gd name="connsiteX47" fmla="*/ 1678235 w 5324985"/>
-                <a:gd name="connsiteY47" fmla="*/ 2744424 h 3251912"/>
-                <a:gd name="connsiteX48" fmla="*/ 1175688 w 5324985"/>
-                <a:gd name="connsiteY48" fmla="*/ 2277018 h 3251912"/>
-                <a:gd name="connsiteX49" fmla="*/ 971310 w 5324985"/>
-                <a:gd name="connsiteY49" fmla="*/ 2012044 h 3251912"/>
-                <a:gd name="connsiteX50" fmla="*/ 790717 w 5324985"/>
-                <a:gd name="connsiteY50" fmla="*/ 1735723 h 3251912"/>
-                <a:gd name="connsiteX51" fmla="*/ 706488 w 5324985"/>
-                <a:gd name="connsiteY51" fmla="*/ 1598604 h 3251912"/>
-                <a:gd name="connsiteX52" fmla="*/ 618951 w 5324985"/>
-                <a:gd name="connsiteY52" fmla="*/ 1463802 h 3251912"/>
-                <a:gd name="connsiteX53" fmla="*/ 436273 w 5324985"/>
-                <a:gd name="connsiteY53" fmla="*/ 1195355 h 3251912"/>
-                <a:gd name="connsiteX54" fmla="*/ 346896 w 5324985"/>
-                <a:gd name="connsiteY54" fmla="*/ 1058816 h 3251912"/>
-                <a:gd name="connsiteX55" fmla="*/ 261809 w 5324985"/>
-                <a:gd name="connsiteY55" fmla="*/ 919264 h 3251912"/>
-                <a:gd name="connsiteX56" fmla="*/ 118487 w 5324985"/>
-                <a:gd name="connsiteY56" fmla="*/ 626498 h 3251912"/>
-                <a:gd name="connsiteX57" fmla="*/ 28130 w 5324985"/>
-                <a:gd name="connsiteY57" fmla="*/ 315781 h 3251912"/>
-                <a:gd name="connsiteX58" fmla="*/ 6751 w 5324985"/>
-                <a:gd name="connsiteY58" fmla="*/ 156195 h 3251912"/>
-              </a:gdLst>
-              <a:ahLst/>
-              <a:cxnLst>
-                <a:cxn ang="0">
-                  <a:pos x="connsiteX0" y="connsiteY0"/>
-                </a:cxn>
-                <a:cxn ang="0">
-                  <a:pos x="connsiteX1" y="connsiteY1"/>
-                </a:cxn>
-                <a:cxn ang="0">
-                  <a:pos x="connsiteX2" y="connsiteY2"/>
-                </a:cxn>
-                <a:cxn ang="0">
-                  <a:pos x="connsiteX3" y="connsiteY3"/>
-                </a:cxn>
-                <a:cxn ang="0">
-                  <a:pos x="connsiteX4" y="connsiteY4"/>
-                </a:cxn>
-                <a:cxn ang="0">
-                  <a:pos x="connsiteX5" y="connsiteY5"/>
-                </a:cxn>
-                <a:cxn ang="0">
-                  <a:pos x="connsiteX6" y="connsiteY6"/>
-                </a:cxn>
-                <a:cxn ang="0">
-                  <a:pos x="connsiteX7" y="connsiteY7"/>
-                </a:cxn>
-                <a:cxn ang="0">
-                  <a:pos x="connsiteX8" y="connsiteY8"/>
-                </a:cxn>
-                <a:cxn ang="0">
-                  <a:pos x="connsiteX9" y="connsiteY9"/>
-                </a:cxn>
-                <a:cxn ang="0">
-                  <a:pos x="connsiteX10" y="connsiteY10"/>
-                </a:cxn>
-                <a:cxn ang="0">
-                  <a:pos x="connsiteX11" y="connsiteY11"/>
-                </a:cxn>
-                <a:cxn ang="0">
-                  <a:pos x="connsiteX12" y="connsiteY12"/>
-                </a:cxn>
-                <a:cxn ang="0">
-                  <a:pos x="connsiteX13" y="connsiteY13"/>
-                </a:cxn>
-                <a:cxn ang="0">
-                  <a:pos x="connsiteX14" y="connsiteY14"/>
-                </a:cxn>
-                <a:cxn ang="0">
-                  <a:pos x="connsiteX15" y="connsiteY15"/>
-                </a:cxn>
-                <a:cxn ang="0">
-                  <a:pos x="connsiteX16" y="connsiteY16"/>
-                </a:cxn>
-                <a:cxn ang="0">
-                  <a:pos x="connsiteX17" y="connsiteY17"/>
-                </a:cxn>
-                <a:cxn ang="0">
-                  <a:pos x="connsiteX18" y="connsiteY18"/>
-                </a:cxn>
-                <a:cxn ang="0">
-                  <a:pos x="connsiteX19" y="connsiteY19"/>
-                </a:cxn>
-                <a:cxn ang="0">
-                  <a:pos x="connsiteX20" y="connsiteY20"/>
-                </a:cxn>
-                <a:cxn ang="0">
-                  <a:pos x="connsiteX21" y="connsiteY21"/>
-                </a:cxn>
-                <a:cxn ang="0">
-                  <a:pos x="connsiteX22" y="connsiteY22"/>
-                </a:cxn>
-                <a:cxn ang="0">
-                  <a:pos x="connsiteX23" y="connsiteY23"/>
-                </a:cxn>
-                <a:cxn ang="0">
-                  <a:pos x="connsiteX24" y="connsiteY24"/>
-                </a:cxn>
-                <a:cxn ang="0">
-                  <a:pos x="connsiteX25" y="connsiteY25"/>
-                </a:cxn>
-                <a:cxn ang="0">
-                  <a:pos x="connsiteX26" y="connsiteY26"/>
-                </a:cxn>
-                <a:cxn ang="0">
-                  <a:pos x="connsiteX27" y="connsiteY27"/>
-                </a:cxn>
-                <a:cxn ang="0">
-                  <a:pos x="connsiteX28" y="connsiteY28"/>
-                </a:cxn>
-                <a:cxn ang="0">
-                  <a:pos x="connsiteX29" y="connsiteY29"/>
-                </a:cxn>
-                <a:cxn ang="0">
-                  <a:pos x="connsiteX30" y="connsiteY30"/>
-                </a:cxn>
-                <a:cxn ang="0">
-                  <a:pos x="connsiteX31" y="connsiteY31"/>
-                </a:cxn>
-                <a:cxn ang="0">
-                  <a:pos x="connsiteX32" y="connsiteY32"/>
-                </a:cxn>
-                <a:cxn ang="0">
-                  <a:pos x="connsiteX33" y="connsiteY33"/>
-                </a:cxn>
-                <a:cxn ang="0">
-                  <a:pos x="connsiteX34" y="connsiteY34"/>
-                </a:cxn>
-                <a:cxn ang="0">
-                  <a:pos x="connsiteX35" y="connsiteY35"/>
-                </a:cxn>
-                <a:cxn ang="0">
-                  <a:pos x="connsiteX36" y="connsiteY36"/>
-                </a:cxn>
-                <a:cxn ang="0">
-                  <a:pos x="connsiteX37" y="connsiteY37"/>
-                </a:cxn>
-                <a:cxn ang="0">
-                  <a:pos x="connsiteX38" y="connsiteY38"/>
-                </a:cxn>
-                <a:cxn ang="0">
-                  <a:pos x="connsiteX39" y="connsiteY39"/>
-                </a:cxn>
-                <a:cxn ang="0">
-                  <a:pos x="connsiteX40" y="connsiteY40"/>
-                </a:cxn>
-                <a:cxn ang="0">
-                  <a:pos x="connsiteX41" y="connsiteY41"/>
-                </a:cxn>
-                <a:cxn ang="0">
-                  <a:pos x="connsiteX42" y="connsiteY42"/>
-                </a:cxn>
-                <a:cxn ang="0">
-                  <a:pos x="connsiteX43" y="connsiteY43"/>
-                </a:cxn>
-                <a:cxn ang="0">
-                  <a:pos x="connsiteX44" y="connsiteY44"/>
-                </a:cxn>
-                <a:cxn ang="0">
-                  <a:pos x="connsiteX45" y="connsiteY45"/>
-                </a:cxn>
-                <a:cxn ang="0">
-                  <a:pos x="connsiteX46" y="connsiteY46"/>
-                </a:cxn>
-                <a:cxn ang="0">
-                  <a:pos x="connsiteX47" y="connsiteY47"/>
-                </a:cxn>
-                <a:cxn ang="0">
-                  <a:pos x="connsiteX48" y="connsiteY48"/>
-                </a:cxn>
-                <a:cxn ang="0">
-                  <a:pos x="connsiteX49" y="connsiteY49"/>
-                </a:cxn>
-                <a:cxn ang="0">
-                  <a:pos x="connsiteX50" y="connsiteY50"/>
-                </a:cxn>
-                <a:cxn ang="0">
-                  <a:pos x="connsiteX51" y="connsiteY51"/>
-                </a:cxn>
-                <a:cxn ang="0">
-                  <a:pos x="connsiteX52" y="connsiteY52"/>
-                </a:cxn>
-                <a:cxn ang="0">
-                  <a:pos x="connsiteX53" y="connsiteY53"/>
-                </a:cxn>
-                <a:cxn ang="0">
-                  <a:pos x="connsiteX54" y="connsiteY54"/>
-                </a:cxn>
-                <a:cxn ang="0">
-                  <a:pos x="connsiteX55" y="connsiteY55"/>
-                </a:cxn>
-                <a:cxn ang="0">
-                  <a:pos x="connsiteX56" y="connsiteY56"/>
-                </a:cxn>
-                <a:cxn ang="0">
-                  <a:pos x="connsiteX57" y="connsiteY57"/>
-                </a:cxn>
-                <a:cxn ang="0">
-                  <a:pos x="connsiteX58" y="connsiteY58"/>
-                </a:cxn>
-              </a:cxnLst>
-              <a:rect l="l" t="t" r="r" b="b"/>
-              <a:pathLst>
-                <a:path w="5324985" h="3251912">
-                  <a:moveTo>
-                    <a:pt x="0" y="0"/>
-                  </a:moveTo>
-                  <a:lnTo>
-                    <a:pt x="36826" y="0"/>
-                  </a:lnTo>
-                  <a:lnTo>
-                    <a:pt x="45003" y="152909"/>
-                  </a:lnTo>
-                  <a:cubicBezTo>
-                    <a:pt x="50351" y="205154"/>
-                    <a:pt x="58290" y="257123"/>
-                    <a:pt x="68956" y="308600"/>
-                  </a:cubicBezTo>
-                  <a:cubicBezTo>
-                    <a:pt x="91393" y="411324"/>
-                    <a:pt x="123882" y="511847"/>
-                    <a:pt x="167774" y="607968"/>
-                  </a:cubicBezTo>
-                  <a:cubicBezTo>
-                    <a:pt x="178195" y="632173"/>
-                    <a:pt x="190333" y="655798"/>
-                    <a:pt x="201857" y="679539"/>
-                  </a:cubicBezTo>
-                  <a:cubicBezTo>
-                    <a:pt x="214363" y="702933"/>
-                    <a:pt x="226255" y="726557"/>
-                    <a:pt x="239741" y="749488"/>
-                  </a:cubicBezTo>
-                  <a:cubicBezTo>
-                    <a:pt x="265488" y="795812"/>
-                    <a:pt x="294176" y="840746"/>
-                    <a:pt x="323724" y="885101"/>
-                  </a:cubicBezTo>
-                  <a:cubicBezTo>
-                    <a:pt x="353149" y="929572"/>
-                    <a:pt x="384657" y="972885"/>
-                    <a:pt x="416412" y="1016081"/>
-                  </a:cubicBezTo>
-                  <a:cubicBezTo>
-                    <a:pt x="448655" y="1058931"/>
-                    <a:pt x="482127" y="1101202"/>
-                    <a:pt x="515719" y="1143356"/>
-                  </a:cubicBezTo>
-                  <a:cubicBezTo>
-                    <a:pt x="583027" y="1227782"/>
-                    <a:pt x="653402" y="1310470"/>
-                    <a:pt x="722427" y="1395127"/>
-                  </a:cubicBezTo>
-                  <a:cubicBezTo>
-                    <a:pt x="757123" y="1437282"/>
-                    <a:pt x="791697" y="1479783"/>
-                    <a:pt x="825780" y="1522749"/>
-                  </a:cubicBezTo>
-                  <a:cubicBezTo>
-                    <a:pt x="859742" y="1565367"/>
-                    <a:pt x="893457" y="1610649"/>
-                    <a:pt x="926314" y="1651992"/>
-                  </a:cubicBezTo>
-                  <a:cubicBezTo>
-                    <a:pt x="958927" y="1694379"/>
-                    <a:pt x="993132" y="1735492"/>
-                    <a:pt x="1026848" y="1776836"/>
-                  </a:cubicBezTo>
-                  <a:cubicBezTo>
-                    <a:pt x="1061545" y="1817485"/>
-                    <a:pt x="1095996" y="1858133"/>
-                    <a:pt x="1131918" y="1897393"/>
-                  </a:cubicBezTo>
-                  <a:cubicBezTo>
-                    <a:pt x="1203273" y="1976376"/>
-                    <a:pt x="1277447" y="2052463"/>
-                    <a:pt x="1354688" y="2124728"/>
-                  </a:cubicBezTo>
-                  <a:cubicBezTo>
-                    <a:pt x="1509411" y="2268911"/>
-                    <a:pt x="1676396" y="2397575"/>
-                    <a:pt x="1855027" y="2504236"/>
-                  </a:cubicBezTo>
-                  <a:cubicBezTo>
-                    <a:pt x="1944528" y="2557277"/>
-                    <a:pt x="2036357" y="2605917"/>
-                    <a:pt x="2131618" y="2646913"/>
-                  </a:cubicBezTo>
-                  <a:cubicBezTo>
-                    <a:pt x="2226267" y="2689068"/>
-                    <a:pt x="2323981" y="2724622"/>
-                    <a:pt x="2423534" y="2754732"/>
-                  </a:cubicBezTo>
-                  <a:cubicBezTo>
-                    <a:pt x="2523087" y="2784958"/>
-                    <a:pt x="2624602" y="2809394"/>
-                    <a:pt x="2727588" y="2829197"/>
-                  </a:cubicBezTo>
-                  <a:cubicBezTo>
-                    <a:pt x="2830698" y="2848653"/>
-                    <a:pt x="2935522" y="2861971"/>
-                    <a:pt x="3041083" y="2870890"/>
-                  </a:cubicBezTo>
-                  <a:cubicBezTo>
-                    <a:pt x="3146644" y="2879922"/>
-                    <a:pt x="3253307" y="2883860"/>
-                    <a:pt x="3360340" y="2883976"/>
-                  </a:cubicBezTo>
-                  <a:cubicBezTo>
-                    <a:pt x="3387067" y="2883976"/>
-                    <a:pt x="3414162" y="2884439"/>
-                    <a:pt x="3439663" y="2883396"/>
-                  </a:cubicBezTo>
-                  <a:lnTo>
-                    <a:pt x="3478529" y="2882471"/>
-                  </a:lnTo>
-                  <a:lnTo>
-                    <a:pt x="3517271" y="2880616"/>
-                  </a:lnTo>
-                  <a:cubicBezTo>
-                    <a:pt x="3568887" y="2878417"/>
-                    <a:pt x="3620257" y="2873552"/>
-                    <a:pt x="3671260" y="2867878"/>
-                  </a:cubicBezTo>
-                  <a:cubicBezTo>
-                    <a:pt x="3875515" y="2844253"/>
-                    <a:pt x="4074253" y="2792486"/>
-                    <a:pt x="4265268" y="2716283"/>
-                  </a:cubicBezTo>
-                  <a:cubicBezTo>
-                    <a:pt x="4361020" y="2678529"/>
-                    <a:pt x="4454444" y="2633710"/>
-                    <a:pt x="4546395" y="2584724"/>
-                  </a:cubicBezTo>
-                  <a:cubicBezTo>
-                    <a:pt x="4638470" y="2535967"/>
-                    <a:pt x="4728827" y="2481885"/>
-                    <a:pt x="4817837" y="2424674"/>
-                  </a:cubicBezTo>
-                  <a:cubicBezTo>
-                    <a:pt x="4906846" y="2367348"/>
-                    <a:pt x="4994385" y="2306317"/>
-                    <a:pt x="5081677" y="2243548"/>
-                  </a:cubicBezTo>
-                  <a:cubicBezTo>
-                    <a:pt x="5125201" y="2212164"/>
-                    <a:pt x="5168603" y="2179969"/>
-                    <a:pt x="5211881" y="2147658"/>
-                  </a:cubicBezTo>
-                  <a:lnTo>
-                    <a:pt x="5324985" y="2062128"/>
-                  </a:lnTo>
-                  <a:lnTo>
-                    <a:pt x="5324985" y="2514993"/>
-                  </a:lnTo>
-                  <a:lnTo>
-                    <a:pt x="5314867" y="2522881"/>
-                  </a:lnTo>
-                  <a:cubicBezTo>
-                    <a:pt x="5225490" y="2591325"/>
-                    <a:pt x="5133783" y="2658379"/>
-                    <a:pt x="5038276" y="2722421"/>
-                  </a:cubicBezTo>
-                  <a:cubicBezTo>
-                    <a:pt x="4942892" y="2786348"/>
-                    <a:pt x="4844810" y="2848422"/>
-                    <a:pt x="4741701" y="2904937"/>
-                  </a:cubicBezTo>
-                  <a:cubicBezTo>
-                    <a:pt x="4638592" y="2961337"/>
-                    <a:pt x="4531929" y="3013683"/>
-                    <a:pt x="4420728" y="3058848"/>
-                  </a:cubicBezTo>
-                  <a:cubicBezTo>
-                    <a:pt x="4199063" y="3150338"/>
-                    <a:pt x="3959621" y="3211485"/>
-                    <a:pt x="3717481" y="3237079"/>
-                  </a:cubicBezTo>
-                  <a:cubicBezTo>
-                    <a:pt x="3656914" y="3243101"/>
-                    <a:pt x="3596227" y="3247966"/>
-                    <a:pt x="3535661" y="3249934"/>
-                  </a:cubicBezTo>
-                  <a:lnTo>
-                    <a:pt x="3490175" y="3251555"/>
-                  </a:lnTo>
-                  <a:lnTo>
-                    <a:pt x="3444813" y="3251787"/>
-                  </a:lnTo>
-                  <a:cubicBezTo>
-                    <a:pt x="3414162" y="3252250"/>
-                    <a:pt x="3385105" y="3251324"/>
-                    <a:pt x="3355681" y="3250745"/>
-                  </a:cubicBezTo>
-                  <a:cubicBezTo>
-                    <a:pt x="3296954" y="3250050"/>
-                    <a:pt x="3237860" y="3246692"/>
-                    <a:pt x="3179011" y="3243795"/>
-                  </a:cubicBezTo>
-                  <a:cubicBezTo>
-                    <a:pt x="3120039" y="3239164"/>
-                    <a:pt x="3061067" y="3234878"/>
-                    <a:pt x="3002217" y="3227814"/>
-                  </a:cubicBezTo>
-                  <a:cubicBezTo>
-                    <a:pt x="2884397" y="3214496"/>
-                    <a:pt x="2766699" y="3196314"/>
-                    <a:pt x="2650103" y="3170836"/>
-                  </a:cubicBezTo>
-                  <a:cubicBezTo>
-                    <a:pt x="2533510" y="3145358"/>
-                    <a:pt x="2418263" y="3112583"/>
-                    <a:pt x="2305836" y="3072514"/>
-                  </a:cubicBezTo>
-                  <a:cubicBezTo>
-                    <a:pt x="2193410" y="3032328"/>
-                    <a:pt x="2083926" y="2984383"/>
-                    <a:pt x="1978611" y="2929952"/>
-                  </a:cubicBezTo>
-                  <a:cubicBezTo>
-                    <a:pt x="1873663" y="2874711"/>
-                    <a:pt x="1772884" y="2812985"/>
-                    <a:pt x="1678235" y="2744424"/>
-                  </a:cubicBezTo>
-                  <a:cubicBezTo>
-                    <a:pt x="1488201" y="2608001"/>
-                    <a:pt x="1321708" y="2448068"/>
-                    <a:pt x="1175688" y="2277018"/>
-                  </a:cubicBezTo>
-                  <a:cubicBezTo>
-                    <a:pt x="1102985" y="2191086"/>
-                    <a:pt x="1035309" y="2102377"/>
-                    <a:pt x="971310" y="2012044"/>
-                  </a:cubicBezTo>
-                  <a:cubicBezTo>
-                    <a:pt x="907188" y="1921714"/>
-                    <a:pt x="847358" y="1829413"/>
-                    <a:pt x="790717" y="1735723"/>
-                  </a:cubicBezTo>
-                  <a:cubicBezTo>
-                    <a:pt x="761782" y="1688357"/>
-                    <a:pt x="735300" y="1644002"/>
-                    <a:pt x="706488" y="1598604"/>
-                  </a:cubicBezTo>
-                  <a:cubicBezTo>
-                    <a:pt x="677922" y="1553555"/>
-                    <a:pt x="648866" y="1508505"/>
-                    <a:pt x="618951" y="1463802"/>
-                  </a:cubicBezTo>
-                  <a:lnTo>
-                    <a:pt x="436273" y="1195355"/>
-                  </a:lnTo>
-                  <a:cubicBezTo>
-                    <a:pt x="405990" y="1150189"/>
-                    <a:pt x="376075" y="1104792"/>
-                    <a:pt x="346896" y="1058816"/>
-                  </a:cubicBezTo>
-                  <a:cubicBezTo>
-                    <a:pt x="317716" y="1012838"/>
-                    <a:pt x="288782" y="966747"/>
-                    <a:pt x="261809" y="919264"/>
-                  </a:cubicBezTo>
-                  <a:cubicBezTo>
-                    <a:pt x="207742" y="824764"/>
-                    <a:pt x="158088" y="727485"/>
-                    <a:pt x="118487" y="626498"/>
-                  </a:cubicBezTo>
-                  <a:cubicBezTo>
-                    <a:pt x="78151" y="525859"/>
-                    <a:pt x="48237" y="421515"/>
-                    <a:pt x="28130" y="315781"/>
-                  </a:cubicBezTo>
-                  <a:cubicBezTo>
-                    <a:pt x="18506" y="262914"/>
-                    <a:pt x="11425" y="209642"/>
-                    <a:pt x="6751" y="156195"/>
-                  </a:cubicBezTo>
-                  <a:close/>
-                </a:path>
-              </a:pathLst>
-            </a:custGeom>
-            <a:grpFill/>
-            <a:ln>
-              <a:noFill/>
-            </a:ln>
-          </p:spPr>
-          <p:style>
-            <a:lnRef idx="2">
-              <a:schemeClr val="accent1">
-                <a:shade val="50000"/>
-              </a:schemeClr>
-            </a:lnRef>
-            <a:fillRef idx="1">
-              <a:schemeClr val="accent1"/>
-            </a:fillRef>
-            <a:effectRef idx="0">
-              <a:schemeClr val="accent1"/>
-            </a:effectRef>
-            <a:fontRef idx="minor">
-              <a:schemeClr val="lt1"/>
-            </a:fontRef>
-          </p:style>
-          <p:txBody>
-            <a:bodyPr rtlCol="0" anchor="ctr"/>
-            <a:lstStyle/>
-            <a:p>
-              <a:pPr algn="ctr"/>
-              <a:endParaRPr lang="en-US"/>
-            </a:p>
-          </p:txBody>
-        </p:sp>
-        <p:sp>
-          <p:nvSpPr>
-            <p:cNvPr id="14" name="Freeform: Shape 13">
-              <a:extLst>
-                <a:ext uri="{FF2B5EF4-FFF2-40B4-BE49-F238E27FC236}">
-                  <a16:creationId xmlns:a16="http://schemas.microsoft.com/office/drawing/2014/main" id="{4CC0BE00-289F-7A0C-EADD-BABA7E6FA07C}"/>
-                </a:ext>
-                <a:ext uri="{C183D7F6-B498-43B3-948B-1728B52AA6E4}">
-                  <adec:decorative xmlns:adec="http://schemas.microsoft.com/office/drawing/2017/decorative" val="1"/>
-                </a:ext>
-              </a:extLst>
-            </p:cNvPr>
-            <p:cNvSpPr/>
-            <p:nvPr>
-              <p:extLst>
-                <p:ext uri="{386F3935-93C4-4BCD-93E2-E3B085C9AB24}">
-                  <p16:designElem xmlns:p16="http://schemas.microsoft.com/office/powerpoint/2015/main" val="1"/>
-                </p:ext>
-              </p:extLst>
-            </p:nvPr>
-          </p:nvSpPr>
-          <p:spPr>
-            <a:xfrm>
-              <a:off x="6916467" y="-1"/>
-              <a:ext cx="5275533" cy="2980757"/>
-            </a:xfrm>
-            <a:custGeom>
-              <a:avLst/>
-              <a:gdLst>
-                <a:gd name="connsiteX0" fmla="*/ 0 w 5275533"/>
-                <a:gd name="connsiteY0" fmla="*/ 0 h 2980757"/>
-                <a:gd name="connsiteX1" fmla="*/ 201166 w 5275533"/>
-                <a:gd name="connsiteY1" fmla="*/ 0 h 2980757"/>
-                <a:gd name="connsiteX2" fmla="*/ 206734 w 5275533"/>
-                <a:gd name="connsiteY2" fmla="*/ 89286 h 2980757"/>
-                <a:gd name="connsiteX3" fmla="*/ 232051 w 5275533"/>
-                <a:gd name="connsiteY3" fmla="*/ 226897 h 2980757"/>
-                <a:gd name="connsiteX4" fmla="*/ 332707 w 5275533"/>
-                <a:gd name="connsiteY4" fmla="*/ 487120 h 2980757"/>
-                <a:gd name="connsiteX5" fmla="*/ 402959 w 5275533"/>
-                <a:gd name="connsiteY5" fmla="*/ 609647 h 2980757"/>
-                <a:gd name="connsiteX6" fmla="*/ 483631 w 5275533"/>
-                <a:gd name="connsiteY6" fmla="*/ 728236 h 2980757"/>
-                <a:gd name="connsiteX7" fmla="*/ 669986 w 5275533"/>
-                <a:gd name="connsiteY7" fmla="*/ 957424 h 2980757"/>
-                <a:gd name="connsiteX8" fmla="*/ 871667 w 5275533"/>
-                <a:gd name="connsiteY8" fmla="*/ 1188348 h 2980757"/>
-                <a:gd name="connsiteX9" fmla="*/ 971956 w 5275533"/>
-                <a:gd name="connsiteY9" fmla="*/ 1308905 h 2980757"/>
-                <a:gd name="connsiteX10" fmla="*/ 1020139 w 5275533"/>
-                <a:gd name="connsiteY10" fmla="*/ 1368084 h 2980757"/>
-                <a:gd name="connsiteX11" fmla="*/ 1067340 w 5275533"/>
-                <a:gd name="connsiteY11" fmla="*/ 1424715 h 2980757"/>
-                <a:gd name="connsiteX12" fmla="*/ 1472909 w 5275533"/>
-                <a:gd name="connsiteY12" fmla="*/ 1843252 h 2980757"/>
-                <a:gd name="connsiteX13" fmla="*/ 1688567 w 5275533"/>
-                <a:gd name="connsiteY13" fmla="*/ 2031559 h 2980757"/>
-                <a:gd name="connsiteX14" fmla="*/ 1914401 w 5275533"/>
-                <a:gd name="connsiteY14" fmla="*/ 2205156 h 2980757"/>
-                <a:gd name="connsiteX15" fmla="*/ 2418909 w 5275533"/>
-                <a:gd name="connsiteY15" fmla="*/ 2479741 h 2980757"/>
-                <a:gd name="connsiteX16" fmla="*/ 2701141 w 5275533"/>
-                <a:gd name="connsiteY16" fmla="*/ 2557333 h 2980757"/>
-                <a:gd name="connsiteX17" fmla="*/ 2773475 w 5275533"/>
-                <a:gd name="connsiteY17" fmla="*/ 2570999 h 2980757"/>
-                <a:gd name="connsiteX18" fmla="*/ 2846424 w 5275533"/>
-                <a:gd name="connsiteY18" fmla="*/ 2582465 h 2980757"/>
-                <a:gd name="connsiteX19" fmla="*/ 2993669 w 5275533"/>
-                <a:gd name="connsiteY19" fmla="*/ 2598909 h 2980757"/>
-                <a:gd name="connsiteX20" fmla="*/ 3067721 w 5275533"/>
-                <a:gd name="connsiteY20" fmla="*/ 2604237 h 2980757"/>
-                <a:gd name="connsiteX21" fmla="*/ 3142019 w 5275533"/>
-                <a:gd name="connsiteY21" fmla="*/ 2607943 h 2980757"/>
-                <a:gd name="connsiteX22" fmla="*/ 3216561 w 5275533"/>
-                <a:gd name="connsiteY22" fmla="*/ 2609564 h 2980757"/>
-                <a:gd name="connsiteX23" fmla="*/ 3291225 w 5275533"/>
-                <a:gd name="connsiteY23" fmla="*/ 2609217 h 2980757"/>
-                <a:gd name="connsiteX24" fmla="*/ 3328619 w 5275533"/>
-                <a:gd name="connsiteY24" fmla="*/ 2608869 h 2980757"/>
-                <a:gd name="connsiteX25" fmla="*/ 3364665 w 5275533"/>
-                <a:gd name="connsiteY25" fmla="*/ 2607363 h 2980757"/>
-                <a:gd name="connsiteX26" fmla="*/ 3400587 w 5275533"/>
-                <a:gd name="connsiteY26" fmla="*/ 2605627 h 2980757"/>
-                <a:gd name="connsiteX27" fmla="*/ 3436387 w 5275533"/>
-                <a:gd name="connsiteY27" fmla="*/ 2602847 h 2980757"/>
-                <a:gd name="connsiteX28" fmla="*/ 3578361 w 5275533"/>
-                <a:gd name="connsiteY28" fmla="*/ 2586286 h 2980757"/>
-                <a:gd name="connsiteX29" fmla="*/ 4119159 w 5275533"/>
-                <a:gd name="connsiteY29" fmla="*/ 2418594 h 2980757"/>
-                <a:gd name="connsiteX30" fmla="*/ 4618765 w 5275533"/>
-                <a:gd name="connsiteY30" fmla="*/ 2124668 h 2980757"/>
-                <a:gd name="connsiteX31" fmla="*/ 4739895 w 5275533"/>
-                <a:gd name="connsiteY31" fmla="*/ 2038275 h 2980757"/>
-                <a:gd name="connsiteX32" fmla="*/ 4861027 w 5275533"/>
-                <a:gd name="connsiteY32" fmla="*/ 1948986 h 2980757"/>
-                <a:gd name="connsiteX33" fmla="*/ 5106354 w 5275533"/>
-                <a:gd name="connsiteY33" fmla="*/ 1763690 h 2980757"/>
-                <a:gd name="connsiteX34" fmla="*/ 5275533 w 5275533"/>
-                <a:gd name="connsiteY34" fmla="*/ 1641017 h 2980757"/>
-                <a:gd name="connsiteX35" fmla="*/ 5275533 w 5275533"/>
-                <a:gd name="connsiteY35" fmla="*/ 2257481 h 2980757"/>
-                <a:gd name="connsiteX36" fmla="*/ 5168881 w 5275533"/>
-                <a:gd name="connsiteY36" fmla="*/ 2332084 h 2980757"/>
-                <a:gd name="connsiteX37" fmla="*/ 5036225 w 5275533"/>
-                <a:gd name="connsiteY37" fmla="*/ 2421489 h 2980757"/>
-                <a:gd name="connsiteX38" fmla="*/ 4899401 w 5275533"/>
-                <a:gd name="connsiteY38" fmla="*/ 2508347 h 2980757"/>
-                <a:gd name="connsiteX39" fmla="*/ 4612145 w 5275533"/>
-                <a:gd name="connsiteY39" fmla="*/ 2671407 h 2980757"/>
-                <a:gd name="connsiteX40" fmla="*/ 4303187 w 5275533"/>
-                <a:gd name="connsiteY40" fmla="*/ 2810030 h 2980757"/>
-                <a:gd name="connsiteX41" fmla="*/ 3630835 w 5275533"/>
-                <a:gd name="connsiteY41" fmla="*/ 2969500 h 2980757"/>
-                <a:gd name="connsiteX42" fmla="*/ 3457719 w 5275533"/>
-                <a:gd name="connsiteY42" fmla="*/ 2979808 h 2980757"/>
-                <a:gd name="connsiteX43" fmla="*/ 3414441 w 5275533"/>
-                <a:gd name="connsiteY43" fmla="*/ 2980733 h 2980757"/>
-                <a:gd name="connsiteX44" fmla="*/ 3371285 w 5275533"/>
-                <a:gd name="connsiteY44" fmla="*/ 2980502 h 2980757"/>
-                <a:gd name="connsiteX45" fmla="*/ 3328252 w 5275533"/>
-                <a:gd name="connsiteY45" fmla="*/ 2980039 h 2980757"/>
-                <a:gd name="connsiteX46" fmla="*/ 3286445 w 5275533"/>
-                <a:gd name="connsiteY46" fmla="*/ 2978534 h 2980757"/>
-                <a:gd name="connsiteX47" fmla="*/ 2952475 w 5275533"/>
-                <a:gd name="connsiteY47" fmla="*/ 2953402 h 2980757"/>
-                <a:gd name="connsiteX48" fmla="*/ 2620591 w 5275533"/>
-                <a:gd name="connsiteY48" fmla="*/ 2898046 h 2980757"/>
-                <a:gd name="connsiteX49" fmla="*/ 2294591 w 5275533"/>
-                <a:gd name="connsiteY49" fmla="*/ 2811305 h 2980757"/>
-                <a:gd name="connsiteX50" fmla="*/ 1670544 w 5275533"/>
-                <a:gd name="connsiteY50" fmla="*/ 2550501 h 2980757"/>
-                <a:gd name="connsiteX51" fmla="*/ 1144703 w 5275533"/>
-                <a:gd name="connsiteY51" fmla="*/ 2144472 h 2980757"/>
-                <a:gd name="connsiteX52" fmla="*/ 931497 w 5275533"/>
-                <a:gd name="connsiteY52" fmla="*/ 1900114 h 2980757"/>
-                <a:gd name="connsiteX53" fmla="*/ 745265 w 5275533"/>
-                <a:gd name="connsiteY53" fmla="*/ 1641395 h 2980757"/>
-                <a:gd name="connsiteX54" fmla="*/ 701741 w 5275533"/>
-                <a:gd name="connsiteY54" fmla="*/ 1575500 h 2980757"/>
-                <a:gd name="connsiteX55" fmla="*/ 660178 w 5275533"/>
-                <a:gd name="connsiteY55" fmla="*/ 1511573 h 2980757"/>
-                <a:gd name="connsiteX56" fmla="*/ 578158 w 5275533"/>
-                <a:gd name="connsiteY56" fmla="*/ 1387656 h 2980757"/>
-                <a:gd name="connsiteX57" fmla="*/ 408230 w 5275533"/>
-                <a:gd name="connsiteY57" fmla="*/ 1134497 h 2980757"/>
-                <a:gd name="connsiteX58" fmla="*/ 242349 w 5275533"/>
-                <a:gd name="connsiteY58" fmla="*/ 866860 h 2980757"/>
-                <a:gd name="connsiteX59" fmla="*/ 167562 w 5275533"/>
-                <a:gd name="connsiteY59" fmla="*/ 724994 h 2980757"/>
-                <a:gd name="connsiteX60" fmla="*/ 104054 w 5275533"/>
-                <a:gd name="connsiteY60" fmla="*/ 576525 h 2980757"/>
-                <a:gd name="connsiteX61" fmla="*/ 55381 w 5275533"/>
-                <a:gd name="connsiteY61" fmla="*/ 422499 h 2980757"/>
-                <a:gd name="connsiteX62" fmla="*/ 37236 w 5275533"/>
-                <a:gd name="connsiteY62" fmla="*/ 343980 h 2980757"/>
-                <a:gd name="connsiteX63" fmla="*/ 29267 w 5275533"/>
-                <a:gd name="connsiteY63" fmla="*/ 304604 h 2980757"/>
-                <a:gd name="connsiteX64" fmla="*/ 22646 w 5275533"/>
-                <a:gd name="connsiteY64" fmla="*/ 265113 h 2980757"/>
-                <a:gd name="connsiteX65" fmla="*/ 3903 w 5275533"/>
-                <a:gd name="connsiteY65" fmla="*/ 106787 h 2980757"/>
-              </a:gdLst>
-              <a:ahLst/>
-              <a:cxnLst>
-                <a:cxn ang="0">
-                  <a:pos x="connsiteX0" y="connsiteY0"/>
-                </a:cxn>
-                <a:cxn ang="0">
-                  <a:pos x="connsiteX1" y="connsiteY1"/>
-                </a:cxn>
-                <a:cxn ang="0">
-                  <a:pos x="connsiteX2" y="connsiteY2"/>
-                </a:cxn>
-                <a:cxn ang="0">
-                  <a:pos x="connsiteX3" y="connsiteY3"/>
-                </a:cxn>
-                <a:cxn ang="0">
-                  <a:pos x="connsiteX4" y="connsiteY4"/>
-                </a:cxn>
-                <a:cxn ang="0">
-                  <a:pos x="connsiteX5" y="connsiteY5"/>
-                </a:cxn>
-                <a:cxn ang="0">
-                  <a:pos x="connsiteX6" y="connsiteY6"/>
-                </a:cxn>
-                <a:cxn ang="0">
-                  <a:pos x="connsiteX7" y="connsiteY7"/>
-                </a:cxn>
-                <a:cxn ang="0">
-                  <a:pos x="connsiteX8" y="connsiteY8"/>
-                </a:cxn>
-                <a:cxn ang="0">
-                  <a:pos x="connsiteX9" y="connsiteY9"/>
-                </a:cxn>
-                <a:cxn ang="0">
-                  <a:pos x="connsiteX10" y="connsiteY10"/>
-                </a:cxn>
-                <a:cxn ang="0">
-                  <a:pos x="connsiteX11" y="connsiteY11"/>
-                </a:cxn>
-                <a:cxn ang="0">
-                  <a:pos x="connsiteX12" y="connsiteY12"/>
-                </a:cxn>
-                <a:cxn ang="0">
-                  <a:pos x="connsiteX13" y="connsiteY13"/>
-                </a:cxn>
-                <a:cxn ang="0">
-                  <a:pos x="connsiteX14" y="connsiteY14"/>
-                </a:cxn>
-                <a:cxn ang="0">
-                  <a:pos x="connsiteX15" y="connsiteY15"/>
-                </a:cxn>
-                <a:cxn ang="0">
-                  <a:pos x="connsiteX16" y="connsiteY16"/>
-                </a:cxn>
-                <a:cxn ang="0">
-                  <a:pos x="connsiteX17" y="connsiteY17"/>
-                </a:cxn>
-                <a:cxn ang="0">
-                  <a:pos x="connsiteX18" y="connsiteY18"/>
-                </a:cxn>
-                <a:cxn ang="0">
-                  <a:pos x="connsiteX19" y="connsiteY19"/>
-                </a:cxn>
-                <a:cxn ang="0">
-                  <a:pos x="connsiteX20" y="connsiteY20"/>
-                </a:cxn>
-                <a:cxn ang="0">
-                  <a:pos x="connsiteX21" y="connsiteY21"/>
-                </a:cxn>
-                <a:cxn ang="0">
-                  <a:pos x="connsiteX22" y="connsiteY22"/>
-                </a:cxn>
-                <a:cxn ang="0">
-                  <a:pos x="connsiteX23" y="connsiteY23"/>
-                </a:cxn>
-                <a:cxn ang="0">
-                  <a:pos x="connsiteX24" y="connsiteY24"/>
-                </a:cxn>
-                <a:cxn ang="0">
-                  <a:pos x="connsiteX25" y="connsiteY25"/>
-                </a:cxn>
-                <a:cxn ang="0">
-                  <a:pos x="connsiteX26" y="connsiteY26"/>
-                </a:cxn>
-                <a:cxn ang="0">
-                  <a:pos x="connsiteX27" y="connsiteY27"/>
-                </a:cxn>
-                <a:cxn ang="0">
-                  <a:pos x="connsiteX28" y="connsiteY28"/>
-                </a:cxn>
-                <a:cxn ang="0">
-                  <a:pos x="connsiteX29" y="connsiteY29"/>
-                </a:cxn>
-                <a:cxn ang="0">
-                  <a:pos x="connsiteX30" y="connsiteY30"/>
-                </a:cxn>
-                <a:cxn ang="0">
-                  <a:pos x="connsiteX31" y="connsiteY31"/>
-                </a:cxn>
-                <a:cxn ang="0">
-                  <a:pos x="connsiteX32" y="connsiteY32"/>
-                </a:cxn>
-                <a:cxn ang="0">
-                  <a:pos x="connsiteX33" y="connsiteY33"/>
-                </a:cxn>
-                <a:cxn ang="0">
-                  <a:pos x="connsiteX34" y="connsiteY34"/>
-                </a:cxn>
-                <a:cxn ang="0">
-                  <a:pos x="connsiteX35" y="connsiteY35"/>
-                </a:cxn>
-                <a:cxn ang="0">
-                  <a:pos x="connsiteX36" y="connsiteY36"/>
-                </a:cxn>
-                <a:cxn ang="0">
-                  <a:pos x="connsiteX37" y="connsiteY37"/>
-                </a:cxn>
-                <a:cxn ang="0">
-                  <a:pos x="connsiteX38" y="connsiteY38"/>
-                </a:cxn>
-                <a:cxn ang="0">
-                  <a:pos x="connsiteX39" y="connsiteY39"/>
-                </a:cxn>
-                <a:cxn ang="0">
-                  <a:pos x="connsiteX40" y="connsiteY40"/>
-                </a:cxn>
-                <a:cxn ang="0">
-                  <a:pos x="connsiteX41" y="connsiteY41"/>
-                </a:cxn>
-                <a:cxn ang="0">
-                  <a:pos x="connsiteX42" y="connsiteY42"/>
-                </a:cxn>
-                <a:cxn ang="0">
-                  <a:pos x="connsiteX43" y="connsiteY43"/>
-                </a:cxn>
-                <a:cxn ang="0">
-                  <a:pos x="connsiteX44" y="connsiteY44"/>
-                </a:cxn>
-                <a:cxn ang="0">
-                  <a:pos x="connsiteX45" y="connsiteY45"/>
-                </a:cxn>
-                <a:cxn ang="0">
-                  <a:pos x="connsiteX46" y="connsiteY46"/>
-                </a:cxn>
-                <a:cxn ang="0">
-                  <a:pos x="connsiteX47" y="connsiteY47"/>
-                </a:cxn>
-                <a:cxn ang="0">
-                  <a:pos x="connsiteX48" y="connsiteY48"/>
-                </a:cxn>
-                <a:cxn ang="0">
-                  <a:pos x="connsiteX49" y="connsiteY49"/>
-                </a:cxn>
-                <a:cxn ang="0">
-                  <a:pos x="connsiteX50" y="connsiteY50"/>
-                </a:cxn>
-                <a:cxn ang="0">
-                  <a:pos x="connsiteX51" y="connsiteY51"/>
-                </a:cxn>
-                <a:cxn ang="0">
-                  <a:pos x="connsiteX52" y="connsiteY52"/>
-                </a:cxn>
-                <a:cxn ang="0">
-                  <a:pos x="connsiteX53" y="connsiteY53"/>
-                </a:cxn>
-                <a:cxn ang="0">
-                  <a:pos x="connsiteX54" y="connsiteY54"/>
-                </a:cxn>
-                <a:cxn ang="0">
-                  <a:pos x="connsiteX55" y="connsiteY55"/>
-                </a:cxn>
-                <a:cxn ang="0">
-                  <a:pos x="connsiteX56" y="connsiteY56"/>
-                </a:cxn>
-                <a:cxn ang="0">
-                  <a:pos x="connsiteX57" y="connsiteY57"/>
-                </a:cxn>
-                <a:cxn ang="0">
-                  <a:pos x="connsiteX58" y="connsiteY58"/>
-                </a:cxn>
-                <a:cxn ang="0">
-                  <a:pos x="connsiteX59" y="connsiteY59"/>
-                </a:cxn>
-                <a:cxn ang="0">
-                  <a:pos x="connsiteX60" y="connsiteY60"/>
-                </a:cxn>
-                <a:cxn ang="0">
-                  <a:pos x="connsiteX61" y="connsiteY61"/>
-                </a:cxn>
-                <a:cxn ang="0">
-                  <a:pos x="connsiteX62" y="connsiteY62"/>
-                </a:cxn>
-                <a:cxn ang="0">
-                  <a:pos x="connsiteX63" y="connsiteY63"/>
-                </a:cxn>
-                <a:cxn ang="0">
-                  <a:pos x="connsiteX64" y="connsiteY64"/>
-                </a:cxn>
-                <a:cxn ang="0">
-                  <a:pos x="connsiteX65" y="connsiteY65"/>
-                </a:cxn>
-              </a:cxnLst>
-              <a:rect l="l" t="t" r="r" b="b"/>
-              <a:pathLst>
-                <a:path w="5275533" h="2980757">
-                  <a:moveTo>
-                    <a:pt x="0" y="0"/>
-                  </a:moveTo>
-                  <a:lnTo>
-                    <a:pt x="201166" y="0"/>
-                  </a:lnTo>
-                  <a:lnTo>
-                    <a:pt x="206734" y="89286"/>
-                  </a:lnTo>
-                  <a:cubicBezTo>
-                    <a:pt x="212220" y="135755"/>
-                    <a:pt x="220465" y="181731"/>
-                    <a:pt x="232051" y="226897"/>
-                  </a:cubicBezTo>
-                  <a:cubicBezTo>
-                    <a:pt x="254855" y="317344"/>
-                    <a:pt x="290287" y="403854"/>
-                    <a:pt x="332707" y="487120"/>
-                  </a:cubicBezTo>
-                  <a:cubicBezTo>
-                    <a:pt x="354163" y="528696"/>
-                    <a:pt x="377948" y="569461"/>
-                    <a:pt x="402959" y="609647"/>
-                  </a:cubicBezTo>
-                  <a:cubicBezTo>
-                    <a:pt x="428337" y="649717"/>
-                    <a:pt x="455433" y="689209"/>
-                    <a:pt x="483631" y="728236"/>
-                  </a:cubicBezTo>
-                  <a:cubicBezTo>
-                    <a:pt x="540764" y="806061"/>
-                    <a:pt x="604271" y="881569"/>
-                    <a:pt x="669986" y="957424"/>
-                  </a:cubicBezTo>
-                  <a:cubicBezTo>
-                    <a:pt x="735701" y="1033395"/>
-                    <a:pt x="804359" y="1109366"/>
-                    <a:pt x="871667" y="1188348"/>
-                  </a:cubicBezTo>
-                  <a:cubicBezTo>
-                    <a:pt x="905383" y="1227723"/>
-                    <a:pt x="938731" y="1268025"/>
-                    <a:pt x="971956" y="1308905"/>
-                  </a:cubicBezTo>
-                  <a:lnTo>
-                    <a:pt x="1020139" y="1368084"/>
-                  </a:lnTo>
-                  <a:cubicBezTo>
-                    <a:pt x="1035954" y="1386962"/>
-                    <a:pt x="1051035" y="1406302"/>
-                    <a:pt x="1067340" y="1424715"/>
-                  </a:cubicBezTo>
-                  <a:cubicBezTo>
-                    <a:pt x="1194602" y="1574573"/>
-                    <a:pt x="1332652" y="1712503"/>
-                    <a:pt x="1472909" y="1843252"/>
-                  </a:cubicBezTo>
-                  <a:cubicBezTo>
-                    <a:pt x="1543406" y="1908337"/>
-                    <a:pt x="1615128" y="1971221"/>
-                    <a:pt x="1688567" y="2031559"/>
-                  </a:cubicBezTo>
-                  <a:cubicBezTo>
-                    <a:pt x="1762006" y="2091895"/>
-                    <a:pt x="1836793" y="2150263"/>
-                    <a:pt x="1914401" y="2205156"/>
-                  </a:cubicBezTo>
-                  <a:cubicBezTo>
-                    <a:pt x="2069003" y="2315176"/>
-                    <a:pt x="2235742" y="2413498"/>
-                    <a:pt x="2418909" y="2479741"/>
-                  </a:cubicBezTo>
-                  <a:cubicBezTo>
-                    <a:pt x="2510249" y="2512863"/>
-                    <a:pt x="2604898" y="2538225"/>
-                    <a:pt x="2701141" y="2557333"/>
-                  </a:cubicBezTo>
-                  <a:cubicBezTo>
-                    <a:pt x="2725293" y="2561850"/>
-                    <a:pt x="2749201" y="2567062"/>
-                    <a:pt x="2773475" y="2570999"/>
-                  </a:cubicBezTo>
-                  <a:lnTo>
-                    <a:pt x="2846424" y="2582465"/>
-                  </a:lnTo>
-                  <a:cubicBezTo>
-                    <a:pt x="2895343" y="2588602"/>
-                    <a:pt x="2944261" y="2595088"/>
-                    <a:pt x="2993669" y="2598909"/>
-                  </a:cubicBezTo>
-                  <a:cubicBezTo>
-                    <a:pt x="3018313" y="2601110"/>
-                    <a:pt x="3042956" y="2603195"/>
-                    <a:pt x="3067721" y="2604237"/>
-                  </a:cubicBezTo>
-                  <a:cubicBezTo>
-                    <a:pt x="3092487" y="2605394"/>
-                    <a:pt x="3117130" y="2607247"/>
-                    <a:pt x="3142019" y="2607943"/>
-                  </a:cubicBezTo>
-                  <a:lnTo>
-                    <a:pt x="3216561" y="2609564"/>
-                  </a:lnTo>
-                  <a:cubicBezTo>
-                    <a:pt x="3241326" y="2610142"/>
-                    <a:pt x="3266337" y="2609333"/>
-                    <a:pt x="3291225" y="2609217"/>
-                  </a:cubicBezTo>
-                  <a:lnTo>
-                    <a:pt x="3328619" y="2608869"/>
-                  </a:lnTo>
-                  <a:cubicBezTo>
-                    <a:pt x="3340757" y="2608522"/>
-                    <a:pt x="3352649" y="2607827"/>
-                    <a:pt x="3364665" y="2607363"/>
-                  </a:cubicBezTo>
-                  <a:cubicBezTo>
-                    <a:pt x="3376679" y="2606784"/>
-                    <a:pt x="3388695" y="2606438"/>
-                    <a:pt x="3400587" y="2605627"/>
-                  </a:cubicBezTo>
-                  <a:lnTo>
-                    <a:pt x="3436387" y="2602847"/>
-                  </a:lnTo>
-                  <a:cubicBezTo>
-                    <a:pt x="3484079" y="2599257"/>
-                    <a:pt x="3531404" y="2593235"/>
-                    <a:pt x="3578361" y="2586286"/>
-                  </a:cubicBezTo>
-                  <a:cubicBezTo>
-                    <a:pt x="3766310" y="2556871"/>
-                    <a:pt x="3947025" y="2499314"/>
-                    <a:pt x="4119159" y="2418594"/>
-                  </a:cubicBezTo>
-                  <a:cubicBezTo>
-                    <a:pt x="4291907" y="2338801"/>
-                    <a:pt x="4456317" y="2236657"/>
-                    <a:pt x="4618765" y="2124668"/>
-                  </a:cubicBezTo>
-                  <a:cubicBezTo>
-                    <a:pt x="4659346" y="2096759"/>
-                    <a:pt x="4699682" y="2067575"/>
-                    <a:pt x="4739895" y="2038275"/>
-                  </a:cubicBezTo>
-                  <a:cubicBezTo>
-                    <a:pt x="4780355" y="2008976"/>
-                    <a:pt x="4820691" y="1979212"/>
-                    <a:pt x="4861027" y="1948986"/>
-                  </a:cubicBezTo>
-                  <a:lnTo>
-                    <a:pt x="5106354" y="1763690"/>
-                  </a:lnTo>
-                  <a:lnTo>
-                    <a:pt x="5275533" y="1641017"/>
-                  </a:lnTo>
-                  <a:lnTo>
-                    <a:pt x="5275533" y="2257481"/>
-                  </a:lnTo>
-                  <a:lnTo>
-                    <a:pt x="5168881" y="2332084"/>
-                  </a:lnTo>
-                  <a:cubicBezTo>
-                    <a:pt x="5125235" y="2362079"/>
-                    <a:pt x="5081099" y="2391958"/>
-                    <a:pt x="5036225" y="2421489"/>
-                  </a:cubicBezTo>
-                  <a:cubicBezTo>
-                    <a:pt x="4991231" y="2450790"/>
-                    <a:pt x="4945867" y="2479857"/>
-                    <a:pt x="4899401" y="2508347"/>
-                  </a:cubicBezTo>
-                  <a:cubicBezTo>
-                    <a:pt x="4806959" y="2565440"/>
-                    <a:pt x="4711574" y="2620798"/>
-                    <a:pt x="4612145" y="2671407"/>
-                  </a:cubicBezTo>
-                  <a:cubicBezTo>
-                    <a:pt x="4512836" y="2722247"/>
-                    <a:pt x="4410095" y="2769496"/>
-                    <a:pt x="4303187" y="2810030"/>
-                  </a:cubicBezTo>
-                  <a:cubicBezTo>
-                    <a:pt x="4090349" y="2892256"/>
-                    <a:pt x="3861694" y="2947728"/>
-                    <a:pt x="3630835" y="2969500"/>
-                  </a:cubicBezTo>
-                  <a:cubicBezTo>
-                    <a:pt x="3573089" y="2974712"/>
-                    <a:pt x="3515343" y="2978649"/>
-                    <a:pt x="3457719" y="2979808"/>
-                  </a:cubicBezTo>
-                  <a:lnTo>
-                    <a:pt x="3414441" y="2980733"/>
-                  </a:lnTo>
-                  <a:cubicBezTo>
-                    <a:pt x="3400097" y="2980850"/>
-                    <a:pt x="3385630" y="2980502"/>
-                    <a:pt x="3371285" y="2980502"/>
-                  </a:cubicBezTo>
-                  <a:lnTo>
-                    <a:pt x="3328252" y="2980039"/>
-                  </a:lnTo>
-                  <a:lnTo>
-                    <a:pt x="3286445" y="2978534"/>
-                  </a:lnTo>
-                  <a:cubicBezTo>
-                    <a:pt x="3175121" y="2975174"/>
-                    <a:pt x="3063553" y="2966837"/>
-                    <a:pt x="2952475" y="2953402"/>
-                  </a:cubicBezTo>
-                  <a:cubicBezTo>
-                    <a:pt x="2841275" y="2940664"/>
-                    <a:pt x="2730319" y="2922365"/>
-                    <a:pt x="2620591" y="2898046"/>
-                  </a:cubicBezTo>
-                  <a:cubicBezTo>
-                    <a:pt x="2510984" y="2873494"/>
-                    <a:pt x="2402235" y="2844426"/>
-                    <a:pt x="2294591" y="2811305"/>
-                  </a:cubicBezTo>
-                  <a:cubicBezTo>
-                    <a:pt x="2079669" y="2744483"/>
-                    <a:pt x="1867198" y="2661331"/>
-                    <a:pt x="1670544" y="2550501"/>
-                  </a:cubicBezTo>
-                  <a:cubicBezTo>
-                    <a:pt x="1473767" y="2439903"/>
-                    <a:pt x="1298079" y="2299657"/>
-                    <a:pt x="1144703" y="2144472"/>
-                  </a:cubicBezTo>
-                  <a:cubicBezTo>
-                    <a:pt x="1067586" y="2066996"/>
-                    <a:pt x="997458" y="1984539"/>
-                    <a:pt x="931497" y="1900114"/>
-                  </a:cubicBezTo>
-                  <a:cubicBezTo>
-                    <a:pt x="865906" y="1815342"/>
-                    <a:pt x="803500" y="1729295"/>
-                    <a:pt x="745265" y="1641395"/>
-                  </a:cubicBezTo>
-                  <a:cubicBezTo>
-                    <a:pt x="730307" y="1619623"/>
-                    <a:pt x="716207" y="1597503"/>
-                    <a:pt x="701741" y="1575500"/>
-                  </a:cubicBezTo>
-                  <a:lnTo>
-                    <a:pt x="660178" y="1511573"/>
-                  </a:lnTo>
-                  <a:cubicBezTo>
-                    <a:pt x="633574" y="1470229"/>
-                    <a:pt x="605989" y="1429232"/>
-                    <a:pt x="578158" y="1387656"/>
-                  </a:cubicBezTo>
-                  <a:lnTo>
-                    <a:pt x="408230" y="1134497"/>
-                  </a:lnTo>
-                  <a:cubicBezTo>
-                    <a:pt x="351220" y="1048219"/>
-                    <a:pt x="294945" y="959392"/>
-                    <a:pt x="242349" y="866860"/>
-                  </a:cubicBezTo>
-                  <a:cubicBezTo>
-                    <a:pt x="216112" y="820536"/>
-                    <a:pt x="190734" y="773402"/>
-                    <a:pt x="167562" y="724994"/>
-                  </a:cubicBezTo>
-                  <a:cubicBezTo>
-                    <a:pt x="144513" y="676469"/>
-                    <a:pt x="123057" y="627019"/>
-                    <a:pt x="104054" y="576525"/>
-                  </a:cubicBezTo>
-                  <a:cubicBezTo>
-                    <a:pt x="85418" y="525917"/>
-                    <a:pt x="68867" y="474613"/>
-                    <a:pt x="55381" y="422499"/>
-                  </a:cubicBezTo>
-                  <a:cubicBezTo>
-                    <a:pt x="49006" y="396442"/>
-                    <a:pt x="42508" y="370269"/>
-                    <a:pt x="37236" y="343980"/>
-                  </a:cubicBezTo>
-                  <a:lnTo>
-                    <a:pt x="29267" y="304604"/>
-                  </a:lnTo>
-                  <a:lnTo>
-                    <a:pt x="22646" y="265113"/>
-                  </a:lnTo>
-                  <a:cubicBezTo>
-                    <a:pt x="14003" y="212420"/>
-                    <a:pt x="7872" y="159582"/>
-                    <a:pt x="3903" y="106787"/>
-                  </a:cubicBezTo>
-                  <a:close/>
-                </a:path>
-              </a:pathLst>
-            </a:custGeom>
-            <a:grpFill/>
-            <a:ln>
-              <a:noFill/>
-            </a:ln>
-          </p:spPr>
-          <p:style>
-            <a:lnRef idx="2">
-              <a:schemeClr val="accent1">
-                <a:shade val="50000"/>
-              </a:schemeClr>
-            </a:lnRef>
-            <a:fillRef idx="1">
-              <a:schemeClr val="accent1"/>
-            </a:fillRef>
-            <a:effectRef idx="0">
-              <a:schemeClr val="accent1"/>
-            </a:effectRef>
-            <a:fontRef idx="minor">
-              <a:schemeClr val="lt1"/>
-            </a:fontRef>
-          </p:style>
-          <p:txBody>
-            <a:bodyPr rtlCol="0" anchor="ctr"/>
-            <a:lstStyle/>
-            <a:p>
-              <a:pPr algn="ctr"/>
-              <a:endParaRPr lang="en-US"/>
-            </a:p>
-          </p:txBody>
-        </p:sp>
-        <p:sp>
-          <p:nvSpPr>
-            <p:cNvPr id="15" name="Freeform: Shape 14">
-              <a:extLst>
-                <a:ext uri="{FF2B5EF4-FFF2-40B4-BE49-F238E27FC236}">
-                  <a16:creationId xmlns:a16="http://schemas.microsoft.com/office/drawing/2014/main" id="{D17EF94F-6589-24CC-8C2E-60D535E2DD22}"/>
-                </a:ext>
-                <a:ext uri="{C183D7F6-B498-43B3-948B-1728B52AA6E4}">
-                  <adec:decorative xmlns:adec="http://schemas.microsoft.com/office/drawing/2017/decorative" val="1"/>
-                </a:ext>
-              </a:extLst>
-            </p:cNvPr>
-            <p:cNvSpPr/>
-            <p:nvPr>
-              <p:extLst>
-                <p:ext uri="{386F3935-93C4-4BCD-93E2-E3B085C9AB24}">
-                  <p16:designElem xmlns:p16="http://schemas.microsoft.com/office/powerpoint/2015/main" val="1"/>
-                </p:ext>
-              </p:extLst>
-            </p:nvPr>
-          </p:nvSpPr>
-          <p:spPr>
-            <a:xfrm>
-              <a:off x="6921214" y="-1"/>
-              <a:ext cx="5270786" cy="2927775"/>
-            </a:xfrm>
-            <a:custGeom>
-              <a:avLst/>
-              <a:gdLst>
-                <a:gd name="connsiteX0" fmla="*/ 0 w 5270786"/>
-                <a:gd name="connsiteY0" fmla="*/ 0 h 2927775"/>
-                <a:gd name="connsiteX1" fmla="*/ 613805 w 5270786"/>
-                <a:gd name="connsiteY1" fmla="*/ 0 h 2927775"/>
-                <a:gd name="connsiteX2" fmla="*/ 618487 w 5270786"/>
-                <a:gd name="connsiteY2" fmla="*/ 85404 h 2927775"/>
-                <a:gd name="connsiteX3" fmla="*/ 1054084 w 5270786"/>
-                <a:gd name="connsiteY3" fmla="*/ 895200 h 2927775"/>
-                <a:gd name="connsiteX4" fmla="*/ 1276976 w 5270786"/>
-                <a:gd name="connsiteY4" fmla="*/ 1191325 h 2927775"/>
-                <a:gd name="connsiteX5" fmla="*/ 3368450 w 5270786"/>
-                <a:gd name="connsiteY5" fmla="*/ 2348843 h 2927775"/>
-                <a:gd name="connsiteX6" fmla="*/ 4956151 w 5270786"/>
-                <a:gd name="connsiteY6" fmla="*/ 1636730 h 2927775"/>
-                <a:gd name="connsiteX7" fmla="*/ 5149372 w 5270786"/>
-                <a:gd name="connsiteY7" fmla="*/ 1495325 h 2927775"/>
-                <a:gd name="connsiteX8" fmla="*/ 5270786 w 5270786"/>
-                <a:gd name="connsiteY8" fmla="*/ 1406110 h 2927775"/>
-                <a:gd name="connsiteX9" fmla="*/ 5270786 w 5270786"/>
-                <a:gd name="connsiteY9" fmla="*/ 2138641 h 2927775"/>
-                <a:gd name="connsiteX10" fmla="*/ 5112925 w 5270786"/>
-                <a:gd name="connsiteY10" fmla="*/ 2253730 h 2927775"/>
-                <a:gd name="connsiteX11" fmla="*/ 3368327 w 5270786"/>
-                <a:gd name="connsiteY11" fmla="*/ 2927775 h 2927775"/>
-                <a:gd name="connsiteX12" fmla="*/ 769646 w 5270786"/>
-                <a:gd name="connsiteY12" fmla="*/ 1516288 h 2927775"/>
-                <a:gd name="connsiteX13" fmla="*/ 3149 w 5270786"/>
-                <a:gd name="connsiteY13" fmla="*/ 85252 h 2927775"/>
-              </a:gdLst>
-              <a:ahLst/>
-              <a:cxnLst>
-                <a:cxn ang="0">
-                  <a:pos x="connsiteX0" y="connsiteY0"/>
-                </a:cxn>
-                <a:cxn ang="0">
-                  <a:pos x="connsiteX1" y="connsiteY1"/>
-                </a:cxn>
-                <a:cxn ang="0">
-                  <a:pos x="connsiteX2" y="connsiteY2"/>
-                </a:cxn>
-                <a:cxn ang="0">
-                  <a:pos x="connsiteX3" y="connsiteY3"/>
-                </a:cxn>
-                <a:cxn ang="0">
-                  <a:pos x="connsiteX4" y="connsiteY4"/>
-                </a:cxn>
-                <a:cxn ang="0">
-                  <a:pos x="connsiteX5" y="connsiteY5"/>
-                </a:cxn>
-                <a:cxn ang="0">
-                  <a:pos x="connsiteX6" y="connsiteY6"/>
-                </a:cxn>
-                <a:cxn ang="0">
-                  <a:pos x="connsiteX7" y="connsiteY7"/>
-                </a:cxn>
-                <a:cxn ang="0">
-                  <a:pos x="connsiteX8" y="connsiteY8"/>
-                </a:cxn>
-                <a:cxn ang="0">
-                  <a:pos x="connsiteX9" y="connsiteY9"/>
-                </a:cxn>
-                <a:cxn ang="0">
-                  <a:pos x="connsiteX10" y="connsiteY10"/>
-                </a:cxn>
-                <a:cxn ang="0">
-                  <a:pos x="connsiteX11" y="connsiteY11"/>
-                </a:cxn>
-                <a:cxn ang="0">
-                  <a:pos x="connsiteX12" y="connsiteY12"/>
-                </a:cxn>
-                <a:cxn ang="0">
-                  <a:pos x="connsiteX13" y="connsiteY13"/>
-                </a:cxn>
-              </a:cxnLst>
-              <a:rect l="l" t="t" r="r" b="b"/>
-              <a:pathLst>
-                <a:path w="5270786" h="2927775">
-                  <a:moveTo>
-                    <a:pt x="0" y="0"/>
-                  </a:moveTo>
-                  <a:lnTo>
-                    <a:pt x="613805" y="0"/>
-                  </a:lnTo>
-                  <a:lnTo>
-                    <a:pt x="618487" y="85404"/>
-                  </a:lnTo>
-                  <a:cubicBezTo>
-                    <a:pt x="650052" y="360109"/>
-                    <a:pt x="792650" y="556543"/>
-                    <a:pt x="1054084" y="895200"/>
-                  </a:cubicBezTo>
-                  <a:cubicBezTo>
-                    <a:pt x="1126174" y="988542"/>
-                    <a:pt x="1200716" y="1085128"/>
-                    <a:pt x="1276976" y="1191325"/>
-                  </a:cubicBezTo>
-                  <a:cubicBezTo>
-                    <a:pt x="1859704" y="2002688"/>
-                    <a:pt x="2485223" y="2348843"/>
-                    <a:pt x="3368450" y="2348843"/>
-                  </a:cubicBezTo>
-                  <a:cubicBezTo>
-                    <a:pt x="3948114" y="2348843"/>
-                    <a:pt x="4373422" y="2066846"/>
-                    <a:pt x="4956151" y="1636730"/>
-                  </a:cubicBezTo>
-                  <a:cubicBezTo>
-                    <a:pt x="5021253" y="1588668"/>
-                    <a:pt x="5086356" y="1541186"/>
-                    <a:pt x="5149372" y="1495325"/>
-                  </a:cubicBezTo>
-                  <a:lnTo>
-                    <a:pt x="5270786" y="1406110"/>
-                  </a:lnTo>
-                  <a:lnTo>
-                    <a:pt x="5270786" y="2138641"/>
-                  </a:lnTo>
-                  <a:lnTo>
-                    <a:pt x="5112925" y="2253730"/>
-                  </a:lnTo>
-                  <a:cubicBezTo>
-                    <a:pt x="4598179" y="2621786"/>
-                    <a:pt x="4074961" y="2927775"/>
-                    <a:pt x="3368327" y="2927775"/>
-                  </a:cubicBezTo>
-                  <a:cubicBezTo>
-                    <a:pt x="2170746" y="2927775"/>
-                    <a:pt x="1393203" y="2384512"/>
-                    <a:pt x="769646" y="1516288"/>
-                  </a:cubicBezTo>
-                  <a:cubicBezTo>
-                    <a:pt x="418850" y="1027932"/>
-                    <a:pt x="48120" y="683401"/>
-                    <a:pt x="3149" y="85252"/>
-                  </a:cubicBezTo>
-                  <a:close/>
-                </a:path>
-              </a:pathLst>
-            </a:custGeom>
-            <a:grpFill/>
-            <a:ln>
-              <a:noFill/>
-            </a:ln>
-          </p:spPr>
-          <p:style>
-            <a:lnRef idx="2">
-              <a:schemeClr val="accent1">
-                <a:shade val="50000"/>
-              </a:schemeClr>
-            </a:lnRef>
-            <a:fillRef idx="1">
-              <a:schemeClr val="accent1"/>
-            </a:fillRef>
-            <a:effectRef idx="0">
-              <a:schemeClr val="accent1"/>
-            </a:effectRef>
-            <a:fontRef idx="minor">
-              <a:schemeClr val="lt1"/>
-            </a:fontRef>
-          </p:style>
-          <p:txBody>
-            <a:bodyPr rtlCol="0" anchor="ctr"/>
-            <a:lstStyle/>
-            <a:p>
-              <a:pPr algn="ctr"/>
-              <a:endParaRPr lang="en-US"/>
-            </a:p>
-          </p:txBody>
-        </p:sp>
-        <p:sp>
-          <p:nvSpPr>
-            <p:cNvPr id="16" name="Freeform: Shape 15">
-              <a:extLst>
-                <a:ext uri="{FF2B5EF4-FFF2-40B4-BE49-F238E27FC236}">
-                  <a16:creationId xmlns:a16="http://schemas.microsoft.com/office/drawing/2014/main" id="{AF60ECA1-9D09-2D3D-E9A0-C33FF7DECA4E}"/>
-                </a:ext>
-                <a:ext uri="{C183D7F6-B498-43B3-948B-1728B52AA6E4}">
-                  <adec:decorative xmlns:adec="http://schemas.microsoft.com/office/drawing/2017/decorative" val="1"/>
-                </a:ext>
-              </a:extLst>
-            </p:cNvPr>
-            <p:cNvSpPr/>
-            <p:nvPr>
-              <p:extLst>
-                <p:ext uri="{386F3935-93C4-4BCD-93E2-E3B085C9AB24}">
-                  <p16:designElem xmlns:p16="http://schemas.microsoft.com/office/powerpoint/2015/main" val="1"/>
-                </p:ext>
-              </p:extLst>
-            </p:nvPr>
-          </p:nvSpPr>
-          <p:spPr>
-            <a:xfrm>
-              <a:off x="6921214" y="-1"/>
-              <a:ext cx="5270786" cy="2927775"/>
-            </a:xfrm>
-            <a:custGeom>
-              <a:avLst/>
-              <a:gdLst>
-                <a:gd name="connsiteX0" fmla="*/ 0 w 5270786"/>
-                <a:gd name="connsiteY0" fmla="*/ 0 h 2927775"/>
-                <a:gd name="connsiteX1" fmla="*/ 736294 w 5270786"/>
-                <a:gd name="connsiteY1" fmla="*/ 0 h 2927775"/>
-                <a:gd name="connsiteX2" fmla="*/ 740298 w 5270786"/>
-                <a:gd name="connsiteY2" fmla="*/ 72745 h 2927775"/>
-                <a:gd name="connsiteX3" fmla="*/ 1153024 w 5270786"/>
-                <a:gd name="connsiteY3" fmla="*/ 826989 h 2927775"/>
-                <a:gd name="connsiteX4" fmla="*/ 1378368 w 5270786"/>
-                <a:gd name="connsiteY4" fmla="*/ 1126356 h 2927775"/>
-                <a:gd name="connsiteX5" fmla="*/ 2238056 w 5270786"/>
-                <a:gd name="connsiteY5" fmla="*/ 1955322 h 2927775"/>
-                <a:gd name="connsiteX6" fmla="*/ 3368327 w 5270786"/>
-                <a:gd name="connsiteY6" fmla="*/ 2233033 h 2927775"/>
-                <a:gd name="connsiteX7" fmla="*/ 4095360 w 5270786"/>
-                <a:gd name="connsiteY7" fmla="*/ 2056192 h 2927775"/>
-                <a:gd name="connsiteX8" fmla="*/ 4880506 w 5270786"/>
-                <a:gd name="connsiteY8" fmla="*/ 1545587 h 2927775"/>
-                <a:gd name="connsiteX9" fmla="*/ 5074340 w 5270786"/>
-                <a:gd name="connsiteY9" fmla="*/ 1403721 h 2927775"/>
-                <a:gd name="connsiteX10" fmla="*/ 5270786 w 5270786"/>
-                <a:gd name="connsiteY10" fmla="*/ 1259367 h 2927775"/>
-                <a:gd name="connsiteX11" fmla="*/ 5270786 w 5270786"/>
-                <a:gd name="connsiteY11" fmla="*/ 2138641 h 2927775"/>
-                <a:gd name="connsiteX12" fmla="*/ 5112925 w 5270786"/>
-                <a:gd name="connsiteY12" fmla="*/ 2253730 h 2927775"/>
-                <a:gd name="connsiteX13" fmla="*/ 3368327 w 5270786"/>
-                <a:gd name="connsiteY13" fmla="*/ 2927775 h 2927775"/>
-                <a:gd name="connsiteX14" fmla="*/ 769646 w 5270786"/>
-                <a:gd name="connsiteY14" fmla="*/ 1516288 h 2927775"/>
-                <a:gd name="connsiteX15" fmla="*/ 3149 w 5270786"/>
-                <a:gd name="connsiteY15" fmla="*/ 85252 h 2927775"/>
-              </a:gdLst>
-              <a:ahLst/>
-              <a:cxnLst>
-                <a:cxn ang="0">
-                  <a:pos x="connsiteX0" y="connsiteY0"/>
-                </a:cxn>
-                <a:cxn ang="0">
-                  <a:pos x="connsiteX1" y="connsiteY1"/>
-                </a:cxn>
-                <a:cxn ang="0">
-                  <a:pos x="connsiteX2" y="connsiteY2"/>
-                </a:cxn>
-                <a:cxn ang="0">
-                  <a:pos x="connsiteX3" y="connsiteY3"/>
-                </a:cxn>
-                <a:cxn ang="0">
-                  <a:pos x="connsiteX4" y="connsiteY4"/>
-                </a:cxn>
-                <a:cxn ang="0">
-                  <a:pos x="connsiteX5" y="connsiteY5"/>
-                </a:cxn>
-                <a:cxn ang="0">
-                  <a:pos x="connsiteX6" y="connsiteY6"/>
-                </a:cxn>
-                <a:cxn ang="0">
-                  <a:pos x="connsiteX7" y="connsiteY7"/>
-                </a:cxn>
-                <a:cxn ang="0">
-                  <a:pos x="connsiteX8" y="connsiteY8"/>
-                </a:cxn>
-                <a:cxn ang="0">
-                  <a:pos x="connsiteX9" y="connsiteY9"/>
-                </a:cxn>
-                <a:cxn ang="0">
-                  <a:pos x="connsiteX10" y="connsiteY10"/>
-                </a:cxn>
-                <a:cxn ang="0">
-                  <a:pos x="connsiteX11" y="connsiteY11"/>
-                </a:cxn>
-                <a:cxn ang="0">
-                  <a:pos x="connsiteX12" y="connsiteY12"/>
-                </a:cxn>
-                <a:cxn ang="0">
-                  <a:pos x="connsiteX13" y="connsiteY13"/>
-                </a:cxn>
-                <a:cxn ang="0">
-                  <a:pos x="connsiteX14" y="connsiteY14"/>
-                </a:cxn>
-                <a:cxn ang="0">
-                  <a:pos x="connsiteX15" y="connsiteY15"/>
-                </a:cxn>
-              </a:cxnLst>
-              <a:rect l="l" t="t" r="r" b="b"/>
-              <a:pathLst>
-                <a:path w="5270786" h="2927775">
-                  <a:moveTo>
-                    <a:pt x="0" y="0"/>
-                  </a:moveTo>
-                  <a:lnTo>
-                    <a:pt x="736294" y="0"/>
-                  </a:lnTo>
-                  <a:lnTo>
-                    <a:pt x="740298" y="72745"/>
-                  </a:lnTo>
-                  <a:cubicBezTo>
-                    <a:pt x="768839" y="319371"/>
-                    <a:pt x="898885" y="497858"/>
-                    <a:pt x="1153024" y="826989"/>
-                  </a:cubicBezTo>
-                  <a:cubicBezTo>
-                    <a:pt x="1225727" y="921142"/>
-                    <a:pt x="1300882" y="1018537"/>
-                    <a:pt x="1378368" y="1126356"/>
-                  </a:cubicBezTo>
-                  <a:cubicBezTo>
-                    <a:pt x="1652384" y="1507833"/>
-                    <a:pt x="1933512" y="1779060"/>
-                    <a:pt x="2238056" y="1955322"/>
-                  </a:cubicBezTo>
-                  <a:cubicBezTo>
-                    <a:pt x="2560868" y="2142238"/>
-                    <a:pt x="2930637" y="2233033"/>
-                    <a:pt x="3368327" y="2233033"/>
-                  </a:cubicBezTo>
-                  <a:cubicBezTo>
-                    <a:pt x="3616720" y="2233033"/>
-                    <a:pt x="3847703" y="2176866"/>
-                    <a:pt x="4095360" y="2056192"/>
-                  </a:cubicBezTo>
-                  <a:cubicBezTo>
-                    <a:pt x="4349636" y="1932276"/>
-                    <a:pt x="4601340" y="1751613"/>
-                    <a:pt x="4880506" y="1545587"/>
-                  </a:cubicBezTo>
-                  <a:cubicBezTo>
-                    <a:pt x="4945974" y="1497295"/>
-                    <a:pt x="5011199" y="1449697"/>
-                    <a:pt x="5074340" y="1403721"/>
-                  </a:cubicBezTo>
-                  <a:lnTo>
-                    <a:pt x="5270786" y="1259367"/>
-                  </a:lnTo>
-                  <a:lnTo>
-                    <a:pt x="5270786" y="2138641"/>
-                  </a:lnTo>
-                  <a:lnTo>
-                    <a:pt x="5112925" y="2253730"/>
-                  </a:lnTo>
-                  <a:cubicBezTo>
-                    <a:pt x="4598179" y="2621786"/>
-                    <a:pt x="4074961" y="2927775"/>
-                    <a:pt x="3368327" y="2927775"/>
-                  </a:cubicBezTo>
-                  <a:cubicBezTo>
-                    <a:pt x="2170746" y="2927775"/>
-                    <a:pt x="1393203" y="2384512"/>
-                    <a:pt x="769646" y="1516288"/>
-                  </a:cubicBezTo>
-                  <a:cubicBezTo>
-                    <a:pt x="418850" y="1027932"/>
-                    <a:pt x="48120" y="683401"/>
-                    <a:pt x="3149" y="85252"/>
-                  </a:cubicBezTo>
-                  <a:close/>
-                </a:path>
-              </a:pathLst>
-            </a:custGeom>
-            <a:grpFill/>
-            <a:ln>
-              <a:noFill/>
-            </a:ln>
-          </p:spPr>
-          <p:style>
-            <a:lnRef idx="2">
-              <a:schemeClr val="accent1">
-                <a:shade val="50000"/>
-              </a:schemeClr>
-            </a:lnRef>
-            <a:fillRef idx="1">
-              <a:schemeClr val="accent1"/>
-            </a:fillRef>
-            <a:effectRef idx="0">
-              <a:schemeClr val="accent1"/>
-            </a:effectRef>
-            <a:fontRef idx="minor">
-              <a:schemeClr val="lt1"/>
-            </a:fontRef>
-          </p:style>
-          <p:txBody>
-            <a:bodyPr rtlCol="0" anchor="ctr"/>
-            <a:lstStyle/>
-            <a:p>
-              <a:pPr algn="ctr"/>
-              <a:endParaRPr lang="en-US"/>
-            </a:p>
-          </p:txBody>
-        </p:sp>
-      </p:grpSp>
-      <p:grpSp>
-        <p:nvGrpSpPr>
-          <p:cNvPr id="18" name="Group 17">
-            <a:extLst>
-              <a:ext uri="{FF2B5EF4-FFF2-40B4-BE49-F238E27FC236}">
-                <a16:creationId xmlns:a16="http://schemas.microsoft.com/office/drawing/2014/main" id="{9EBAB9AC-73AD-1BE9-4744-4EA885AEDE6E}"/>
-              </a:ext>
-              <a:ext uri="{C183D7F6-B498-43B3-948B-1728B52AA6E4}">
-                <adec:decorative xmlns:adec="http://schemas.microsoft.com/office/drawing/2017/decorative" val="1"/>
-              </a:ext>
-            </a:extLst>
-          </p:cNvPr>
-          <p:cNvGrpSpPr>
-            <a:grpSpLocks noGrp="1" noUngrp="1" noRot="1" noChangeAspect="1" noMove="1" noResize="1"/>
-          </p:cNvGrpSpPr>
-          <p:nvPr>
-            <p:extLst>
-              <p:ext uri="{386F3935-93C4-4BCD-93E2-E3B085C9AB24}">
-                <p16:designElem xmlns:p16="http://schemas.microsoft.com/office/powerpoint/2015/main" val="1"/>
-              </p:ext>
-            </p:extLst>
-          </p:nvPr>
-        </p:nvGrpSpPr>
-        <p:grpSpPr>
-          <a:xfrm rot="10800000">
-            <a:off x="9058275" y="4146310"/>
-            <a:ext cx="3142400" cy="2716805"/>
-            <a:chOff x="-305" y="-4155"/>
-            <a:chExt cx="2514948" cy="2174333"/>
-          </a:xfrm>
-          <a:solidFill>
-            <a:schemeClr val="bg1">
-              <a:alpha val="30000"/>
-            </a:schemeClr>
-          </a:solidFill>
-        </p:grpSpPr>
-        <p:sp>
-          <p:nvSpPr>
-            <p:cNvPr id="19" name="Freeform: Shape 18">
-              <a:extLst>
-                <a:ext uri="{FF2B5EF4-FFF2-40B4-BE49-F238E27FC236}">
-                  <a16:creationId xmlns:a16="http://schemas.microsoft.com/office/drawing/2014/main" id="{0D53234B-BE64-CFBA-2684-AECAFE9D89E4}"/>
-                </a:ext>
-                <a:ext uri="{C183D7F6-B498-43B3-948B-1728B52AA6E4}">
-                  <adec:decorative xmlns:adec="http://schemas.microsoft.com/office/drawing/2017/decorative" val="1"/>
-                </a:ext>
-              </a:extLst>
-            </p:cNvPr>
-            <p:cNvSpPr/>
-            <p:nvPr>
-              <p:extLst>
-                <p:ext uri="{386F3935-93C4-4BCD-93E2-E3B085C9AB24}">
-                  <p16:designElem xmlns:p16="http://schemas.microsoft.com/office/powerpoint/2015/main" val="1"/>
-                </p:ext>
-              </p:extLst>
-            </p:nvPr>
-          </p:nvSpPr>
-          <p:spPr>
-            <a:xfrm>
-              <a:off x="-305" y="0"/>
-              <a:ext cx="2514948" cy="2170178"/>
-            </a:xfrm>
-            <a:custGeom>
-              <a:avLst/>
-              <a:gdLst>
-                <a:gd name="connsiteX0" fmla="*/ 2466091 w 2514948"/>
-                <a:gd name="connsiteY0" fmla="*/ 0 h 2170178"/>
-                <a:gd name="connsiteX1" fmla="*/ 2514948 w 2514948"/>
-                <a:gd name="connsiteY1" fmla="*/ 0 h 2170178"/>
-                <a:gd name="connsiteX2" fmla="*/ 2512286 w 2514948"/>
-                <a:gd name="connsiteY2" fmla="*/ 12375 h 2170178"/>
-                <a:gd name="connsiteX3" fmla="*/ 2394961 w 2514948"/>
-                <a:gd name="connsiteY3" fmla="*/ 368660 h 2170178"/>
-                <a:gd name="connsiteX4" fmla="*/ 2289734 w 2514948"/>
-                <a:gd name="connsiteY4" fmla="*/ 598078 h 2170178"/>
-                <a:gd name="connsiteX5" fmla="*/ 2163747 w 2514948"/>
-                <a:gd name="connsiteY5" fmla="*/ 819078 h 2170178"/>
-                <a:gd name="connsiteX6" fmla="*/ 1852241 w 2514948"/>
-                <a:gd name="connsiteY6" fmla="*/ 1228932 h 2170178"/>
-                <a:gd name="connsiteX7" fmla="*/ 1668235 w 2514948"/>
-                <a:gd name="connsiteY7" fmla="*/ 1413844 h 2170178"/>
-                <a:gd name="connsiteX8" fmla="*/ 1619510 w 2514948"/>
-                <a:gd name="connsiteY8" fmla="*/ 1457722 h 2170178"/>
-                <a:gd name="connsiteX9" fmla="*/ 1569835 w 2514948"/>
-                <a:gd name="connsiteY9" fmla="*/ 1500704 h 2170178"/>
-                <a:gd name="connsiteX10" fmla="*/ 1467169 w 2514948"/>
-                <a:gd name="connsiteY10" fmla="*/ 1583266 h 2170178"/>
-                <a:gd name="connsiteX11" fmla="*/ 1018393 w 2514948"/>
-                <a:gd name="connsiteY11" fmla="*/ 1867576 h 2170178"/>
-                <a:gd name="connsiteX12" fmla="*/ 255857 w 2514948"/>
-                <a:gd name="connsiteY12" fmla="*/ 2133049 h 2170178"/>
-                <a:gd name="connsiteX13" fmla="*/ 0 w 2514948"/>
-                <a:gd name="connsiteY13" fmla="*/ 2170178 h 2170178"/>
-                <a:gd name="connsiteX14" fmla="*/ 0 w 2514948"/>
-                <a:gd name="connsiteY14" fmla="*/ 1940056 h 2170178"/>
-                <a:gd name="connsiteX15" fmla="*/ 201609 w 2514948"/>
-                <a:gd name="connsiteY15" fmla="*/ 1902856 h 2170178"/>
-                <a:gd name="connsiteX16" fmla="*/ 440974 w 2514948"/>
-                <a:gd name="connsiteY16" fmla="*/ 1838472 h 2170178"/>
-                <a:gd name="connsiteX17" fmla="*/ 674558 w 2514948"/>
-                <a:gd name="connsiteY17" fmla="*/ 1756359 h 2170178"/>
-                <a:gd name="connsiteX18" fmla="*/ 901222 w 2514948"/>
-                <a:gd name="connsiteY18" fmla="*/ 1657142 h 2170178"/>
-                <a:gd name="connsiteX19" fmla="*/ 1330943 w 2514948"/>
-                <a:gd name="connsiteY19" fmla="*/ 1413396 h 2170178"/>
-                <a:gd name="connsiteX20" fmla="*/ 1432566 w 2514948"/>
-                <a:gd name="connsiteY20" fmla="*/ 1343193 h 2170178"/>
-                <a:gd name="connsiteX21" fmla="*/ 1482527 w 2514948"/>
-                <a:gd name="connsiteY21" fmla="*/ 1306926 h 2170178"/>
-                <a:gd name="connsiteX22" fmla="*/ 1531821 w 2514948"/>
-                <a:gd name="connsiteY22" fmla="*/ 1269765 h 2170178"/>
-                <a:gd name="connsiteX23" fmla="*/ 1721986 w 2514948"/>
-                <a:gd name="connsiteY23" fmla="*/ 1112073 h 2170178"/>
-                <a:gd name="connsiteX24" fmla="*/ 2061460 w 2514948"/>
-                <a:gd name="connsiteY24" fmla="*/ 754336 h 2170178"/>
-                <a:gd name="connsiteX25" fmla="*/ 2206218 w 2514948"/>
-                <a:gd name="connsiteY25" fmla="*/ 554827 h 2170178"/>
-                <a:gd name="connsiteX26" fmla="*/ 2329455 w 2514948"/>
-                <a:gd name="connsiteY26" fmla="*/ 341886 h 2170178"/>
-                <a:gd name="connsiteX27" fmla="*/ 2356757 w 2514948"/>
-                <a:gd name="connsiteY27" fmla="*/ 286815 h 2170178"/>
-                <a:gd name="connsiteX28" fmla="*/ 2370030 w 2514948"/>
-                <a:gd name="connsiteY28" fmla="*/ 259056 h 2170178"/>
-                <a:gd name="connsiteX29" fmla="*/ 2382637 w 2514948"/>
-                <a:gd name="connsiteY29" fmla="*/ 231028 h 2170178"/>
-                <a:gd name="connsiteX30" fmla="*/ 2406716 w 2514948"/>
-                <a:gd name="connsiteY30" fmla="*/ 174525 h 2170178"/>
-                <a:gd name="connsiteX31" fmla="*/ 2429278 w 2514948"/>
-                <a:gd name="connsiteY31" fmla="*/ 117393 h 2170178"/>
-              </a:gdLst>
-              <a:ahLst/>
-              <a:cxnLst>
-                <a:cxn ang="0">
-                  <a:pos x="connsiteX0" y="connsiteY0"/>
-                </a:cxn>
-                <a:cxn ang="0">
-                  <a:pos x="connsiteX1" y="connsiteY1"/>
-                </a:cxn>
-                <a:cxn ang="0">
-                  <a:pos x="connsiteX2" y="connsiteY2"/>
-                </a:cxn>
-                <a:cxn ang="0">
-                  <a:pos x="connsiteX3" y="connsiteY3"/>
-                </a:cxn>
-                <a:cxn ang="0">
-                  <a:pos x="connsiteX4" y="connsiteY4"/>
-                </a:cxn>
-                <a:cxn ang="0">
-                  <a:pos x="connsiteX5" y="connsiteY5"/>
-                </a:cxn>
-                <a:cxn ang="0">
-                  <a:pos x="connsiteX6" y="connsiteY6"/>
-                </a:cxn>
-                <a:cxn ang="0">
-                  <a:pos x="connsiteX7" y="connsiteY7"/>
-                </a:cxn>
-                <a:cxn ang="0">
-                  <a:pos x="connsiteX8" y="connsiteY8"/>
-                </a:cxn>
-                <a:cxn ang="0">
-                  <a:pos x="connsiteX9" y="connsiteY9"/>
-                </a:cxn>
-                <a:cxn ang="0">
-                  <a:pos x="connsiteX10" y="connsiteY10"/>
-                </a:cxn>
-                <a:cxn ang="0">
-                  <a:pos x="connsiteX11" y="connsiteY11"/>
-                </a:cxn>
-                <a:cxn ang="0">
-                  <a:pos x="connsiteX12" y="connsiteY12"/>
-                </a:cxn>
-                <a:cxn ang="0">
-                  <a:pos x="connsiteX13" y="connsiteY13"/>
-                </a:cxn>
-                <a:cxn ang="0">
-                  <a:pos x="connsiteX14" y="connsiteY14"/>
-                </a:cxn>
-                <a:cxn ang="0">
-                  <a:pos x="connsiteX15" y="connsiteY15"/>
-                </a:cxn>
-                <a:cxn ang="0">
-                  <a:pos x="connsiteX16" y="connsiteY16"/>
-                </a:cxn>
-                <a:cxn ang="0">
-                  <a:pos x="connsiteX17" y="connsiteY17"/>
-                </a:cxn>
-                <a:cxn ang="0">
-                  <a:pos x="connsiteX18" y="connsiteY18"/>
-                </a:cxn>
-                <a:cxn ang="0">
-                  <a:pos x="connsiteX19" y="connsiteY19"/>
-                </a:cxn>
-                <a:cxn ang="0">
-                  <a:pos x="connsiteX20" y="connsiteY20"/>
-                </a:cxn>
-                <a:cxn ang="0">
-                  <a:pos x="connsiteX21" y="connsiteY21"/>
-                </a:cxn>
-                <a:cxn ang="0">
-                  <a:pos x="connsiteX22" y="connsiteY22"/>
-                </a:cxn>
-                <a:cxn ang="0">
-                  <a:pos x="connsiteX23" y="connsiteY23"/>
-                </a:cxn>
-                <a:cxn ang="0">
-                  <a:pos x="connsiteX24" y="connsiteY24"/>
-                </a:cxn>
-                <a:cxn ang="0">
-                  <a:pos x="connsiteX25" y="connsiteY25"/>
-                </a:cxn>
-                <a:cxn ang="0">
-                  <a:pos x="connsiteX26" y="connsiteY26"/>
-                </a:cxn>
-                <a:cxn ang="0">
-                  <a:pos x="connsiteX27" y="connsiteY27"/>
-                </a:cxn>
-                <a:cxn ang="0">
-                  <a:pos x="connsiteX28" y="connsiteY28"/>
-                </a:cxn>
-                <a:cxn ang="0">
-                  <a:pos x="connsiteX29" y="connsiteY29"/>
-                </a:cxn>
-                <a:cxn ang="0">
-                  <a:pos x="connsiteX30" y="connsiteY30"/>
-                </a:cxn>
-                <a:cxn ang="0">
-                  <a:pos x="connsiteX31" y="connsiteY31"/>
-                </a:cxn>
-              </a:cxnLst>
-              <a:rect l="l" t="t" r="r" b="b"/>
-              <a:pathLst>
-                <a:path w="2514948" h="2170178">
-                  <a:moveTo>
-                    <a:pt x="2466091" y="0"/>
-                  </a:moveTo>
-                  <a:lnTo>
-                    <a:pt x="2514948" y="0"/>
-                  </a:lnTo>
-                  <a:lnTo>
-                    <a:pt x="2512286" y="12375"/>
-                  </a:lnTo>
-                  <a:cubicBezTo>
-                    <a:pt x="2481760" y="133161"/>
-                    <a:pt x="2442526" y="252239"/>
-                    <a:pt x="2394961" y="368660"/>
-                  </a:cubicBezTo>
-                  <a:cubicBezTo>
-                    <a:pt x="2363109" y="446208"/>
-                    <a:pt x="2328603" y="523039"/>
-                    <a:pt x="2289734" y="598078"/>
-                  </a:cubicBezTo>
-                  <a:cubicBezTo>
-                    <a:pt x="2251436" y="673387"/>
-                    <a:pt x="2209251" y="747083"/>
-                    <a:pt x="2163747" y="819078"/>
-                  </a:cubicBezTo>
-                  <a:cubicBezTo>
-                    <a:pt x="2072646" y="962979"/>
-                    <a:pt x="1968652" y="1100611"/>
-                    <a:pt x="1852241" y="1228932"/>
-                  </a:cubicBezTo>
-                  <a:cubicBezTo>
-                    <a:pt x="1793748" y="1292868"/>
-                    <a:pt x="1732698" y="1354923"/>
-                    <a:pt x="1668235" y="1413844"/>
-                  </a:cubicBezTo>
-                  <a:cubicBezTo>
-                    <a:pt x="1652214" y="1428709"/>
-                    <a:pt x="1636100" y="1443395"/>
-                    <a:pt x="1619510" y="1457722"/>
-                  </a:cubicBezTo>
-                  <a:cubicBezTo>
-                    <a:pt x="1603015" y="1472140"/>
-                    <a:pt x="1586805" y="1486825"/>
-                    <a:pt x="1569835" y="1500704"/>
-                  </a:cubicBezTo>
-                  <a:cubicBezTo>
-                    <a:pt x="1536276" y="1528911"/>
-                    <a:pt x="1501865" y="1556223"/>
-                    <a:pt x="1467169" y="1583266"/>
-                  </a:cubicBezTo>
-                  <a:cubicBezTo>
-                    <a:pt x="1327719" y="1690722"/>
-                    <a:pt x="1177085" y="1785910"/>
-                    <a:pt x="1018393" y="1867576"/>
-                  </a:cubicBezTo>
-                  <a:cubicBezTo>
-                    <a:pt x="780425" y="1990142"/>
-                    <a:pt x="522567" y="2080875"/>
-                    <a:pt x="255857" y="2133049"/>
-                  </a:cubicBezTo>
-                  <a:lnTo>
-                    <a:pt x="0" y="2170178"/>
-                  </a:lnTo>
-                  <a:lnTo>
-                    <a:pt x="0" y="1940056"/>
-                  </a:lnTo>
-                  <a:lnTo>
-                    <a:pt x="201609" y="1902856"/>
-                  </a:lnTo>
-                  <a:cubicBezTo>
-                    <a:pt x="282186" y="1884231"/>
-                    <a:pt x="362102" y="1863008"/>
-                    <a:pt x="440974" y="1838472"/>
-                  </a:cubicBezTo>
-                  <a:cubicBezTo>
-                    <a:pt x="519848" y="1814027"/>
-                    <a:pt x="597771" y="1786627"/>
-                    <a:pt x="674558" y="1756359"/>
-                  </a:cubicBezTo>
-                  <a:cubicBezTo>
-                    <a:pt x="751250" y="1726003"/>
-                    <a:pt x="826900" y="1692870"/>
-                    <a:pt x="901222" y="1657142"/>
-                  </a:cubicBezTo>
-                  <a:cubicBezTo>
-                    <a:pt x="1049865" y="1585774"/>
-                    <a:pt x="1193581" y="1504376"/>
-                    <a:pt x="1330943" y="1413396"/>
-                  </a:cubicBezTo>
-                  <a:cubicBezTo>
-                    <a:pt x="1365165" y="1390563"/>
-                    <a:pt x="1399293" y="1367370"/>
-                    <a:pt x="1432566" y="1343193"/>
-                  </a:cubicBezTo>
-                  <a:cubicBezTo>
-                    <a:pt x="1449441" y="1331373"/>
-                    <a:pt x="1465936" y="1319104"/>
-                    <a:pt x="1482527" y="1306926"/>
-                  </a:cubicBezTo>
-                  <a:cubicBezTo>
-                    <a:pt x="1499210" y="1294837"/>
-                    <a:pt x="1515611" y="1282391"/>
-                    <a:pt x="1531821" y="1269765"/>
-                  </a:cubicBezTo>
-                  <a:cubicBezTo>
-                    <a:pt x="1596947" y="1219350"/>
-                    <a:pt x="1660652" y="1167055"/>
-                    <a:pt x="1721986" y="1112073"/>
-                  </a:cubicBezTo>
-                  <a:cubicBezTo>
-                    <a:pt x="1844940" y="1002469"/>
-                    <a:pt x="1958983" y="882926"/>
-                    <a:pt x="2061460" y="754336"/>
-                  </a:cubicBezTo>
-                  <a:cubicBezTo>
-                    <a:pt x="2112652" y="690042"/>
-                    <a:pt x="2161094" y="623510"/>
-                    <a:pt x="2206218" y="554827"/>
-                  </a:cubicBezTo>
-                  <a:cubicBezTo>
-                    <a:pt x="2250583" y="485787"/>
-                    <a:pt x="2292484" y="415046"/>
-                    <a:pt x="2329455" y="341886"/>
-                  </a:cubicBezTo>
-                  <a:cubicBezTo>
-                    <a:pt x="2339030" y="323709"/>
-                    <a:pt x="2347941" y="305261"/>
-                    <a:pt x="2356757" y="286815"/>
-                  </a:cubicBezTo>
-                  <a:lnTo>
-                    <a:pt x="2370030" y="259056"/>
-                  </a:lnTo>
-                  <a:lnTo>
-                    <a:pt x="2382637" y="231028"/>
-                  </a:lnTo>
-                  <a:cubicBezTo>
-                    <a:pt x="2390885" y="212312"/>
-                    <a:pt x="2399227" y="193598"/>
-                    <a:pt x="2406716" y="174525"/>
-                  </a:cubicBezTo>
-                  <a:cubicBezTo>
-                    <a:pt x="2414206" y="155452"/>
-                    <a:pt x="2422453" y="136646"/>
-                    <a:pt x="2429278" y="117393"/>
-                  </a:cubicBezTo>
-                  <a:close/>
-                </a:path>
-              </a:pathLst>
-            </a:custGeom>
-            <a:grpFill/>
-            <a:ln>
-              <a:noFill/>
-            </a:ln>
-          </p:spPr>
-          <p:style>
-            <a:lnRef idx="2">
-              <a:schemeClr val="accent1">
-                <a:shade val="50000"/>
-              </a:schemeClr>
-            </a:lnRef>
-            <a:fillRef idx="1">
-              <a:schemeClr val="accent1"/>
-            </a:fillRef>
-            <a:effectRef idx="0">
-              <a:schemeClr val="accent1"/>
-            </a:effectRef>
-            <a:fontRef idx="minor">
-              <a:schemeClr val="lt1"/>
-            </a:fontRef>
-          </p:style>
-          <p:txBody>
-            <a:bodyPr rtlCol="0" anchor="ctr"/>
-            <a:lstStyle/>
-            <a:p>
-              <a:pPr algn="ctr"/>
-              <a:endParaRPr lang="en-US"/>
-            </a:p>
-          </p:txBody>
-        </p:sp>
-        <p:sp>
-          <p:nvSpPr>
-            <p:cNvPr id="20" name="Freeform: Shape 19">
-              <a:extLst>
-                <a:ext uri="{FF2B5EF4-FFF2-40B4-BE49-F238E27FC236}">
-                  <a16:creationId xmlns:a16="http://schemas.microsoft.com/office/drawing/2014/main" id="{B7A74D36-2D04-DB08-C78E-38F368C50810}"/>
-                </a:ext>
-                <a:ext uri="{C183D7F6-B498-43B3-948B-1728B52AA6E4}">
-                  <adec:decorative xmlns:adec="http://schemas.microsoft.com/office/drawing/2017/decorative" val="1"/>
-                </a:ext>
-              </a:extLst>
-            </p:cNvPr>
-            <p:cNvSpPr/>
-            <p:nvPr>
-              <p:extLst>
-                <p:ext uri="{386F3935-93C4-4BCD-93E2-E3B085C9AB24}">
-                  <p16:designElem xmlns:p16="http://schemas.microsoft.com/office/powerpoint/2015/main" val="1"/>
-                </p:ext>
-              </p:extLst>
-            </p:nvPr>
-          </p:nvSpPr>
-          <p:spPr>
-            <a:xfrm>
-              <a:off x="-305" y="-4155"/>
-              <a:ext cx="2493062" cy="1947896"/>
-            </a:xfrm>
-            <a:custGeom>
-              <a:avLst/>
-              <a:gdLst>
-                <a:gd name="connsiteX0" fmla="*/ 1896911 w 2493062"/>
-                <a:gd name="connsiteY0" fmla="*/ 0 h 1947896"/>
-                <a:gd name="connsiteX1" fmla="*/ 2493062 w 2493062"/>
-                <a:gd name="connsiteY1" fmla="*/ 0 h 1947896"/>
-                <a:gd name="connsiteX2" fmla="*/ 2435315 w 2493062"/>
-                <a:gd name="connsiteY2" fmla="*/ 178165 h 1947896"/>
-                <a:gd name="connsiteX3" fmla="*/ 93066 w 2493062"/>
-                <a:gd name="connsiteY3" fmla="*/ 1935859 h 1947896"/>
-                <a:gd name="connsiteX4" fmla="*/ 0 w 2493062"/>
-                <a:gd name="connsiteY4" fmla="*/ 1947896 h 1947896"/>
-                <a:gd name="connsiteX5" fmla="*/ 0 w 2493062"/>
-                <a:gd name="connsiteY5" fmla="*/ 1404756 h 1947896"/>
-                <a:gd name="connsiteX6" fmla="*/ 17392 w 2493062"/>
-                <a:gd name="connsiteY6" fmla="*/ 1402364 h 1947896"/>
-                <a:gd name="connsiteX7" fmla="*/ 464249 w 2493062"/>
-                <a:gd name="connsiteY7" fmla="*/ 1281208 h 1947896"/>
-                <a:gd name="connsiteX8" fmla="*/ 1260556 w 2493062"/>
-                <a:gd name="connsiteY8" fmla="*/ 833835 h 1947896"/>
-                <a:gd name="connsiteX9" fmla="*/ 1807924 w 2493062"/>
-                <a:gd name="connsiteY9" fmla="*/ 193222 h 1947896"/>
-                <a:gd name="connsiteX10" fmla="*/ 1874357 w 2493062"/>
-                <a:gd name="connsiteY10" fmla="*/ 58333 h 1947896"/>
-              </a:gdLst>
-              <a:ahLst/>
-              <a:cxnLst>
-                <a:cxn ang="0">
-                  <a:pos x="connsiteX0" y="connsiteY0"/>
-                </a:cxn>
-                <a:cxn ang="0">
-                  <a:pos x="connsiteX1" y="connsiteY1"/>
-                </a:cxn>
-                <a:cxn ang="0">
-                  <a:pos x="connsiteX2" y="connsiteY2"/>
-                </a:cxn>
-                <a:cxn ang="0">
-                  <a:pos x="connsiteX3" y="connsiteY3"/>
-                </a:cxn>
-                <a:cxn ang="0">
-                  <a:pos x="connsiteX4" y="connsiteY4"/>
-                </a:cxn>
-                <a:cxn ang="0">
-                  <a:pos x="connsiteX5" y="connsiteY5"/>
-                </a:cxn>
-                <a:cxn ang="0">
-                  <a:pos x="connsiteX6" y="connsiteY6"/>
-                </a:cxn>
-                <a:cxn ang="0">
-                  <a:pos x="connsiteX7" y="connsiteY7"/>
-                </a:cxn>
-                <a:cxn ang="0">
-                  <a:pos x="connsiteX8" y="connsiteY8"/>
-                </a:cxn>
-                <a:cxn ang="0">
-                  <a:pos x="connsiteX9" y="connsiteY9"/>
-                </a:cxn>
-                <a:cxn ang="0">
-                  <a:pos x="connsiteX10" y="connsiteY10"/>
-                </a:cxn>
-              </a:cxnLst>
-              <a:rect l="l" t="t" r="r" b="b"/>
-              <a:pathLst>
-                <a:path w="2493062" h="1947896">
-                  <a:moveTo>
-                    <a:pt x="1896911" y="0"/>
-                  </a:moveTo>
-                  <a:lnTo>
-                    <a:pt x="2493062" y="0"/>
-                  </a:lnTo>
-                  <a:lnTo>
-                    <a:pt x="2435315" y="178165"/>
-                  </a:lnTo>
-                  <a:cubicBezTo>
-                    <a:pt x="2088122" y="1071812"/>
-                    <a:pt x="1129732" y="1758033"/>
-                    <a:pt x="93066" y="1935859"/>
-                  </a:cubicBezTo>
-                  <a:lnTo>
-                    <a:pt x="0" y="1947896"/>
-                  </a:lnTo>
-                  <a:lnTo>
-                    <a:pt x="0" y="1404756"/>
-                  </a:lnTo>
-                  <a:lnTo>
-                    <a:pt x="17392" y="1402364"/>
-                  </a:lnTo>
-                  <a:cubicBezTo>
-                    <a:pt x="167719" y="1375030"/>
-                    <a:pt x="318070" y="1334398"/>
-                    <a:pt x="464249" y="1281208"/>
-                  </a:cubicBezTo>
-                  <a:cubicBezTo>
-                    <a:pt x="753480" y="1176081"/>
-                    <a:pt x="1028869" y="1021346"/>
-                    <a:pt x="1260556" y="833835"/>
-                  </a:cubicBezTo>
-                  <a:cubicBezTo>
-                    <a:pt x="1491960" y="646594"/>
-                    <a:pt x="1681177" y="425056"/>
-                    <a:pt x="1807924" y="193222"/>
-                  </a:cubicBezTo>
-                  <a:cubicBezTo>
-                    <a:pt x="1832328" y="148578"/>
-                    <a:pt x="1854477" y="103599"/>
-                    <a:pt x="1874357" y="58333"/>
-                  </a:cubicBezTo>
-                  <a:close/>
-                </a:path>
-              </a:pathLst>
-            </a:custGeom>
-            <a:grpFill/>
-            <a:ln>
-              <a:noFill/>
-            </a:ln>
-          </p:spPr>
-          <p:style>
-            <a:lnRef idx="2">
-              <a:schemeClr val="accent1">
-                <a:shade val="50000"/>
-              </a:schemeClr>
-            </a:lnRef>
-            <a:fillRef idx="1">
-              <a:schemeClr val="accent1"/>
-            </a:fillRef>
-            <a:effectRef idx="0">
-              <a:schemeClr val="accent1"/>
-            </a:effectRef>
-            <a:fontRef idx="minor">
-              <a:schemeClr val="lt1"/>
-            </a:fontRef>
-          </p:style>
-          <p:txBody>
-            <a:bodyPr rtlCol="0" anchor="ctr"/>
-            <a:lstStyle/>
-            <a:p>
-              <a:pPr algn="ctr"/>
-              <a:endParaRPr lang="en-US"/>
-            </a:p>
-          </p:txBody>
-        </p:sp>
-        <p:sp>
-          <p:nvSpPr>
-            <p:cNvPr id="21" name="Freeform: Shape 20">
-              <a:extLst>
-                <a:ext uri="{FF2B5EF4-FFF2-40B4-BE49-F238E27FC236}">
-                  <a16:creationId xmlns:a16="http://schemas.microsoft.com/office/drawing/2014/main" id="{B7FB277B-4404-CE00-EDD6-3836ACFDB357}"/>
-                </a:ext>
-                <a:ext uri="{C183D7F6-B498-43B3-948B-1728B52AA6E4}">
-                  <adec:decorative xmlns:adec="http://schemas.microsoft.com/office/drawing/2017/decorative" val="1"/>
-                </a:ext>
-              </a:extLst>
-            </p:cNvPr>
-            <p:cNvSpPr/>
-            <p:nvPr>
-              <p:extLst>
-                <p:ext uri="{386F3935-93C4-4BCD-93E2-E3B085C9AB24}">
-                  <p16:designElem xmlns:p16="http://schemas.microsoft.com/office/powerpoint/2015/main" val="1"/>
-                </p:ext>
-              </p:extLst>
-            </p:nvPr>
-          </p:nvSpPr>
-          <p:spPr>
-            <a:xfrm>
-              <a:off x="-305" y="0"/>
-              <a:ext cx="2501089" cy="1972702"/>
-            </a:xfrm>
-            <a:custGeom>
-              <a:avLst/>
-              <a:gdLst>
-                <a:gd name="connsiteX0" fmla="*/ 2318728 w 2501089"/>
-                <a:gd name="connsiteY0" fmla="*/ 0 h 1972702"/>
-                <a:gd name="connsiteX1" fmla="*/ 2501089 w 2501089"/>
-                <a:gd name="connsiteY1" fmla="*/ 0 h 1972702"/>
-                <a:gd name="connsiteX2" fmla="*/ 2453909 w 2501089"/>
-                <a:gd name="connsiteY2" fmla="*/ 167837 h 1972702"/>
-                <a:gd name="connsiteX3" fmla="*/ 2361125 w 2501089"/>
-                <a:gd name="connsiteY3" fmla="*/ 392084 h 1972702"/>
-                <a:gd name="connsiteX4" fmla="*/ 1768255 w 2501089"/>
-                <a:gd name="connsiteY4" fmla="*/ 1167644 h 1972702"/>
-                <a:gd name="connsiteX5" fmla="*/ 1375125 w 2501089"/>
-                <a:gd name="connsiteY5" fmla="*/ 1471474 h 1972702"/>
-                <a:gd name="connsiteX6" fmla="*/ 935735 w 2501089"/>
-                <a:gd name="connsiteY6" fmla="*/ 1712713 h 1972702"/>
-                <a:gd name="connsiteX7" fmla="*/ 212353 w 2501089"/>
-                <a:gd name="connsiteY7" fmla="*/ 1940294 h 1972702"/>
-                <a:gd name="connsiteX8" fmla="*/ 0 w 2501089"/>
-                <a:gd name="connsiteY8" fmla="*/ 1972702 h 1972702"/>
-                <a:gd name="connsiteX9" fmla="*/ 0 w 2501089"/>
-                <a:gd name="connsiteY9" fmla="*/ 1732181 h 1972702"/>
-                <a:gd name="connsiteX10" fmla="*/ 161195 w 2501089"/>
-                <a:gd name="connsiteY10" fmla="*/ 1706590 h 1972702"/>
-                <a:gd name="connsiteX11" fmla="*/ 388463 w 2501089"/>
-                <a:gd name="connsiteY11" fmla="*/ 1652268 h 1972702"/>
-                <a:gd name="connsiteX12" fmla="*/ 826716 w 2501089"/>
-                <a:gd name="connsiteY12" fmla="*/ 1493950 h 1972702"/>
-                <a:gd name="connsiteX13" fmla="*/ 1609847 w 2501089"/>
-                <a:gd name="connsiteY13" fmla="*/ 1007535 h 1972702"/>
-                <a:gd name="connsiteX14" fmla="*/ 1929982 w 2501089"/>
-                <a:gd name="connsiteY14" fmla="*/ 682930 h 1972702"/>
-                <a:gd name="connsiteX15" fmla="*/ 2183093 w 2501089"/>
-                <a:gd name="connsiteY15" fmla="*/ 310149 h 1972702"/>
-                <a:gd name="connsiteX16" fmla="*/ 2280286 w 2501089"/>
-                <a:gd name="connsiteY16" fmla="*/ 108435 h 1972702"/>
-              </a:gdLst>
-              <a:ahLst/>
-              <a:cxnLst>
-                <a:cxn ang="0">
-                  <a:pos x="connsiteX0" y="connsiteY0"/>
-                </a:cxn>
-                <a:cxn ang="0">
-                  <a:pos x="connsiteX1" y="connsiteY1"/>
-                </a:cxn>
-                <a:cxn ang="0">
-                  <a:pos x="connsiteX2" y="connsiteY2"/>
-                </a:cxn>
-                <a:cxn ang="0">
-                  <a:pos x="connsiteX3" y="connsiteY3"/>
-                </a:cxn>
-                <a:cxn ang="0">
-                  <a:pos x="connsiteX4" y="connsiteY4"/>
-                </a:cxn>
-                <a:cxn ang="0">
-                  <a:pos x="connsiteX5" y="connsiteY5"/>
-                </a:cxn>
-                <a:cxn ang="0">
-                  <a:pos x="connsiteX6" y="connsiteY6"/>
-                </a:cxn>
-                <a:cxn ang="0">
-                  <a:pos x="connsiteX7" y="connsiteY7"/>
-                </a:cxn>
-                <a:cxn ang="0">
-                  <a:pos x="connsiteX8" y="connsiteY8"/>
-                </a:cxn>
-                <a:cxn ang="0">
-                  <a:pos x="connsiteX9" y="connsiteY9"/>
-                </a:cxn>
-                <a:cxn ang="0">
-                  <a:pos x="connsiteX10" y="connsiteY10"/>
-                </a:cxn>
-                <a:cxn ang="0">
-                  <a:pos x="connsiteX11" y="connsiteY11"/>
-                </a:cxn>
-                <a:cxn ang="0">
-                  <a:pos x="connsiteX12" y="connsiteY12"/>
-                </a:cxn>
-                <a:cxn ang="0">
-                  <a:pos x="connsiteX13" y="connsiteY13"/>
-                </a:cxn>
-                <a:cxn ang="0">
-                  <a:pos x="connsiteX14" y="connsiteY14"/>
-                </a:cxn>
-                <a:cxn ang="0">
-                  <a:pos x="connsiteX15" y="connsiteY15"/>
-                </a:cxn>
-                <a:cxn ang="0">
-                  <a:pos x="connsiteX16" y="connsiteY16"/>
-                </a:cxn>
-              </a:cxnLst>
-              <a:rect l="l" t="t" r="r" b="b"/>
-              <a:pathLst>
-                <a:path w="2501089" h="1972702">
-                  <a:moveTo>
-                    <a:pt x="2318728" y="0"/>
-                  </a:moveTo>
-                  <a:lnTo>
-                    <a:pt x="2501089" y="0"/>
-                  </a:lnTo>
-                  <a:lnTo>
-                    <a:pt x="2453909" y="167837"/>
-                  </a:lnTo>
-                  <a:cubicBezTo>
-                    <a:pt x="2427555" y="244153"/>
-                    <a:pt x="2396627" y="319103"/>
-                    <a:pt x="2361125" y="392084"/>
-                  </a:cubicBezTo>
-                  <a:cubicBezTo>
-                    <a:pt x="2218453" y="684005"/>
-                    <a:pt x="2011698" y="945211"/>
-                    <a:pt x="1768255" y="1167644"/>
-                  </a:cubicBezTo>
-                  <a:cubicBezTo>
-                    <a:pt x="1646250" y="1278860"/>
-                    <a:pt x="1514385" y="1380316"/>
-                    <a:pt x="1375125" y="1471474"/>
-                  </a:cubicBezTo>
-                  <a:cubicBezTo>
-                    <a:pt x="1235677" y="1562542"/>
-                    <a:pt x="1088928" y="1643672"/>
-                    <a:pt x="935735" y="1712713"/>
-                  </a:cubicBezTo>
-                  <a:cubicBezTo>
-                    <a:pt x="705659" y="1815533"/>
-                    <a:pt x="462359" y="1892212"/>
-                    <a:pt x="212353" y="1940294"/>
-                  </a:cubicBezTo>
-                  <a:lnTo>
-                    <a:pt x="0" y="1972702"/>
-                  </a:lnTo>
-                  <a:lnTo>
-                    <a:pt x="0" y="1732181"/>
-                  </a:lnTo>
-                  <a:lnTo>
-                    <a:pt x="161195" y="1706590"/>
-                  </a:lnTo>
-                  <a:cubicBezTo>
-                    <a:pt x="237638" y="1691378"/>
-                    <a:pt x="313477" y="1673222"/>
-                    <a:pt x="388463" y="1652268"/>
-                  </a:cubicBezTo>
-                  <a:cubicBezTo>
-                    <a:pt x="538529" y="1610539"/>
-                    <a:pt x="684898" y="1556543"/>
-                    <a:pt x="826716" y="1493950"/>
-                  </a:cubicBezTo>
-                  <a:cubicBezTo>
-                    <a:pt x="1111207" y="1370107"/>
-                    <a:pt x="1376832" y="1205881"/>
-                    <a:pt x="1609847" y="1007535"/>
-                  </a:cubicBezTo>
-                  <a:cubicBezTo>
-                    <a:pt x="1725975" y="908049"/>
-                    <a:pt x="1833571" y="799519"/>
-                    <a:pt x="1929982" y="682930"/>
-                  </a:cubicBezTo>
-                  <a:cubicBezTo>
-                    <a:pt x="2026581" y="566520"/>
-                    <a:pt x="2111806" y="441692"/>
-                    <a:pt x="2183093" y="310149"/>
-                  </a:cubicBezTo>
-                  <a:cubicBezTo>
-                    <a:pt x="2218738" y="244422"/>
-                    <a:pt x="2251396" y="177150"/>
-                    <a:pt x="2280286" y="108435"/>
-                  </a:cubicBezTo>
-                  <a:close/>
-                </a:path>
-              </a:pathLst>
-            </a:custGeom>
-            <a:grpFill/>
-            <a:ln>
-              <a:noFill/>
-            </a:ln>
-          </p:spPr>
-          <p:style>
-            <a:lnRef idx="2">
-              <a:schemeClr val="accent1">
-                <a:shade val="50000"/>
-              </a:schemeClr>
-            </a:lnRef>
-            <a:fillRef idx="1">
-              <a:schemeClr val="accent1"/>
-            </a:fillRef>
-            <a:effectRef idx="0">
-              <a:schemeClr val="accent1"/>
-            </a:effectRef>
-            <a:fontRef idx="minor">
-              <a:schemeClr val="lt1"/>
-            </a:fontRef>
-          </p:style>
-          <p:txBody>
-            <a:bodyPr wrap="square" rtlCol="0" anchor="ctr">
-              <a:noAutofit/>
-            </a:bodyPr>
-            <a:lstStyle/>
-            <a:p>
-              <a:pPr algn="ctr"/>
-              <a:endParaRPr lang="en-US" sz="800"/>
-            </a:p>
-          </p:txBody>
-        </p:sp>
-        <p:sp>
-          <p:nvSpPr>
-            <p:cNvPr id="22" name="Freeform: Shape 21">
-              <a:extLst>
-                <a:ext uri="{FF2B5EF4-FFF2-40B4-BE49-F238E27FC236}">
-                  <a16:creationId xmlns:a16="http://schemas.microsoft.com/office/drawing/2014/main" id="{B8C9C2C8-6FCC-06A4-B816-E6225059C42C}"/>
-                </a:ext>
-                <a:ext uri="{C183D7F6-B498-43B3-948B-1728B52AA6E4}">
-                  <adec:decorative xmlns:adec="http://schemas.microsoft.com/office/drawing/2017/decorative" val="1"/>
-                </a:ext>
-              </a:extLst>
-            </p:cNvPr>
-            <p:cNvSpPr/>
-            <p:nvPr>
-              <p:extLst>
-                <p:ext uri="{386F3935-93C4-4BCD-93E2-E3B085C9AB24}">
-                  <p16:designElem xmlns:p16="http://schemas.microsoft.com/office/powerpoint/2015/main" val="1"/>
-                </p:ext>
-              </p:extLst>
-            </p:nvPr>
-          </p:nvSpPr>
-          <p:spPr>
-            <a:xfrm>
-              <a:off x="305" y="1"/>
-              <a:ext cx="2491105" cy="1943661"/>
-            </a:xfrm>
-            <a:custGeom>
-              <a:avLst/>
-              <a:gdLst>
-                <a:gd name="connsiteX0" fmla="*/ 1995408 w 2491105"/>
-                <a:gd name="connsiteY0" fmla="*/ 0 h 1943661"/>
-                <a:gd name="connsiteX1" fmla="*/ 2491105 w 2491105"/>
-                <a:gd name="connsiteY1" fmla="*/ 0 h 1943661"/>
-                <a:gd name="connsiteX2" fmla="*/ 2434705 w 2491105"/>
-                <a:gd name="connsiteY2" fmla="*/ 174009 h 1943661"/>
-                <a:gd name="connsiteX3" fmla="*/ 92457 w 2491105"/>
-                <a:gd name="connsiteY3" fmla="*/ 1931703 h 1943661"/>
-                <a:gd name="connsiteX4" fmla="*/ 0 w 2491105"/>
-                <a:gd name="connsiteY4" fmla="*/ 1943661 h 1943661"/>
-                <a:gd name="connsiteX5" fmla="*/ 0 w 2491105"/>
-                <a:gd name="connsiteY5" fmla="*/ 1491489 h 1943661"/>
-                <a:gd name="connsiteX6" fmla="*/ 34107 w 2491105"/>
-                <a:gd name="connsiteY6" fmla="*/ 1486836 h 1943661"/>
-                <a:gd name="connsiteX7" fmla="*/ 497577 w 2491105"/>
-                <a:gd name="connsiteY7" fmla="*/ 1360598 h 1943661"/>
-                <a:gd name="connsiteX8" fmla="*/ 1321566 w 2491105"/>
-                <a:gd name="connsiteY8" fmla="*/ 897645 h 1943661"/>
-                <a:gd name="connsiteX9" fmla="*/ 1891495 w 2491105"/>
-                <a:gd name="connsiteY9" fmla="*/ 230078 h 1943661"/>
-                <a:gd name="connsiteX10" fmla="*/ 1961469 w 2491105"/>
-                <a:gd name="connsiteY10" fmla="*/ 87885 h 1943661"/>
-              </a:gdLst>
-              <a:ahLst/>
-              <a:cxnLst>
-                <a:cxn ang="0">
-                  <a:pos x="connsiteX0" y="connsiteY0"/>
-                </a:cxn>
-                <a:cxn ang="0">
-                  <a:pos x="connsiteX1" y="connsiteY1"/>
-                </a:cxn>
-                <a:cxn ang="0">
-                  <a:pos x="connsiteX2" y="connsiteY2"/>
-                </a:cxn>
-                <a:cxn ang="0">
-                  <a:pos x="connsiteX3" y="connsiteY3"/>
-                </a:cxn>
-                <a:cxn ang="0">
-                  <a:pos x="connsiteX4" y="connsiteY4"/>
-                </a:cxn>
-                <a:cxn ang="0">
-                  <a:pos x="connsiteX5" y="connsiteY5"/>
-                </a:cxn>
-                <a:cxn ang="0">
-                  <a:pos x="connsiteX6" y="connsiteY6"/>
-                </a:cxn>
-                <a:cxn ang="0">
-                  <a:pos x="connsiteX7" y="connsiteY7"/>
-                </a:cxn>
-                <a:cxn ang="0">
-                  <a:pos x="connsiteX8" y="connsiteY8"/>
-                </a:cxn>
-                <a:cxn ang="0">
-                  <a:pos x="connsiteX9" y="connsiteY9"/>
-                </a:cxn>
-                <a:cxn ang="0">
-                  <a:pos x="connsiteX10" y="connsiteY10"/>
-                </a:cxn>
-              </a:cxnLst>
-              <a:rect l="l" t="t" r="r" b="b"/>
-              <a:pathLst>
-                <a:path w="2491105" h="1943661">
-                  <a:moveTo>
-                    <a:pt x="1995408" y="0"/>
-                  </a:moveTo>
-                  <a:lnTo>
-                    <a:pt x="2491105" y="0"/>
-                  </a:lnTo>
-                  <a:lnTo>
-                    <a:pt x="2434705" y="174009"/>
-                  </a:lnTo>
-                  <a:cubicBezTo>
-                    <a:pt x="2087512" y="1067655"/>
-                    <a:pt x="1129122" y="1753877"/>
-                    <a:pt x="92457" y="1931703"/>
-                  </a:cubicBezTo>
-                  <a:lnTo>
-                    <a:pt x="0" y="1943661"/>
-                  </a:lnTo>
-                  <a:lnTo>
-                    <a:pt x="0" y="1491489"/>
-                  </a:lnTo>
-                  <a:lnTo>
-                    <a:pt x="34107" y="1486836"/>
-                  </a:lnTo>
-                  <a:cubicBezTo>
-                    <a:pt x="189055" y="1458696"/>
-                    <a:pt x="343908" y="1416565"/>
-                    <a:pt x="497577" y="1360598"/>
-                  </a:cubicBezTo>
-                  <a:cubicBezTo>
-                    <a:pt x="796856" y="1251889"/>
-                    <a:pt x="1081725" y="1091781"/>
-                    <a:pt x="1321566" y="897645"/>
-                  </a:cubicBezTo>
-                  <a:cubicBezTo>
-                    <a:pt x="1565577" y="700195"/>
-                    <a:pt x="1757355" y="475523"/>
-                    <a:pt x="1891495" y="230078"/>
-                  </a:cubicBezTo>
-                  <a:cubicBezTo>
-                    <a:pt x="1917197" y="183033"/>
-                    <a:pt x="1940526" y="135619"/>
-                    <a:pt x="1961469" y="87885"/>
-                  </a:cubicBezTo>
-                  <a:close/>
-                </a:path>
-              </a:pathLst>
-            </a:custGeom>
-            <a:grpFill/>
-            <a:ln>
-              <a:noFill/>
-            </a:ln>
-          </p:spPr>
-          <p:style>
-            <a:lnRef idx="2">
-              <a:schemeClr val="accent1">
-                <a:shade val="50000"/>
-              </a:schemeClr>
-            </a:lnRef>
-            <a:fillRef idx="1">
-              <a:schemeClr val="accent1"/>
-            </a:fillRef>
-            <a:effectRef idx="0">
-              <a:schemeClr val="accent1"/>
-            </a:effectRef>
-            <a:fontRef idx="minor">
-              <a:schemeClr val="lt1"/>
-            </a:fontRef>
-          </p:style>
-          <p:txBody>
-            <a:bodyPr rtlCol="0" anchor="ctr"/>
-            <a:lstStyle/>
-            <a:p>
-              <a:pPr algn="ctr"/>
-              <a:endParaRPr lang="en-US" dirty="0"/>
-            </a:p>
-          </p:txBody>
-        </p:sp>
-      </p:grpSp>
-      <p:sp>
-        <p:nvSpPr>
-          <p:cNvPr id="6" name="Content Placeholder 2">
-            <a:extLst>
-              <a:ext uri="{FF2B5EF4-FFF2-40B4-BE49-F238E27FC236}">
-                <a16:creationId xmlns:a16="http://schemas.microsoft.com/office/drawing/2014/main" id="{3E360C2E-9E7B-FBB6-3FFB-D444B2589396}"/>
-              </a:ext>
-            </a:extLst>
-          </p:cNvPr>
-          <p:cNvSpPr>
-            <a:spLocks noGrp="1"/>
-          </p:cNvSpPr>
-          <p:nvPr>
-            <p:ph idx="1"/>
-          </p:nvPr>
-        </p:nvSpPr>
-        <p:spPr>
-          <a:xfrm>
-            <a:off x="838200" y="2200365"/>
-            <a:ext cx="9833548" cy="3854747"/>
-          </a:xfrm>
-        </p:spPr>
-        <p:txBody>
-          <a:bodyPr>
-            <a:normAutofit/>
-          </a:bodyPr>
-          <a:lstStyle/>
-          <a:p>
-            <a:endParaRPr lang="en-IN" sz="6200" dirty="0"/>
-          </a:p>
-          <a:p>
-            <a:endParaRPr lang="en-US" sz="1800" dirty="0">
-              <a:solidFill>
-                <a:schemeClr val="tx2"/>
-              </a:solidFill>
-            </a:endParaRPr>
-          </a:p>
-        </p:txBody>
-      </p:sp>
-      <p:sp>
-        <p:nvSpPr>
-          <p:cNvPr id="7" name="Title 4">
-            <a:extLst>
-              <a:ext uri="{FF2B5EF4-FFF2-40B4-BE49-F238E27FC236}">
-                <a16:creationId xmlns:a16="http://schemas.microsoft.com/office/drawing/2014/main" id="{4DCCDA63-B202-05B7-2B24-A583C8D8349E}"/>
-              </a:ext>
-            </a:extLst>
-          </p:cNvPr>
-          <p:cNvSpPr>
-            <a:spLocks noGrp="1"/>
-          </p:cNvSpPr>
-          <p:nvPr>
-            <p:ph type="title"/>
-          </p:nvPr>
-        </p:nvSpPr>
-        <p:spPr>
-          <a:xfrm>
-            <a:off x="838200" y="365125"/>
-            <a:ext cx="10515600" cy="1325563"/>
-          </a:xfrm>
-        </p:spPr>
-        <p:txBody>
-          <a:bodyPr>
-            <a:normAutofit/>
-          </a:bodyPr>
-          <a:lstStyle/>
-          <a:p>
-            <a:r>
-              <a:rPr lang="en-IN" sz="3200" dirty="0"/>
-              <a:t>Single Agent vs Multi-Agent vs Workflow</a:t>
-            </a:r>
-            <a:endParaRPr lang="en-US" sz="3200" dirty="0"/>
-          </a:p>
-        </p:txBody>
-      </p:sp>
-      <p:graphicFrame>
-        <p:nvGraphicFramePr>
-          <p:cNvPr id="2" name="Table 1">
-            <a:extLst>
-              <a:ext uri="{FF2B5EF4-FFF2-40B4-BE49-F238E27FC236}">
-                <a16:creationId xmlns:a16="http://schemas.microsoft.com/office/drawing/2014/main" id="{2E80BBF2-2B82-5CE2-F5AD-08884DDB1B32}"/>
-              </a:ext>
-            </a:extLst>
-          </p:cNvPr>
-          <p:cNvGraphicFramePr>
-            <a:graphicFrameLocks noGrp="1"/>
-          </p:cNvGraphicFramePr>
-          <p:nvPr>
-            <p:extLst>
-              <p:ext uri="{D42A27DB-BD31-4B8C-83A1-F6EECF244321}">
-                <p14:modId xmlns:p14="http://schemas.microsoft.com/office/powerpoint/2010/main" val="1285816531"/>
-              </p:ext>
-            </p:extLst>
-          </p:nvPr>
-        </p:nvGraphicFramePr>
-        <p:xfrm>
-          <a:off x="838200" y="1893178"/>
-          <a:ext cx="10515600" cy="2560320"/>
-        </p:xfrm>
-        <a:graphic>
-          <a:graphicData uri="http://schemas.openxmlformats.org/drawingml/2006/table">
-            <a:tbl>
-              <a:tblPr/>
-              <a:tblGrid>
-                <a:gridCol w="2628900">
-                  <a:extLst>
-                    <a:ext uri="{9D8B030D-6E8A-4147-A177-3AD203B41FA5}">
-                      <a16:colId xmlns:a16="http://schemas.microsoft.com/office/drawing/2014/main" val="707876424"/>
-                    </a:ext>
-                  </a:extLst>
-                </a:gridCol>
-                <a:gridCol w="2628900">
-                  <a:extLst>
-                    <a:ext uri="{9D8B030D-6E8A-4147-A177-3AD203B41FA5}">
-                      <a16:colId xmlns:a16="http://schemas.microsoft.com/office/drawing/2014/main" val="882073345"/>
-                    </a:ext>
-                  </a:extLst>
-                </a:gridCol>
-                <a:gridCol w="2628900">
-                  <a:extLst>
-                    <a:ext uri="{9D8B030D-6E8A-4147-A177-3AD203B41FA5}">
-                      <a16:colId xmlns:a16="http://schemas.microsoft.com/office/drawing/2014/main" val="682939445"/>
-                    </a:ext>
-                  </a:extLst>
-                </a:gridCol>
-                <a:gridCol w="2628900">
-                  <a:extLst>
-                    <a:ext uri="{9D8B030D-6E8A-4147-A177-3AD203B41FA5}">
-                      <a16:colId xmlns:a16="http://schemas.microsoft.com/office/drawing/2014/main" val="1799700386"/>
-                    </a:ext>
-                  </a:extLst>
-                </a:gridCol>
-              </a:tblGrid>
-              <a:tr h="0">
-                <a:tc>
-                  <a:txBody>
-                    <a:bodyPr/>
-                    <a:lstStyle/>
-                    <a:p>
-                      <a:pPr>
-                        <a:buNone/>
-                      </a:pPr>
-                      <a:endParaRPr lang="en-IN" dirty="0"/>
-                    </a:p>
-                  </a:txBody>
-                  <a:tcPr anchor="ctr">
-                    <a:lnL>
-                      <a:noFill/>
-                    </a:lnL>
-                    <a:lnR>
-                      <a:noFill/>
-                    </a:lnR>
-                    <a:lnT>
-                      <a:noFill/>
-                    </a:lnT>
-                    <a:lnB>
-                      <a:noFill/>
-                    </a:lnB>
-                    <a:noFill/>
-                  </a:tcPr>
-                </a:tc>
-                <a:tc>
-                  <a:txBody>
-                    <a:bodyPr/>
-                    <a:lstStyle/>
-                    <a:p>
-                      <a:pPr>
-                        <a:buNone/>
-                      </a:pPr>
-                      <a:r>
-                        <a:rPr lang="en-IN" dirty="0"/>
-                        <a:t>Single Agent</a:t>
-                      </a:r>
-                    </a:p>
-                  </a:txBody>
-                  <a:tcPr anchor="ctr">
-                    <a:lnL>
-                      <a:noFill/>
-                    </a:lnL>
-                    <a:lnR>
-                      <a:noFill/>
-                    </a:lnR>
-                    <a:lnT>
-                      <a:noFill/>
-                    </a:lnT>
-                    <a:lnB>
-                      <a:noFill/>
-                    </a:lnB>
-                    <a:noFill/>
-                  </a:tcPr>
-                </a:tc>
-                <a:tc>
-                  <a:txBody>
-                    <a:bodyPr/>
-                    <a:lstStyle/>
-                    <a:p>
-                      <a:pPr>
-                        <a:buNone/>
-                      </a:pPr>
-                      <a:r>
-                        <a:rPr lang="en-IN"/>
-                        <a:t>Multi-Agent</a:t>
-                      </a:r>
-                    </a:p>
-                  </a:txBody>
-                  <a:tcPr anchor="ctr">
-                    <a:lnL>
-                      <a:noFill/>
-                    </a:lnL>
-                    <a:lnR>
-                      <a:noFill/>
-                    </a:lnR>
-                    <a:lnT>
-                      <a:noFill/>
-                    </a:lnT>
-                    <a:lnB>
-                      <a:noFill/>
-                    </a:lnB>
-                    <a:noFill/>
-                  </a:tcPr>
-                </a:tc>
-                <a:tc>
-                  <a:txBody>
-                    <a:bodyPr/>
-                    <a:lstStyle/>
-                    <a:p>
-                      <a:pPr>
-                        <a:buNone/>
-                      </a:pPr>
-                      <a:r>
-                        <a:rPr lang="en-IN"/>
-                        <a:t>Workflow</a:t>
-                      </a:r>
-                    </a:p>
-                  </a:txBody>
-                  <a:tcPr anchor="ctr">
-                    <a:lnL>
-                      <a:noFill/>
-                    </a:lnL>
-                    <a:lnR>
-                      <a:noFill/>
-                    </a:lnR>
-                    <a:lnT>
-                      <a:noFill/>
-                    </a:lnT>
-                    <a:lnB>
-                      <a:noFill/>
-                    </a:lnB>
-                    <a:noFill/>
-                  </a:tcPr>
-                </a:tc>
-                <a:extLst>
-                  <a:ext uri="{0D108BD9-81ED-4DB2-BD59-A6C34878D82A}">
-                    <a16:rowId xmlns:a16="http://schemas.microsoft.com/office/drawing/2014/main" val="2835782555"/>
-                  </a:ext>
-                </a:extLst>
-              </a:tr>
-              <a:tr h="0">
-                <a:tc>
-                  <a:txBody>
-                    <a:bodyPr/>
-                    <a:lstStyle/>
-                    <a:p>
-                      <a:pPr>
-                        <a:buNone/>
-                      </a:pPr>
-                      <a:r>
-                        <a:rPr lang="en-IN" dirty="0"/>
-                        <a:t>Autonomy</a:t>
-                      </a:r>
-                    </a:p>
-                  </a:txBody>
-                  <a:tcPr anchor="ctr">
-                    <a:lnL>
-                      <a:noFill/>
-                    </a:lnL>
-                    <a:lnR>
-                      <a:noFill/>
-                    </a:lnR>
-                    <a:lnT>
-                      <a:noFill/>
-                    </a:lnT>
-                    <a:lnB>
-                      <a:noFill/>
-                    </a:lnB>
-                    <a:noFill/>
-                  </a:tcPr>
-                </a:tc>
-                <a:tc>
-                  <a:txBody>
-                    <a:bodyPr/>
-                    <a:lstStyle/>
-                    <a:p>
-                      <a:pPr>
-                        <a:buNone/>
-                      </a:pPr>
-                      <a:r>
-                        <a:rPr lang="en-IN"/>
-                        <a:t>High</a:t>
-                      </a:r>
-                    </a:p>
-                  </a:txBody>
-                  <a:tcPr anchor="ctr">
-                    <a:lnL>
-                      <a:noFill/>
-                    </a:lnL>
-                    <a:lnR>
-                      <a:noFill/>
-                    </a:lnR>
-                    <a:lnT>
-                      <a:noFill/>
-                    </a:lnT>
-                    <a:lnB>
-                      <a:noFill/>
-                    </a:lnB>
-                    <a:noFill/>
-                  </a:tcPr>
-                </a:tc>
-                <a:tc>
-                  <a:txBody>
-                    <a:bodyPr/>
-                    <a:lstStyle/>
-                    <a:p>
-                      <a:pPr>
-                        <a:buNone/>
-                      </a:pPr>
-                      <a:r>
-                        <a:rPr lang="en-IN"/>
-                        <a:t>Distributed</a:t>
-                      </a:r>
-                    </a:p>
-                  </a:txBody>
-                  <a:tcPr anchor="ctr">
-                    <a:lnL>
-                      <a:noFill/>
-                    </a:lnL>
-                    <a:lnR>
-                      <a:noFill/>
-                    </a:lnR>
-                    <a:lnT>
-                      <a:noFill/>
-                    </a:lnT>
-                    <a:lnB>
-                      <a:noFill/>
-                    </a:lnB>
-                    <a:noFill/>
-                  </a:tcPr>
-                </a:tc>
-                <a:tc>
-                  <a:txBody>
-                    <a:bodyPr/>
-                    <a:lstStyle/>
-                    <a:p>
-                      <a:pPr>
-                        <a:buNone/>
-                      </a:pPr>
-                      <a:r>
-                        <a:rPr lang="en-IN"/>
-                        <a:t>Controlled</a:t>
-                      </a:r>
-                    </a:p>
-                  </a:txBody>
-                  <a:tcPr anchor="ctr">
-                    <a:lnL>
-                      <a:noFill/>
-                    </a:lnL>
-                    <a:lnR>
-                      <a:noFill/>
-                    </a:lnR>
-                    <a:lnT>
-                      <a:noFill/>
-                    </a:lnT>
-                    <a:lnB>
-                      <a:noFill/>
-                    </a:lnB>
-                    <a:noFill/>
-                  </a:tcPr>
-                </a:tc>
-                <a:extLst>
-                  <a:ext uri="{0D108BD9-81ED-4DB2-BD59-A6C34878D82A}">
-                    <a16:rowId xmlns:a16="http://schemas.microsoft.com/office/drawing/2014/main" val="1946957956"/>
-                  </a:ext>
-                </a:extLst>
-              </a:tr>
-              <a:tr h="0">
-                <a:tc>
-                  <a:txBody>
-                    <a:bodyPr/>
-                    <a:lstStyle/>
-                    <a:p>
-                      <a:pPr>
-                        <a:buNone/>
-                      </a:pPr>
-                      <a:r>
-                        <a:rPr lang="en-IN"/>
-                        <a:t>Flexibility</a:t>
-                      </a:r>
-                    </a:p>
-                  </a:txBody>
-                  <a:tcPr anchor="ctr">
-                    <a:lnL>
-                      <a:noFill/>
-                    </a:lnL>
-                    <a:lnR>
-                      <a:noFill/>
-                    </a:lnR>
-                    <a:lnT>
-                      <a:noFill/>
-                    </a:lnT>
-                    <a:lnB>
-                      <a:noFill/>
-                    </a:lnB>
-                    <a:noFill/>
-                  </a:tcPr>
-                </a:tc>
-                <a:tc>
-                  <a:txBody>
-                    <a:bodyPr/>
-                    <a:lstStyle/>
-                    <a:p>
-                      <a:pPr>
-                        <a:buNone/>
-                      </a:pPr>
-                      <a:r>
-                        <a:rPr lang="en-IN"/>
-                        <a:t>Medium</a:t>
-                      </a:r>
-                    </a:p>
-                  </a:txBody>
-                  <a:tcPr anchor="ctr">
-                    <a:lnL>
-                      <a:noFill/>
-                    </a:lnL>
-                    <a:lnR>
-                      <a:noFill/>
-                    </a:lnR>
-                    <a:lnT>
-                      <a:noFill/>
-                    </a:lnT>
-                    <a:lnB>
-                      <a:noFill/>
-                    </a:lnB>
-                    <a:noFill/>
-                  </a:tcPr>
-                </a:tc>
-                <a:tc>
-                  <a:txBody>
-                    <a:bodyPr/>
-                    <a:lstStyle/>
-                    <a:p>
-                      <a:pPr>
-                        <a:buNone/>
-                      </a:pPr>
-                      <a:r>
-                        <a:rPr lang="en-IN"/>
-                        <a:t>High</a:t>
-                      </a:r>
-                    </a:p>
-                  </a:txBody>
-                  <a:tcPr anchor="ctr">
-                    <a:lnL>
-                      <a:noFill/>
-                    </a:lnL>
-                    <a:lnR>
-                      <a:noFill/>
-                    </a:lnR>
-                    <a:lnT>
-                      <a:noFill/>
-                    </a:lnT>
-                    <a:lnB>
-                      <a:noFill/>
-                    </a:lnB>
-                    <a:noFill/>
-                  </a:tcPr>
-                </a:tc>
-                <a:tc>
-                  <a:txBody>
-                    <a:bodyPr/>
-                    <a:lstStyle/>
-                    <a:p>
-                      <a:pPr>
-                        <a:buNone/>
-                      </a:pPr>
-                      <a:r>
-                        <a:rPr lang="en-IN"/>
-                        <a:t>Medium</a:t>
-                      </a:r>
-                    </a:p>
-                  </a:txBody>
-                  <a:tcPr anchor="ctr">
-                    <a:lnL>
-                      <a:noFill/>
-                    </a:lnL>
-                    <a:lnR>
-                      <a:noFill/>
-                    </a:lnR>
-                    <a:lnT>
-                      <a:noFill/>
-                    </a:lnT>
-                    <a:lnB>
-                      <a:noFill/>
-                    </a:lnB>
-                    <a:noFill/>
-                  </a:tcPr>
-                </a:tc>
-                <a:extLst>
-                  <a:ext uri="{0D108BD9-81ED-4DB2-BD59-A6C34878D82A}">
-                    <a16:rowId xmlns:a16="http://schemas.microsoft.com/office/drawing/2014/main" val="3242143302"/>
-                  </a:ext>
-                </a:extLst>
-              </a:tr>
-              <a:tr h="0">
-                <a:tc>
-                  <a:txBody>
-                    <a:bodyPr/>
-                    <a:lstStyle/>
-                    <a:p>
-                      <a:pPr>
-                        <a:buNone/>
-                      </a:pPr>
-                      <a:r>
-                        <a:rPr lang="en-IN"/>
-                        <a:t>Scalability</a:t>
-                      </a:r>
-                    </a:p>
-                  </a:txBody>
-                  <a:tcPr anchor="ctr">
-                    <a:lnL>
-                      <a:noFill/>
-                    </a:lnL>
-                    <a:lnR>
-                      <a:noFill/>
-                    </a:lnR>
-                    <a:lnT>
-                      <a:noFill/>
-                    </a:lnT>
-                    <a:lnB>
-                      <a:noFill/>
-                    </a:lnB>
-                    <a:noFill/>
-                  </a:tcPr>
-                </a:tc>
-                <a:tc>
-                  <a:txBody>
-                    <a:bodyPr/>
-                    <a:lstStyle/>
-                    <a:p>
-                      <a:pPr>
-                        <a:buNone/>
-                      </a:pPr>
-                      <a:r>
-                        <a:rPr lang="en-IN"/>
-                        <a:t>Low</a:t>
-                      </a:r>
-                    </a:p>
-                  </a:txBody>
-                  <a:tcPr anchor="ctr">
-                    <a:lnL>
-                      <a:noFill/>
-                    </a:lnL>
-                    <a:lnR>
-                      <a:noFill/>
-                    </a:lnR>
-                    <a:lnT>
-                      <a:noFill/>
-                    </a:lnT>
-                    <a:lnB>
-                      <a:noFill/>
-                    </a:lnB>
-                    <a:noFill/>
-                  </a:tcPr>
-                </a:tc>
-                <a:tc>
-                  <a:txBody>
-                    <a:bodyPr/>
-                    <a:lstStyle/>
-                    <a:p>
-                      <a:pPr>
-                        <a:buNone/>
-                      </a:pPr>
-                      <a:r>
-                        <a:rPr lang="en-IN"/>
-                        <a:t>High</a:t>
-                      </a:r>
-                    </a:p>
-                  </a:txBody>
-                  <a:tcPr anchor="ctr">
-                    <a:lnL>
-                      <a:noFill/>
-                    </a:lnL>
-                    <a:lnR>
-                      <a:noFill/>
-                    </a:lnR>
-                    <a:lnT>
-                      <a:noFill/>
-                    </a:lnT>
-                    <a:lnB>
-                      <a:noFill/>
-                    </a:lnB>
-                    <a:noFill/>
-                  </a:tcPr>
-                </a:tc>
-                <a:tc>
-                  <a:txBody>
-                    <a:bodyPr/>
-                    <a:lstStyle/>
-                    <a:p>
-                      <a:pPr>
-                        <a:buNone/>
-                      </a:pPr>
-                      <a:r>
-                        <a:rPr lang="en-IN"/>
-                        <a:t>High</a:t>
-                      </a:r>
-                    </a:p>
-                  </a:txBody>
-                  <a:tcPr anchor="ctr">
-                    <a:lnL>
-                      <a:noFill/>
-                    </a:lnL>
-                    <a:lnR>
-                      <a:noFill/>
-                    </a:lnR>
-                    <a:lnT>
-                      <a:noFill/>
-                    </a:lnT>
-                    <a:lnB>
-                      <a:noFill/>
-                    </a:lnB>
-                    <a:noFill/>
-                  </a:tcPr>
-                </a:tc>
-                <a:extLst>
-                  <a:ext uri="{0D108BD9-81ED-4DB2-BD59-A6C34878D82A}">
-                    <a16:rowId xmlns:a16="http://schemas.microsoft.com/office/drawing/2014/main" val="1818162906"/>
-                  </a:ext>
-                </a:extLst>
-              </a:tr>
-              <a:tr h="0">
-                <a:tc>
-                  <a:txBody>
-                    <a:bodyPr/>
-                    <a:lstStyle/>
-                    <a:p>
-                      <a:pPr>
-                        <a:buNone/>
-                      </a:pPr>
-                      <a:r>
-                        <a:rPr lang="en-IN"/>
-                        <a:t>Complexity</a:t>
-                      </a:r>
-                    </a:p>
-                  </a:txBody>
-                  <a:tcPr anchor="ctr">
-                    <a:lnL>
-                      <a:noFill/>
-                    </a:lnL>
-                    <a:lnR>
-                      <a:noFill/>
-                    </a:lnR>
-                    <a:lnT>
-                      <a:noFill/>
-                    </a:lnT>
-                    <a:lnB>
-                      <a:noFill/>
-                    </a:lnB>
-                    <a:noFill/>
-                  </a:tcPr>
-                </a:tc>
-                <a:tc>
-                  <a:txBody>
-                    <a:bodyPr/>
-                    <a:lstStyle/>
-                    <a:p>
-                      <a:pPr>
-                        <a:buNone/>
-                      </a:pPr>
-                      <a:r>
-                        <a:rPr lang="en-IN"/>
-                        <a:t>Low</a:t>
-                      </a:r>
-                    </a:p>
-                  </a:txBody>
-                  <a:tcPr anchor="ctr">
-                    <a:lnL>
-                      <a:noFill/>
-                    </a:lnL>
-                    <a:lnR>
-                      <a:noFill/>
-                    </a:lnR>
-                    <a:lnT>
-                      <a:noFill/>
-                    </a:lnT>
-                    <a:lnB>
-                      <a:noFill/>
-                    </a:lnB>
-                    <a:noFill/>
-                  </a:tcPr>
-                </a:tc>
-                <a:tc>
-                  <a:txBody>
-                    <a:bodyPr/>
-                    <a:lstStyle/>
-                    <a:p>
-                      <a:pPr>
-                        <a:buNone/>
-                      </a:pPr>
-                      <a:r>
-                        <a:rPr lang="en-IN"/>
-                        <a:t>High</a:t>
-                      </a:r>
-                    </a:p>
-                  </a:txBody>
-                  <a:tcPr anchor="ctr">
-                    <a:lnL>
-                      <a:noFill/>
-                    </a:lnL>
-                    <a:lnR>
-                      <a:noFill/>
-                    </a:lnR>
-                    <a:lnT>
-                      <a:noFill/>
-                    </a:lnT>
-                    <a:lnB>
-                      <a:noFill/>
-                    </a:lnB>
-                    <a:noFill/>
-                  </a:tcPr>
-                </a:tc>
-                <a:tc>
-                  <a:txBody>
-                    <a:bodyPr/>
-                    <a:lstStyle/>
-                    <a:p>
-                      <a:pPr>
-                        <a:buNone/>
-                      </a:pPr>
-                      <a:r>
-                        <a:rPr lang="en-IN"/>
-                        <a:t>Medium</a:t>
-                      </a:r>
-                    </a:p>
-                  </a:txBody>
-                  <a:tcPr anchor="ctr">
-                    <a:lnL>
-                      <a:noFill/>
-                    </a:lnL>
-                    <a:lnR>
-                      <a:noFill/>
-                    </a:lnR>
-                    <a:lnT>
-                      <a:noFill/>
-                    </a:lnT>
-                    <a:lnB>
-                      <a:noFill/>
-                    </a:lnB>
-                    <a:noFill/>
-                  </a:tcPr>
-                </a:tc>
-                <a:extLst>
-                  <a:ext uri="{0D108BD9-81ED-4DB2-BD59-A6C34878D82A}">
-                    <a16:rowId xmlns:a16="http://schemas.microsoft.com/office/drawing/2014/main" val="2976248770"/>
-                  </a:ext>
-                </a:extLst>
-              </a:tr>
-              <a:tr h="0">
-                <a:tc>
-                  <a:txBody>
-                    <a:bodyPr/>
-                    <a:lstStyle/>
-                    <a:p>
-                      <a:pPr>
-                        <a:buNone/>
-                      </a:pPr>
-                      <a:r>
-                        <a:rPr lang="en-IN"/>
-                        <a:t>Production Readiness</a:t>
-                      </a:r>
-                    </a:p>
-                  </a:txBody>
-                  <a:tcPr anchor="ctr">
-                    <a:lnL>
-                      <a:noFill/>
-                    </a:lnL>
-                    <a:lnR>
-                      <a:noFill/>
-                    </a:lnR>
-                    <a:lnT>
-                      <a:noFill/>
-                    </a:lnT>
-                    <a:lnB>
-                      <a:noFill/>
-                    </a:lnB>
-                    <a:noFill/>
-                  </a:tcPr>
-                </a:tc>
-                <a:tc>
-                  <a:txBody>
-                    <a:bodyPr/>
-                    <a:lstStyle/>
-                    <a:p>
-                      <a:pPr>
-                        <a:buNone/>
-                      </a:pPr>
-                      <a:r>
-                        <a:rPr lang="en-IN" dirty="0"/>
-                        <a:t>Low</a:t>
-                      </a:r>
-                    </a:p>
-                  </a:txBody>
-                  <a:tcPr anchor="ctr">
-                    <a:lnL>
-                      <a:noFill/>
-                    </a:lnL>
-                    <a:lnR>
-                      <a:noFill/>
-                    </a:lnR>
-                    <a:lnT>
-                      <a:noFill/>
-                    </a:lnT>
-                    <a:lnB>
-                      <a:noFill/>
-                    </a:lnB>
-                    <a:noFill/>
-                  </a:tcPr>
-                </a:tc>
-                <a:tc>
-                  <a:txBody>
-                    <a:bodyPr/>
-                    <a:lstStyle/>
-                    <a:p>
-                      <a:pPr>
-                        <a:buNone/>
-                      </a:pPr>
-                      <a:r>
-                        <a:rPr lang="en-IN"/>
-                        <a:t>Medium</a:t>
-                      </a:r>
-                    </a:p>
-                  </a:txBody>
-                  <a:tcPr anchor="ctr">
-                    <a:lnL>
-                      <a:noFill/>
-                    </a:lnL>
-                    <a:lnR>
-                      <a:noFill/>
-                    </a:lnR>
-                    <a:lnT>
-                      <a:noFill/>
-                    </a:lnT>
-                    <a:lnB>
-                      <a:noFill/>
-                    </a:lnB>
-                    <a:noFill/>
-                  </a:tcPr>
-                </a:tc>
-                <a:tc>
-                  <a:txBody>
-                    <a:bodyPr/>
-                    <a:lstStyle/>
-                    <a:p>
-                      <a:pPr>
-                        <a:buNone/>
-                      </a:pPr>
-                      <a:r>
-                        <a:rPr lang="en-IN"/>
-                        <a:t>High</a:t>
-                      </a:r>
-                    </a:p>
-                  </a:txBody>
-                  <a:tcPr anchor="ctr">
-                    <a:lnL>
-                      <a:noFill/>
-                    </a:lnL>
-                    <a:lnR>
-                      <a:noFill/>
-                    </a:lnR>
-                    <a:lnT>
-                      <a:noFill/>
-                    </a:lnT>
-                    <a:lnB>
-                      <a:noFill/>
-                    </a:lnB>
-                    <a:noFill/>
-                  </a:tcPr>
-                </a:tc>
-                <a:extLst>
-                  <a:ext uri="{0D108BD9-81ED-4DB2-BD59-A6C34878D82A}">
-                    <a16:rowId xmlns:a16="http://schemas.microsoft.com/office/drawing/2014/main" val="996899684"/>
-                  </a:ext>
-                </a:extLst>
-              </a:tr>
-              <a:tr h="0">
-                <a:tc>
-                  <a:txBody>
-                    <a:bodyPr/>
-                    <a:lstStyle/>
-                    <a:p>
-                      <a:pPr>
-                        <a:buNone/>
-                      </a:pPr>
-                      <a:r>
-                        <a:rPr lang="en-IN"/>
-                        <a:t>Best Framework</a:t>
-                      </a:r>
-                    </a:p>
-                  </a:txBody>
-                  <a:tcPr anchor="ctr">
-                    <a:lnL>
-                      <a:noFill/>
-                    </a:lnL>
-                    <a:lnR>
-                      <a:noFill/>
-                    </a:lnR>
-                    <a:lnT>
-                      <a:noFill/>
-                    </a:lnT>
-                    <a:lnB>
-                      <a:noFill/>
-                    </a:lnB>
-                    <a:noFill/>
-                  </a:tcPr>
-                </a:tc>
-                <a:tc>
-                  <a:txBody>
-                    <a:bodyPr/>
-                    <a:lstStyle/>
-                    <a:p>
-                      <a:pPr>
-                        <a:buNone/>
-                      </a:pPr>
-                      <a:r>
-                        <a:rPr lang="en-IN" dirty="0" err="1"/>
-                        <a:t>LangChain</a:t>
-                      </a:r>
-                      <a:endParaRPr lang="en-IN" dirty="0"/>
-                    </a:p>
-                  </a:txBody>
-                  <a:tcPr anchor="ctr">
-                    <a:lnL>
-                      <a:noFill/>
-                    </a:lnL>
-                    <a:lnR>
-                      <a:noFill/>
-                    </a:lnR>
-                    <a:lnT>
-                      <a:noFill/>
-                    </a:lnT>
-                    <a:lnB>
-                      <a:noFill/>
-                    </a:lnB>
-                    <a:noFill/>
-                  </a:tcPr>
-                </a:tc>
-                <a:tc>
-                  <a:txBody>
-                    <a:bodyPr/>
-                    <a:lstStyle/>
-                    <a:p>
-                      <a:pPr>
-                        <a:buNone/>
-                      </a:pPr>
-                      <a:r>
-                        <a:rPr lang="en-IN"/>
-                        <a:t>LangGraph / CrewAI</a:t>
-                      </a:r>
-                    </a:p>
-                  </a:txBody>
-                  <a:tcPr anchor="ctr">
-                    <a:lnL>
-                      <a:noFill/>
-                    </a:lnL>
-                    <a:lnR>
-                      <a:noFill/>
-                    </a:lnR>
-                    <a:lnT>
-                      <a:noFill/>
-                    </a:lnT>
-                    <a:lnB>
-                      <a:noFill/>
-                    </a:lnB>
-                    <a:noFill/>
-                  </a:tcPr>
-                </a:tc>
-                <a:tc>
-                  <a:txBody>
-                    <a:bodyPr/>
-                    <a:lstStyle/>
-                    <a:p>
-                      <a:pPr>
-                        <a:buNone/>
-                      </a:pPr>
-                      <a:r>
-                        <a:rPr lang="en-IN" dirty="0" err="1"/>
-                        <a:t>LangGraph</a:t>
-                      </a:r>
-                      <a:endParaRPr lang="en-IN" dirty="0"/>
-                    </a:p>
-                  </a:txBody>
-                  <a:tcPr anchor="ctr">
-                    <a:lnL>
-                      <a:noFill/>
-                    </a:lnL>
-                    <a:lnR>
-                      <a:noFill/>
-                    </a:lnR>
-                    <a:lnT>
-                      <a:noFill/>
-                    </a:lnT>
-                    <a:lnB>
-                      <a:noFill/>
-                    </a:lnB>
-                    <a:noFill/>
-                  </a:tcPr>
-                </a:tc>
-                <a:extLst>
-                  <a:ext uri="{0D108BD9-81ED-4DB2-BD59-A6C34878D82A}">
-                    <a16:rowId xmlns:a16="http://schemas.microsoft.com/office/drawing/2014/main" val="3985679436"/>
-                  </a:ext>
-                </a:extLst>
-              </a:tr>
-            </a:tbl>
-          </a:graphicData>
-        </a:graphic>
-      </p:graphicFrame>
-    </p:spTree>
-    <p:extLst>
-      <p:ext uri="{BB962C8B-B14F-4D97-AF65-F5344CB8AC3E}">
-        <p14:creationId xmlns:p14="http://schemas.microsoft.com/office/powerpoint/2010/main" val="1108597527"/>
       </p:ext>
     </p:extLst>
   </p:cSld>
